--- a/study-note/데이터베이스/2022-09-05 내용정리.pptx
+++ b/study-note/데이터베이스/2022-09-05 내용정리.pptx
@@ -5,7 +5,7 @@
     <p:sldMasterId id="2147483648" r:id="rId1"/>
   </p:sldMasterIdLst>
   <p:notesMasterIdLst>
-    <p:notesMasterId r:id="rId53"/>
+    <p:notesMasterId r:id="rId51"/>
   </p:notesMasterIdLst>
   <p:sldIdLst>
     <p:sldId id="256" r:id="rId2"/>
@@ -35,30 +35,28 @@
     <p:sldId id="411" r:id="rId26"/>
     <p:sldId id="412" r:id="rId27"/>
     <p:sldId id="413" r:id="rId28"/>
-    <p:sldId id="416" r:id="rId29"/>
-    <p:sldId id="417" r:id="rId30"/>
-    <p:sldId id="414" r:id="rId31"/>
-    <p:sldId id="415" r:id="rId32"/>
-    <p:sldId id="383" r:id="rId33"/>
-    <p:sldId id="384" r:id="rId34"/>
-    <p:sldId id="385" r:id="rId35"/>
-    <p:sldId id="386" r:id="rId36"/>
-    <p:sldId id="387" r:id="rId37"/>
-    <p:sldId id="388" r:id="rId38"/>
-    <p:sldId id="389" r:id="rId39"/>
-    <p:sldId id="390" r:id="rId40"/>
-    <p:sldId id="391" r:id="rId41"/>
-    <p:sldId id="392" r:id="rId42"/>
-    <p:sldId id="393" r:id="rId43"/>
-    <p:sldId id="394" r:id="rId44"/>
-    <p:sldId id="395" r:id="rId45"/>
-    <p:sldId id="396" r:id="rId46"/>
-    <p:sldId id="397" r:id="rId47"/>
-    <p:sldId id="398" r:id="rId48"/>
-    <p:sldId id="399" r:id="rId49"/>
-    <p:sldId id="400" r:id="rId50"/>
-    <p:sldId id="401" r:id="rId51"/>
-    <p:sldId id="402" r:id="rId52"/>
+    <p:sldId id="414" r:id="rId29"/>
+    <p:sldId id="415" r:id="rId30"/>
+    <p:sldId id="383" r:id="rId31"/>
+    <p:sldId id="384" r:id="rId32"/>
+    <p:sldId id="385" r:id="rId33"/>
+    <p:sldId id="386" r:id="rId34"/>
+    <p:sldId id="387" r:id="rId35"/>
+    <p:sldId id="388" r:id="rId36"/>
+    <p:sldId id="389" r:id="rId37"/>
+    <p:sldId id="390" r:id="rId38"/>
+    <p:sldId id="391" r:id="rId39"/>
+    <p:sldId id="392" r:id="rId40"/>
+    <p:sldId id="393" r:id="rId41"/>
+    <p:sldId id="394" r:id="rId42"/>
+    <p:sldId id="395" r:id="rId43"/>
+    <p:sldId id="396" r:id="rId44"/>
+    <p:sldId id="397" r:id="rId45"/>
+    <p:sldId id="398" r:id="rId46"/>
+    <p:sldId id="399" r:id="rId47"/>
+    <p:sldId id="400" r:id="rId48"/>
+    <p:sldId id="401" r:id="rId49"/>
+    <p:sldId id="402" r:id="rId50"/>
   </p:sldIdLst>
   <p:sldSz cx="12192000" cy="6858000"/>
   <p:notesSz cx="6858000" cy="9144000"/>
@@ -3753,8 +3751,8 @@
           <a:lstStyle/>
           <a:p>
             <a:r>
-              <a:rPr lang="en-US" altLang="ko-KR" dirty="0"/>
-              <a:t>2022-09-02 </a:t>
+              <a:rPr lang="en-US" altLang="ko-KR"/>
+              <a:t>2022-09-05 </a:t>
             </a:r>
             <a:r>
               <a:rPr lang="ko-KR" altLang="en-US" dirty="0"/>
@@ -15594,679 +15592,6 @@
           <a:chExt cx="0" cy="0"/>
         </a:xfrm>
       </p:grpSpPr>
-      <p:sp>
-        <p:nvSpPr>
-          <p:cNvPr id="2" name="타원 1">
-            <a:extLst>
-              <a:ext uri="{FF2B5EF4-FFF2-40B4-BE49-F238E27FC236}">
-                <a16:creationId xmlns:a16="http://schemas.microsoft.com/office/drawing/2014/main" id="{345EBB81-C6D9-5475-36C9-B88FE2BBEF02}"/>
-              </a:ext>
-            </a:extLst>
-          </p:cNvPr>
-          <p:cNvSpPr/>
-          <p:nvPr/>
-        </p:nvSpPr>
-        <p:spPr>
-          <a:xfrm>
-            <a:off x="1137684" y="1722474"/>
-            <a:ext cx="3763926" cy="3763926"/>
-          </a:xfrm>
-          <a:prstGeom prst="ellipse">
-            <a:avLst/>
-          </a:prstGeom>
-        </p:spPr>
-        <p:style>
-          <a:lnRef idx="3">
-            <a:schemeClr val="lt1"/>
-          </a:lnRef>
-          <a:fillRef idx="1">
-            <a:schemeClr val="accent1"/>
-          </a:fillRef>
-          <a:effectRef idx="1">
-            <a:schemeClr val="accent1"/>
-          </a:effectRef>
-          <a:fontRef idx="minor">
-            <a:schemeClr val="lt1"/>
-          </a:fontRef>
-        </p:style>
-        <p:txBody>
-          <a:bodyPr rtlCol="0" anchor="ctr"/>
-          <a:lstStyle/>
-          <a:p>
-            <a:pPr algn="ctr"/>
-            <a:endParaRPr kumimoji="1" lang="ko-Kore-KR" altLang="en-US"/>
-          </a:p>
-        </p:txBody>
-      </p:sp>
-      <p:sp>
-        <p:nvSpPr>
-          <p:cNvPr id="3" name="직사각형 2">
-            <a:extLst>
-              <a:ext uri="{FF2B5EF4-FFF2-40B4-BE49-F238E27FC236}">
-                <a16:creationId xmlns:a16="http://schemas.microsoft.com/office/drawing/2014/main" id="{59B00EF1-D15C-999A-8092-578F3842D7EC}"/>
-              </a:ext>
-            </a:extLst>
-          </p:cNvPr>
-          <p:cNvSpPr/>
-          <p:nvPr/>
-        </p:nvSpPr>
-        <p:spPr>
-          <a:xfrm>
-            <a:off x="2275367" y="1594883"/>
-            <a:ext cx="1488558" cy="255180"/>
-          </a:xfrm>
-          <a:prstGeom prst="rect">
-            <a:avLst/>
-          </a:prstGeom>
-        </p:spPr>
-        <p:style>
-          <a:lnRef idx="2">
-            <a:schemeClr val="accent1"/>
-          </a:lnRef>
-          <a:fillRef idx="1">
-            <a:schemeClr val="lt1"/>
-          </a:fillRef>
-          <a:effectRef idx="0">
-            <a:schemeClr val="accent1"/>
-          </a:effectRef>
-          <a:fontRef idx="minor">
-            <a:schemeClr val="dk1"/>
-          </a:fontRef>
-        </p:style>
-        <p:txBody>
-          <a:bodyPr rtlCol="0" anchor="ctr"/>
-          <a:lstStyle/>
-          <a:p>
-            <a:pPr algn="ctr"/>
-            <a:r>
-              <a:rPr kumimoji="1" lang="en-US" altLang="ko-Kore-KR" sz="1400" dirty="0"/>
-              <a:t>(super)</a:t>
-            </a:r>
-            <a:r>
-              <a:rPr kumimoji="1" lang="en-US" altLang="ko-Kore-KR" sz="1400" b="1" dirty="0"/>
-              <a:t>KEY</a:t>
-            </a:r>
-            <a:endParaRPr kumimoji="1" lang="ko-Kore-KR" altLang="en-US" sz="1400" b="1" dirty="0"/>
-          </a:p>
-        </p:txBody>
-      </p:sp>
-      <p:sp>
-        <p:nvSpPr>
-          <p:cNvPr id="4" name="타원 3">
-            <a:extLst>
-              <a:ext uri="{FF2B5EF4-FFF2-40B4-BE49-F238E27FC236}">
-                <a16:creationId xmlns:a16="http://schemas.microsoft.com/office/drawing/2014/main" id="{1647B27E-22C8-EC61-5008-3FF67E7218BC}"/>
-              </a:ext>
-            </a:extLst>
-          </p:cNvPr>
-          <p:cNvSpPr/>
-          <p:nvPr/>
-        </p:nvSpPr>
-        <p:spPr>
-          <a:xfrm>
-            <a:off x="1710070" y="2294860"/>
-            <a:ext cx="2619153" cy="2619153"/>
-          </a:xfrm>
-          <a:prstGeom prst="ellipse">
-            <a:avLst/>
-          </a:prstGeom>
-        </p:spPr>
-        <p:style>
-          <a:lnRef idx="3">
-            <a:schemeClr val="lt1"/>
-          </a:lnRef>
-          <a:fillRef idx="1">
-            <a:schemeClr val="accent5"/>
-          </a:fillRef>
-          <a:effectRef idx="1">
-            <a:schemeClr val="accent5"/>
-          </a:effectRef>
-          <a:fontRef idx="minor">
-            <a:schemeClr val="lt1"/>
-          </a:fontRef>
-        </p:style>
-        <p:txBody>
-          <a:bodyPr rtlCol="0" anchor="ctr"/>
-          <a:lstStyle/>
-          <a:p>
-            <a:pPr algn="ctr"/>
-            <a:endParaRPr kumimoji="1" lang="ko-Kore-KR" altLang="en-US"/>
-          </a:p>
-        </p:txBody>
-      </p:sp>
-      <p:sp>
-        <p:nvSpPr>
-          <p:cNvPr id="5" name="직사각형 4">
-            <a:extLst>
-              <a:ext uri="{FF2B5EF4-FFF2-40B4-BE49-F238E27FC236}">
-                <a16:creationId xmlns:a16="http://schemas.microsoft.com/office/drawing/2014/main" id="{C30FA064-F8A5-53B9-3978-6F8711ECC8AA}"/>
-              </a:ext>
-            </a:extLst>
-          </p:cNvPr>
-          <p:cNvSpPr/>
-          <p:nvPr/>
-        </p:nvSpPr>
-        <p:spPr>
-          <a:xfrm>
-            <a:off x="2275367" y="2200051"/>
-            <a:ext cx="1488558" cy="444795"/>
-          </a:xfrm>
-          <a:prstGeom prst="rect">
-            <a:avLst/>
-          </a:prstGeom>
-        </p:spPr>
-        <p:style>
-          <a:lnRef idx="2">
-            <a:schemeClr val="accent5"/>
-          </a:lnRef>
-          <a:fillRef idx="1">
-            <a:schemeClr val="lt1"/>
-          </a:fillRef>
-          <a:effectRef idx="0">
-            <a:schemeClr val="accent5"/>
-          </a:effectRef>
-          <a:fontRef idx="minor">
-            <a:schemeClr val="dk1"/>
-          </a:fontRef>
-        </p:style>
-        <p:txBody>
-          <a:bodyPr rtlCol="0" anchor="ctr"/>
-          <a:lstStyle/>
-          <a:p>
-            <a:pPr algn="ctr"/>
-            <a:r>
-              <a:rPr kumimoji="1" lang="en-US" altLang="ko-Kore-KR" sz="1400" b="1" dirty="0"/>
-              <a:t>Candidate KEY</a:t>
-            </a:r>
-            <a:r>
-              <a:rPr kumimoji="1" lang="en-US" altLang="ko-Kore-KR" sz="1400" dirty="0"/>
-              <a:t>(</a:t>
-            </a:r>
-            <a:r>
-              <a:rPr kumimoji="1" lang="ko-KR" altLang="en-US" sz="1400" dirty="0" err="1"/>
-              <a:t>최소키</a:t>
-            </a:r>
-            <a:r>
-              <a:rPr kumimoji="1" lang="en-US" altLang="ko-KR" sz="1400" dirty="0"/>
-              <a:t>,</a:t>
-            </a:r>
-            <a:r>
-              <a:rPr kumimoji="1" lang="ko-KR" altLang="en-US" sz="1400" dirty="0"/>
-              <a:t> </a:t>
-            </a:r>
-            <a:r>
-              <a:rPr kumimoji="1" lang="ko-KR" altLang="en-US" sz="1400" dirty="0" err="1"/>
-              <a:t>후보키</a:t>
-            </a:r>
-            <a:r>
-              <a:rPr kumimoji="1" lang="en-US" altLang="ko-KR" sz="1400" dirty="0"/>
-              <a:t>)</a:t>
-            </a:r>
-            <a:endParaRPr kumimoji="1" lang="ko-Kore-KR" altLang="en-US" sz="1400" b="1" dirty="0"/>
-          </a:p>
-        </p:txBody>
-      </p:sp>
-      <p:sp>
-        <p:nvSpPr>
-          <p:cNvPr id="6" name="타원 5">
-            <a:extLst>
-              <a:ext uri="{FF2B5EF4-FFF2-40B4-BE49-F238E27FC236}">
-                <a16:creationId xmlns:a16="http://schemas.microsoft.com/office/drawing/2014/main" id="{3FABC875-05CD-6E91-C8B2-333429106BDB}"/>
-              </a:ext>
-            </a:extLst>
-          </p:cNvPr>
-          <p:cNvSpPr/>
-          <p:nvPr/>
-        </p:nvSpPr>
-        <p:spPr>
-          <a:xfrm>
-            <a:off x="2170814" y="2873442"/>
-            <a:ext cx="717697" cy="717697"/>
-          </a:xfrm>
-          <a:prstGeom prst="ellipse">
-            <a:avLst/>
-          </a:prstGeom>
-        </p:spPr>
-        <p:style>
-          <a:lnRef idx="3">
-            <a:schemeClr val="lt1"/>
-          </a:lnRef>
-          <a:fillRef idx="1">
-            <a:schemeClr val="accent4"/>
-          </a:fillRef>
-          <a:effectRef idx="1">
-            <a:schemeClr val="accent4"/>
-          </a:effectRef>
-          <a:fontRef idx="minor">
-            <a:schemeClr val="lt1"/>
-          </a:fontRef>
-        </p:style>
-        <p:txBody>
-          <a:bodyPr rtlCol="0" anchor="ctr"/>
-          <a:lstStyle/>
-          <a:p>
-            <a:pPr algn="ctr"/>
-            <a:r>
-              <a:rPr kumimoji="1" lang="en-US" altLang="ko-Kore-KR" dirty="0"/>
-              <a:t>PK</a:t>
-            </a:r>
-            <a:endParaRPr kumimoji="1" lang="ko-Kore-KR" altLang="en-US" dirty="0"/>
-          </a:p>
-        </p:txBody>
-      </p:sp>
-      <p:sp>
-        <p:nvSpPr>
-          <p:cNvPr id="7" name="직사각형 6">
-            <a:extLst>
-              <a:ext uri="{FF2B5EF4-FFF2-40B4-BE49-F238E27FC236}">
-                <a16:creationId xmlns:a16="http://schemas.microsoft.com/office/drawing/2014/main" id="{7A485D5E-0FF6-BFBE-60E0-906F446028BC}"/>
-              </a:ext>
-            </a:extLst>
-          </p:cNvPr>
-          <p:cNvSpPr/>
-          <p:nvPr/>
-        </p:nvSpPr>
-        <p:spPr>
-          <a:xfrm>
-            <a:off x="2732567" y="3726709"/>
-            <a:ext cx="1339703" cy="372140"/>
-          </a:xfrm>
-          <a:prstGeom prst="rect">
-            <a:avLst/>
-          </a:prstGeom>
-        </p:spPr>
-        <p:style>
-          <a:lnRef idx="3">
-            <a:schemeClr val="lt1"/>
-          </a:lnRef>
-          <a:fillRef idx="1">
-            <a:schemeClr val="accent6"/>
-          </a:fillRef>
-          <a:effectRef idx="1">
-            <a:schemeClr val="accent6"/>
-          </a:effectRef>
-          <a:fontRef idx="minor">
-            <a:schemeClr val="lt1"/>
-          </a:fontRef>
-        </p:style>
-        <p:txBody>
-          <a:bodyPr rtlCol="0" anchor="ctr"/>
-          <a:lstStyle/>
-          <a:p>
-            <a:pPr algn="ctr"/>
-            <a:r>
-              <a:rPr kumimoji="1" lang="en-US" altLang="ko-Kore-KR" sz="1200" dirty="0"/>
-              <a:t>Alternative key</a:t>
-            </a:r>
-            <a:endParaRPr kumimoji="1" lang="ko-Kore-KR" altLang="en-US" sz="1200" dirty="0"/>
-          </a:p>
-        </p:txBody>
-      </p:sp>
-      <p:cxnSp>
-        <p:nvCxnSpPr>
-          <p:cNvPr id="8" name="직선 화살표 연결선 7">
-            <a:extLst>
-              <a:ext uri="{FF2B5EF4-FFF2-40B4-BE49-F238E27FC236}">
-                <a16:creationId xmlns:a16="http://schemas.microsoft.com/office/drawing/2014/main" id="{3CAC1A9A-239E-BE0B-2DF1-401F8B96B664}"/>
-              </a:ext>
-            </a:extLst>
-          </p:cNvPr>
-          <p:cNvCxnSpPr>
-            <a:cxnSpLocks/>
-            <a:stCxn id="9" idx="1"/>
-          </p:cNvCxnSpPr>
-          <p:nvPr/>
-        </p:nvCxnSpPr>
-        <p:spPr>
-          <a:xfrm flipH="1" flipV="1">
-            <a:off x="3402418" y="4098849"/>
-            <a:ext cx="1233956" cy="815164"/>
-          </a:xfrm>
-          <a:prstGeom prst="straightConnector1">
-            <a:avLst/>
-          </a:prstGeom>
-          <a:ln>
-            <a:tailEnd type="triangle"/>
-          </a:ln>
-        </p:spPr>
-        <p:style>
-          <a:lnRef idx="3">
-            <a:schemeClr val="accent6"/>
-          </a:lnRef>
-          <a:fillRef idx="0">
-            <a:schemeClr val="accent6"/>
-          </a:fillRef>
-          <a:effectRef idx="2">
-            <a:schemeClr val="accent6"/>
-          </a:effectRef>
-          <a:fontRef idx="minor">
-            <a:schemeClr val="tx1"/>
-          </a:fontRef>
-        </p:style>
-      </p:cxnSp>
-      <p:sp>
-        <p:nvSpPr>
-          <p:cNvPr id="9" name="직사각형 8">
-            <a:extLst>
-              <a:ext uri="{FF2B5EF4-FFF2-40B4-BE49-F238E27FC236}">
-                <a16:creationId xmlns:a16="http://schemas.microsoft.com/office/drawing/2014/main" id="{24D1EFCE-511A-71DE-249B-452DDFC08BF4}"/>
-              </a:ext>
-            </a:extLst>
-          </p:cNvPr>
-          <p:cNvSpPr/>
-          <p:nvPr/>
-        </p:nvSpPr>
-        <p:spPr>
-          <a:xfrm>
-            <a:off x="4636374" y="4711994"/>
-            <a:ext cx="3226405" cy="404037"/>
-          </a:xfrm>
-          <a:prstGeom prst="rect">
-            <a:avLst/>
-          </a:prstGeom>
-        </p:spPr>
-        <p:style>
-          <a:lnRef idx="2">
-            <a:schemeClr val="accent6"/>
-          </a:lnRef>
-          <a:fillRef idx="1">
-            <a:schemeClr val="lt1"/>
-          </a:fillRef>
-          <a:effectRef idx="0">
-            <a:schemeClr val="accent6"/>
-          </a:effectRef>
-          <a:fontRef idx="minor">
-            <a:schemeClr val="dk1"/>
-          </a:fontRef>
-        </p:style>
-        <p:txBody>
-          <a:bodyPr rtlCol="0" anchor="ctr"/>
-          <a:lstStyle/>
-          <a:p>
-            <a:pPr algn="ctr"/>
-            <a:r>
-              <a:rPr kumimoji="1" lang="en-US" altLang="ko-KR" sz="1400" dirty="0"/>
-              <a:t>Unique column</a:t>
-            </a:r>
-            <a:r>
-              <a:rPr kumimoji="1" lang="ko-KR" altLang="en-US" sz="1400" dirty="0" err="1"/>
-              <a:t>으로</a:t>
-            </a:r>
-            <a:r>
-              <a:rPr kumimoji="1" lang="ko-KR" altLang="en-US" sz="1400" dirty="0"/>
-              <a:t> 만든다</a:t>
-            </a:r>
-            <a:r>
-              <a:rPr kumimoji="1" lang="en-US" altLang="ko-KR" sz="1400" dirty="0"/>
-              <a:t>.</a:t>
-            </a:r>
-            <a:endParaRPr kumimoji="1" lang="ko-Kore-KR" altLang="en-US" sz="1400" dirty="0"/>
-          </a:p>
-        </p:txBody>
-      </p:sp>
-      <p:sp>
-        <p:nvSpPr>
-          <p:cNvPr id="19" name="직사각형 18">
-            <a:extLst>
-              <a:ext uri="{FF2B5EF4-FFF2-40B4-BE49-F238E27FC236}">
-                <a16:creationId xmlns:a16="http://schemas.microsoft.com/office/drawing/2014/main" id="{0673C33B-6585-D2CB-62CE-F9BB0DA26F0E}"/>
-              </a:ext>
-            </a:extLst>
-          </p:cNvPr>
-          <p:cNvSpPr/>
-          <p:nvPr/>
-        </p:nvSpPr>
-        <p:spPr>
-          <a:xfrm>
-            <a:off x="8530854" y="2210682"/>
-            <a:ext cx="3226405" cy="858581"/>
-          </a:xfrm>
-          <a:prstGeom prst="rect">
-            <a:avLst/>
-          </a:prstGeom>
-        </p:spPr>
-        <p:style>
-          <a:lnRef idx="3">
-            <a:schemeClr val="lt1"/>
-          </a:lnRef>
-          <a:fillRef idx="1">
-            <a:schemeClr val="accent3"/>
-          </a:fillRef>
-          <a:effectRef idx="1">
-            <a:schemeClr val="accent3"/>
-          </a:effectRef>
-          <a:fontRef idx="minor">
-            <a:schemeClr val="lt1"/>
-          </a:fontRef>
-        </p:style>
-        <p:txBody>
-          <a:bodyPr rtlCol="0" anchor="ctr"/>
-          <a:lstStyle/>
-          <a:p>
-            <a:pPr algn="ctr"/>
-            <a:r>
-              <a:rPr kumimoji="1" lang="ko-Kore-KR" altLang="en-US" sz="1400" b="1" dirty="0"/>
-              <a:t>대리키</a:t>
-            </a:r>
-            <a:r>
-              <a:rPr kumimoji="1" lang="en-US" altLang="ko-Kore-KR" sz="1400" b="1" dirty="0"/>
-              <a:t> (= </a:t>
-            </a:r>
-            <a:r>
-              <a:rPr kumimoji="1" lang="ko-KR" altLang="en-US" sz="1400" b="1" dirty="0" err="1"/>
-              <a:t>인공키</a:t>
-            </a:r>
-            <a:r>
-              <a:rPr kumimoji="1" lang="en-US" altLang="ko-KR" sz="1400" b="1" dirty="0"/>
-              <a:t>)</a:t>
-            </a:r>
-            <a:endParaRPr kumimoji="1" lang="en-US" altLang="ko-Kore-KR" sz="1400" b="1" dirty="0"/>
-          </a:p>
-          <a:p>
-            <a:pPr algn="ctr"/>
-            <a:r>
-              <a:rPr kumimoji="1" lang="en-US" altLang="ko-Kore-KR" sz="1400" b="1" dirty="0"/>
-              <a:t>Surrogate KEY</a:t>
-            </a:r>
-            <a:r>
-              <a:rPr kumimoji="1" lang="ko-KR" altLang="en-US" sz="1400" b="1" dirty="0"/>
-              <a:t> </a:t>
-            </a:r>
-            <a:r>
-              <a:rPr kumimoji="1" lang="en-US" altLang="ko-KR" sz="1400" b="1" dirty="0"/>
-              <a:t>(=</a:t>
-            </a:r>
-            <a:r>
-              <a:rPr kumimoji="1" lang="ko-KR" altLang="en-US" sz="1400" b="1" dirty="0"/>
-              <a:t> </a:t>
-            </a:r>
-            <a:r>
-              <a:rPr kumimoji="1" lang="en-US" altLang="ko-KR" sz="1400" b="1" dirty="0"/>
-              <a:t>Artificial KEY)</a:t>
-            </a:r>
-            <a:endParaRPr kumimoji="1" lang="en-US" altLang="ko-Kore-KR" sz="1400" b="1" dirty="0"/>
-          </a:p>
-          <a:p>
-            <a:pPr algn="ctr"/>
-            <a:endParaRPr kumimoji="1" lang="ko-Kore-KR" altLang="en-US" sz="1400" b="1" dirty="0"/>
-          </a:p>
-        </p:txBody>
-      </p:sp>
-      <p:cxnSp>
-        <p:nvCxnSpPr>
-          <p:cNvPr id="20" name="직선 화살표 연결선 19">
-            <a:extLst>
-              <a:ext uri="{FF2B5EF4-FFF2-40B4-BE49-F238E27FC236}">
-                <a16:creationId xmlns:a16="http://schemas.microsoft.com/office/drawing/2014/main" id="{8C06CEB1-4FF0-7C2F-7CBA-18A8552FA70C}"/>
-              </a:ext>
-            </a:extLst>
-          </p:cNvPr>
-          <p:cNvCxnSpPr>
-            <a:cxnSpLocks/>
-            <a:stCxn id="21" idx="0"/>
-            <a:endCxn id="19" idx="2"/>
-          </p:cNvCxnSpPr>
-          <p:nvPr/>
-        </p:nvCxnSpPr>
-        <p:spPr>
-          <a:xfrm flipV="1">
-            <a:off x="10144057" y="3069263"/>
-            <a:ext cx="0" cy="477577"/>
-          </a:xfrm>
-          <a:prstGeom prst="straightConnector1">
-            <a:avLst/>
-          </a:prstGeom>
-          <a:ln>
-            <a:tailEnd type="triangle"/>
-          </a:ln>
-        </p:spPr>
-        <p:style>
-          <a:lnRef idx="3">
-            <a:schemeClr val="accent3"/>
-          </a:lnRef>
-          <a:fillRef idx="0">
-            <a:schemeClr val="accent3"/>
-          </a:fillRef>
-          <a:effectRef idx="2">
-            <a:schemeClr val="accent3"/>
-          </a:effectRef>
-          <a:fontRef idx="minor">
-            <a:schemeClr val="tx1"/>
-          </a:fontRef>
-        </p:style>
-      </p:cxnSp>
-      <p:sp>
-        <p:nvSpPr>
-          <p:cNvPr id="21" name="직사각형 20">
-            <a:extLst>
-              <a:ext uri="{FF2B5EF4-FFF2-40B4-BE49-F238E27FC236}">
-                <a16:creationId xmlns:a16="http://schemas.microsoft.com/office/drawing/2014/main" id="{22B855C8-55D1-56CA-B692-047B754FF908}"/>
-              </a:ext>
-            </a:extLst>
-          </p:cNvPr>
-          <p:cNvSpPr/>
-          <p:nvPr/>
-        </p:nvSpPr>
-        <p:spPr>
-          <a:xfrm>
-            <a:off x="8530854" y="3546840"/>
-            <a:ext cx="3226405" cy="404037"/>
-          </a:xfrm>
-          <a:prstGeom prst="rect">
-            <a:avLst/>
-          </a:prstGeom>
-          <a:ln/>
-        </p:spPr>
-        <p:style>
-          <a:lnRef idx="2">
-            <a:schemeClr val="accent3"/>
-          </a:lnRef>
-          <a:fillRef idx="1">
-            <a:schemeClr val="lt1"/>
-          </a:fillRef>
-          <a:effectRef idx="0">
-            <a:schemeClr val="accent3"/>
-          </a:effectRef>
-          <a:fontRef idx="minor">
-            <a:schemeClr val="dk1"/>
-          </a:fontRef>
-        </p:style>
-        <p:txBody>
-          <a:bodyPr rtlCol="0" anchor="ctr"/>
-          <a:lstStyle/>
-          <a:p>
-            <a:pPr algn="ctr"/>
-            <a:r>
-              <a:rPr kumimoji="1" lang="ko-Kore-KR" altLang="en-US" sz="1400" dirty="0"/>
-              <a:t>대리키는</a:t>
-            </a:r>
-            <a:r>
-              <a:rPr kumimoji="1" lang="ko-KR" altLang="en-US" sz="1400" dirty="0"/>
-              <a:t> 보통 </a:t>
-            </a:r>
-            <a:r>
-              <a:rPr kumimoji="1" lang="ko-KR" altLang="en-US" sz="1400" b="1" dirty="0"/>
-              <a:t>일련번호</a:t>
-            </a:r>
-            <a:r>
-              <a:rPr kumimoji="1" lang="ko-KR" altLang="en-US" sz="1400" dirty="0"/>
-              <a:t>로 만든다</a:t>
-            </a:r>
-            <a:r>
-              <a:rPr kumimoji="1" lang="en-US" altLang="ko-KR" sz="1400" dirty="0"/>
-              <a:t>.</a:t>
-            </a:r>
-            <a:endParaRPr kumimoji="1" lang="ko-Kore-KR" altLang="en-US" sz="1400" dirty="0"/>
-          </a:p>
-        </p:txBody>
-      </p:sp>
-      <p:sp>
-        <p:nvSpPr>
-          <p:cNvPr id="25" name="직사각형 24">
-            <a:extLst>
-              <a:ext uri="{FF2B5EF4-FFF2-40B4-BE49-F238E27FC236}">
-                <a16:creationId xmlns:a16="http://schemas.microsoft.com/office/drawing/2014/main" id="{6A88AF49-C13E-E741-255F-953DEF040736}"/>
-              </a:ext>
-            </a:extLst>
-          </p:cNvPr>
-          <p:cNvSpPr/>
-          <p:nvPr/>
-        </p:nvSpPr>
-        <p:spPr>
-          <a:xfrm>
-            <a:off x="8530853" y="4214033"/>
-            <a:ext cx="2271825" cy="699980"/>
-          </a:xfrm>
-          <a:prstGeom prst="rect">
-            <a:avLst/>
-          </a:prstGeom>
-        </p:spPr>
-        <p:style>
-          <a:lnRef idx="3">
-            <a:schemeClr val="lt1"/>
-          </a:lnRef>
-          <a:fillRef idx="1">
-            <a:schemeClr val="accent2"/>
-          </a:fillRef>
-          <a:effectRef idx="1">
-            <a:schemeClr val="accent2"/>
-          </a:effectRef>
-          <a:fontRef idx="minor">
-            <a:schemeClr val="lt1"/>
-          </a:fontRef>
-        </p:style>
-        <p:txBody>
-          <a:bodyPr rtlCol="0" anchor="ctr"/>
-          <a:lstStyle/>
-          <a:p>
-            <a:pPr algn="ctr"/>
-            <a:r>
-              <a:rPr kumimoji="1" lang="en-US" altLang="ko-Kore-KR" sz="1400" b="1" dirty="0"/>
-              <a:t>Foreign KEY</a:t>
-            </a:r>
-          </a:p>
-          <a:p>
-            <a:pPr algn="ctr"/>
-            <a:r>
-              <a:rPr kumimoji="1" lang="en-US" altLang="ko-KR" sz="1400" b="1" dirty="0"/>
-              <a:t>(</a:t>
-            </a:r>
-            <a:r>
-              <a:rPr kumimoji="1" lang="ko-KR" altLang="en-US" sz="1400" b="1" dirty="0" err="1"/>
-              <a:t>외부키</a:t>
-            </a:r>
-            <a:r>
-              <a:rPr kumimoji="1" lang="en-US" altLang="ko-KR" sz="1400" b="1" dirty="0"/>
-              <a:t>)</a:t>
-            </a:r>
-            <a:endParaRPr kumimoji="1" lang="en-US" altLang="ko-Kore-KR" sz="1400" b="1" dirty="0"/>
-          </a:p>
-          <a:p>
-            <a:pPr algn="ctr"/>
-            <a:endParaRPr kumimoji="1" lang="ko-Kore-KR" altLang="en-US" sz="1400" b="1" dirty="0"/>
-          </a:p>
-        </p:txBody>
-      </p:sp>
     </p:spTree>
     <p:extLst>
       <p:ext uri="{BB962C8B-B14F-4D97-AF65-F5344CB8AC3E}">
@@ -16297,548 +15622,6 @@
           <a:chExt cx="0" cy="0"/>
         </a:xfrm>
       </p:grpSpPr>
-      <p:sp>
-        <p:nvSpPr>
-          <p:cNvPr id="2" name="직사각형 1">
-            <a:extLst>
-              <a:ext uri="{FF2B5EF4-FFF2-40B4-BE49-F238E27FC236}">
-                <a16:creationId xmlns:a16="http://schemas.microsoft.com/office/drawing/2014/main" id="{C2C16323-01B2-AF59-53FF-FA4EEC16A24A}"/>
-              </a:ext>
-            </a:extLst>
-          </p:cNvPr>
-          <p:cNvSpPr/>
-          <p:nvPr/>
-        </p:nvSpPr>
-        <p:spPr>
-          <a:xfrm>
-            <a:off x="1137684" y="1860698"/>
-            <a:ext cx="2020186" cy="1265274"/>
-          </a:xfrm>
-          <a:prstGeom prst="rect">
-            <a:avLst/>
-          </a:prstGeom>
-        </p:spPr>
-        <p:style>
-          <a:lnRef idx="2">
-            <a:schemeClr val="accent1">
-              <a:shade val="50000"/>
-            </a:schemeClr>
-          </a:lnRef>
-          <a:fillRef idx="1">
-            <a:schemeClr val="accent1"/>
-          </a:fillRef>
-          <a:effectRef idx="0">
-            <a:schemeClr val="accent1"/>
-          </a:effectRef>
-          <a:fontRef idx="minor">
-            <a:schemeClr val="lt1"/>
-          </a:fontRef>
-        </p:style>
-        <p:txBody>
-          <a:bodyPr rtlCol="0" anchor="ctr"/>
-          <a:lstStyle/>
-          <a:p>
-            <a:pPr algn="ctr"/>
-            <a:r>
-              <a:rPr kumimoji="1" lang="ko-Kore-KR" altLang="en-US" dirty="0"/>
-              <a:t>부모</a:t>
-            </a:r>
-            <a:r>
-              <a:rPr kumimoji="1" lang="ko-KR" altLang="en-US" dirty="0"/>
-              <a:t> 테이블</a:t>
-            </a:r>
-            <a:endParaRPr kumimoji="1" lang="ko-Kore-KR" altLang="en-US" dirty="0"/>
-          </a:p>
-        </p:txBody>
-      </p:sp>
-      <p:sp>
-        <p:nvSpPr>
-          <p:cNvPr id="3" name="직사각형 2">
-            <a:extLst>
-              <a:ext uri="{FF2B5EF4-FFF2-40B4-BE49-F238E27FC236}">
-                <a16:creationId xmlns:a16="http://schemas.microsoft.com/office/drawing/2014/main" id="{EAF57B39-0DFB-E9B3-48FE-2713479C4BDB}"/>
-              </a:ext>
-            </a:extLst>
-          </p:cNvPr>
-          <p:cNvSpPr/>
-          <p:nvPr/>
-        </p:nvSpPr>
-        <p:spPr>
-          <a:xfrm>
-            <a:off x="5723861" y="1860698"/>
-            <a:ext cx="2020186" cy="1265274"/>
-          </a:xfrm>
-          <a:prstGeom prst="rect">
-            <a:avLst/>
-          </a:prstGeom>
-        </p:spPr>
-        <p:style>
-          <a:lnRef idx="2">
-            <a:schemeClr val="accent1">
-              <a:shade val="50000"/>
-            </a:schemeClr>
-          </a:lnRef>
-          <a:fillRef idx="1">
-            <a:schemeClr val="accent1"/>
-          </a:fillRef>
-          <a:effectRef idx="0">
-            <a:schemeClr val="accent1"/>
-          </a:effectRef>
-          <a:fontRef idx="minor">
-            <a:schemeClr val="lt1"/>
-          </a:fontRef>
-        </p:style>
-        <p:txBody>
-          <a:bodyPr rtlCol="0" anchor="ctr"/>
-          <a:lstStyle/>
-          <a:p>
-            <a:pPr algn="ctr"/>
-            <a:r>
-              <a:rPr kumimoji="1" lang="ko-Kore-KR" altLang="en-US" dirty="0"/>
-              <a:t>자식</a:t>
-            </a:r>
-            <a:r>
-              <a:rPr kumimoji="1" lang="ko-KR" altLang="en-US" dirty="0"/>
-              <a:t> 테이블</a:t>
-            </a:r>
-            <a:endParaRPr kumimoji="1" lang="ko-Kore-KR" altLang="en-US" dirty="0"/>
-          </a:p>
-        </p:txBody>
-      </p:sp>
-      <p:sp>
-        <p:nvSpPr>
-          <p:cNvPr id="4" name="직사각형 3">
-            <a:extLst>
-              <a:ext uri="{FF2B5EF4-FFF2-40B4-BE49-F238E27FC236}">
-                <a16:creationId xmlns:a16="http://schemas.microsoft.com/office/drawing/2014/main" id="{D4EA194B-0BB4-A4BD-B3F6-B0E8DFE91C37}"/>
-              </a:ext>
-            </a:extLst>
-          </p:cNvPr>
-          <p:cNvSpPr/>
-          <p:nvPr/>
-        </p:nvSpPr>
-        <p:spPr>
-          <a:xfrm>
-            <a:off x="1137684" y="1467293"/>
-            <a:ext cx="1488558" cy="255180"/>
-          </a:xfrm>
-          <a:prstGeom prst="rect">
-            <a:avLst/>
-          </a:prstGeom>
-        </p:spPr>
-        <p:style>
-          <a:lnRef idx="2">
-            <a:schemeClr val="accent1"/>
-          </a:lnRef>
-          <a:fillRef idx="1">
-            <a:schemeClr val="lt1"/>
-          </a:fillRef>
-          <a:effectRef idx="0">
-            <a:schemeClr val="accent1"/>
-          </a:effectRef>
-          <a:fontRef idx="minor">
-            <a:schemeClr val="dk1"/>
-          </a:fontRef>
-        </p:style>
-        <p:txBody>
-          <a:bodyPr rtlCol="0" anchor="ctr"/>
-          <a:lstStyle/>
-          <a:p>
-            <a:pPr algn="ctr"/>
-            <a:r>
-              <a:rPr kumimoji="1" lang="en-US" altLang="ko-Kore-KR" sz="1400" b="1" dirty="0"/>
-              <a:t>PK</a:t>
-            </a:r>
-            <a:endParaRPr kumimoji="1" lang="ko-Kore-KR" altLang="en-US" sz="1400" b="1" dirty="0"/>
-          </a:p>
-        </p:txBody>
-      </p:sp>
-      <p:sp>
-        <p:nvSpPr>
-          <p:cNvPr id="5" name="직사각형 4">
-            <a:extLst>
-              <a:ext uri="{FF2B5EF4-FFF2-40B4-BE49-F238E27FC236}">
-                <a16:creationId xmlns:a16="http://schemas.microsoft.com/office/drawing/2014/main" id="{337E6B8A-73E5-5DC1-954F-9514FEC5D979}"/>
-              </a:ext>
-            </a:extLst>
-          </p:cNvPr>
-          <p:cNvSpPr/>
-          <p:nvPr/>
-        </p:nvSpPr>
-        <p:spPr>
-          <a:xfrm>
-            <a:off x="5723861" y="1467293"/>
-            <a:ext cx="1488558" cy="255180"/>
-          </a:xfrm>
-          <a:prstGeom prst="rect">
-            <a:avLst/>
-          </a:prstGeom>
-        </p:spPr>
-        <p:style>
-          <a:lnRef idx="2">
-            <a:schemeClr val="accent1"/>
-          </a:lnRef>
-          <a:fillRef idx="1">
-            <a:schemeClr val="lt1"/>
-          </a:fillRef>
-          <a:effectRef idx="0">
-            <a:schemeClr val="accent1"/>
-          </a:effectRef>
-          <a:fontRef idx="minor">
-            <a:schemeClr val="dk1"/>
-          </a:fontRef>
-        </p:style>
-        <p:txBody>
-          <a:bodyPr rtlCol="0" anchor="ctr"/>
-          <a:lstStyle/>
-          <a:p>
-            <a:pPr algn="ctr"/>
-            <a:r>
-              <a:rPr kumimoji="1" lang="en-US" altLang="ko-Kore-KR" sz="1400" b="1" dirty="0"/>
-              <a:t>FK</a:t>
-            </a:r>
-            <a:endParaRPr kumimoji="1" lang="ko-Kore-KR" altLang="en-US" sz="1400" b="1" dirty="0"/>
-          </a:p>
-        </p:txBody>
-      </p:sp>
-      <p:cxnSp>
-        <p:nvCxnSpPr>
-          <p:cNvPr id="8" name="직선 연결선[R] 7">
-            <a:extLst>
-              <a:ext uri="{FF2B5EF4-FFF2-40B4-BE49-F238E27FC236}">
-                <a16:creationId xmlns:a16="http://schemas.microsoft.com/office/drawing/2014/main" id="{ED228248-DCD6-7969-CEA2-EE52D7341D5F}"/>
-              </a:ext>
-            </a:extLst>
-          </p:cNvPr>
-          <p:cNvCxnSpPr>
-            <a:stCxn id="2" idx="3"/>
-            <a:endCxn id="3" idx="1"/>
-          </p:cNvCxnSpPr>
-          <p:nvPr/>
-        </p:nvCxnSpPr>
-        <p:spPr>
-          <a:xfrm>
-            <a:off x="3157870" y="2493335"/>
-            <a:ext cx="2565991" cy="0"/>
-          </a:xfrm>
-          <a:prstGeom prst="line">
-            <a:avLst/>
-          </a:prstGeom>
-        </p:spPr>
-        <p:style>
-          <a:lnRef idx="3">
-            <a:schemeClr val="accent1"/>
-          </a:lnRef>
-          <a:fillRef idx="0">
-            <a:schemeClr val="accent1"/>
-          </a:fillRef>
-          <a:effectRef idx="2">
-            <a:schemeClr val="accent1"/>
-          </a:effectRef>
-          <a:fontRef idx="minor">
-            <a:schemeClr val="tx1"/>
-          </a:fontRef>
-        </p:style>
-      </p:cxnSp>
-      <p:cxnSp>
-        <p:nvCxnSpPr>
-          <p:cNvPr id="11" name="직선 연결선[R] 10">
-            <a:extLst>
-              <a:ext uri="{FF2B5EF4-FFF2-40B4-BE49-F238E27FC236}">
-                <a16:creationId xmlns:a16="http://schemas.microsoft.com/office/drawing/2014/main" id="{5FE5F895-AFDF-F6CE-B476-078E177171CC}"/>
-              </a:ext>
-            </a:extLst>
-          </p:cNvPr>
-          <p:cNvCxnSpPr/>
-          <p:nvPr/>
-        </p:nvCxnSpPr>
-        <p:spPr>
-          <a:xfrm>
-            <a:off x="3306725" y="2312581"/>
-            <a:ext cx="0" cy="361507"/>
-          </a:xfrm>
-          <a:prstGeom prst="line">
-            <a:avLst/>
-          </a:prstGeom>
-        </p:spPr>
-        <p:style>
-          <a:lnRef idx="3">
-            <a:schemeClr val="accent1"/>
-          </a:lnRef>
-          <a:fillRef idx="0">
-            <a:schemeClr val="accent1"/>
-          </a:fillRef>
-          <a:effectRef idx="2">
-            <a:schemeClr val="accent1"/>
-          </a:effectRef>
-          <a:fontRef idx="minor">
-            <a:schemeClr val="tx1"/>
-          </a:fontRef>
-        </p:style>
-      </p:cxnSp>
-      <p:sp>
-        <p:nvSpPr>
-          <p:cNvPr id="12" name="타원 11">
-            <a:extLst>
-              <a:ext uri="{FF2B5EF4-FFF2-40B4-BE49-F238E27FC236}">
-                <a16:creationId xmlns:a16="http://schemas.microsoft.com/office/drawing/2014/main" id="{746B8F0D-0CA7-34F0-40B0-BDDF7A2C8AC0}"/>
-              </a:ext>
-            </a:extLst>
-          </p:cNvPr>
-          <p:cNvSpPr/>
-          <p:nvPr/>
-        </p:nvSpPr>
-        <p:spPr>
-          <a:xfrm>
-            <a:off x="5434395" y="2392326"/>
-            <a:ext cx="202018" cy="202018"/>
-          </a:xfrm>
-          <a:prstGeom prst="ellipse">
-            <a:avLst/>
-          </a:prstGeom>
-          <a:ln w="22225"/>
-        </p:spPr>
-        <p:style>
-          <a:lnRef idx="2">
-            <a:schemeClr val="accent1"/>
-          </a:lnRef>
-          <a:fillRef idx="1">
-            <a:schemeClr val="lt1"/>
-          </a:fillRef>
-          <a:effectRef idx="0">
-            <a:schemeClr val="accent1"/>
-          </a:effectRef>
-          <a:fontRef idx="minor">
-            <a:schemeClr val="dk1"/>
-          </a:fontRef>
-        </p:style>
-        <p:txBody>
-          <a:bodyPr rtlCol="0" anchor="ctr"/>
-          <a:lstStyle/>
-          <a:p>
-            <a:pPr algn="ctr"/>
-            <a:endParaRPr kumimoji="1" lang="ko-Kore-KR" altLang="en-US" dirty="0"/>
-          </a:p>
-        </p:txBody>
-      </p:sp>
-      <p:cxnSp>
-        <p:nvCxnSpPr>
-          <p:cNvPr id="13" name="직선 연결선[R] 12">
-            <a:extLst>
-              <a:ext uri="{FF2B5EF4-FFF2-40B4-BE49-F238E27FC236}">
-                <a16:creationId xmlns:a16="http://schemas.microsoft.com/office/drawing/2014/main" id="{B93B81BB-B022-709C-0CB0-AAB727516C82}"/>
-              </a:ext>
-            </a:extLst>
-          </p:cNvPr>
-          <p:cNvCxnSpPr>
-            <a:cxnSpLocks/>
-            <a:endCxn id="12" idx="7"/>
-          </p:cNvCxnSpPr>
-          <p:nvPr/>
-        </p:nvCxnSpPr>
-        <p:spPr>
-          <a:xfrm flipH="1">
-            <a:off x="5606828" y="2297790"/>
-            <a:ext cx="117033" cy="124121"/>
-          </a:xfrm>
-          <a:prstGeom prst="line">
-            <a:avLst/>
-          </a:prstGeom>
-        </p:spPr>
-        <p:style>
-          <a:lnRef idx="3">
-            <a:schemeClr val="accent1"/>
-          </a:lnRef>
-          <a:fillRef idx="0">
-            <a:schemeClr val="accent1"/>
-          </a:fillRef>
-          <a:effectRef idx="2">
-            <a:schemeClr val="accent1"/>
-          </a:effectRef>
-          <a:fontRef idx="minor">
-            <a:schemeClr val="tx1"/>
-          </a:fontRef>
-        </p:style>
-      </p:cxnSp>
-      <p:cxnSp>
-        <p:nvCxnSpPr>
-          <p:cNvPr id="18" name="직선 연결선[R] 17">
-            <a:extLst>
-              <a:ext uri="{FF2B5EF4-FFF2-40B4-BE49-F238E27FC236}">
-                <a16:creationId xmlns:a16="http://schemas.microsoft.com/office/drawing/2014/main" id="{31373B80-E935-00CB-4D95-80D012B9006D}"/>
-              </a:ext>
-            </a:extLst>
-          </p:cNvPr>
-          <p:cNvCxnSpPr>
-            <a:cxnSpLocks/>
-            <a:stCxn id="3" idx="1"/>
-            <a:endCxn id="12" idx="6"/>
-          </p:cNvCxnSpPr>
-          <p:nvPr/>
-        </p:nvCxnSpPr>
-        <p:spPr>
-          <a:xfrm flipH="1">
-            <a:off x="5636413" y="2493335"/>
-            <a:ext cx="87448" cy="0"/>
-          </a:xfrm>
-          <a:prstGeom prst="line">
-            <a:avLst/>
-          </a:prstGeom>
-        </p:spPr>
-        <p:style>
-          <a:lnRef idx="3">
-            <a:schemeClr val="accent1"/>
-          </a:lnRef>
-          <a:fillRef idx="0">
-            <a:schemeClr val="accent1"/>
-          </a:fillRef>
-          <a:effectRef idx="2">
-            <a:schemeClr val="accent1"/>
-          </a:effectRef>
-          <a:fontRef idx="minor">
-            <a:schemeClr val="tx1"/>
-          </a:fontRef>
-        </p:style>
-      </p:cxnSp>
-      <p:cxnSp>
-        <p:nvCxnSpPr>
-          <p:cNvPr id="21" name="직선 연결선[R] 20">
-            <a:extLst>
-              <a:ext uri="{FF2B5EF4-FFF2-40B4-BE49-F238E27FC236}">
-                <a16:creationId xmlns:a16="http://schemas.microsoft.com/office/drawing/2014/main" id="{D8E76916-398E-B7F5-989B-07E265BAD4EE}"/>
-              </a:ext>
-            </a:extLst>
-          </p:cNvPr>
-          <p:cNvCxnSpPr>
-            <a:cxnSpLocks/>
-            <a:endCxn id="12" idx="5"/>
-          </p:cNvCxnSpPr>
-          <p:nvPr/>
-        </p:nvCxnSpPr>
-        <p:spPr>
-          <a:xfrm flipH="1" flipV="1">
-            <a:off x="5606828" y="2564759"/>
-            <a:ext cx="146618" cy="130594"/>
-          </a:xfrm>
-          <a:prstGeom prst="line">
-            <a:avLst/>
-          </a:prstGeom>
-        </p:spPr>
-        <p:style>
-          <a:lnRef idx="3">
-            <a:schemeClr val="accent1"/>
-          </a:lnRef>
-          <a:fillRef idx="0">
-            <a:schemeClr val="accent1"/>
-          </a:fillRef>
-          <a:effectRef idx="2">
-            <a:schemeClr val="accent1"/>
-          </a:effectRef>
-          <a:fontRef idx="minor">
-            <a:schemeClr val="tx1"/>
-          </a:fontRef>
-        </p:style>
-      </p:cxnSp>
-      <p:sp>
-        <p:nvSpPr>
-          <p:cNvPr id="26" name="TextBox 25">
-            <a:extLst>
-              <a:ext uri="{FF2B5EF4-FFF2-40B4-BE49-F238E27FC236}">
-                <a16:creationId xmlns:a16="http://schemas.microsoft.com/office/drawing/2014/main" id="{2268BBE8-3242-5706-9ABF-CA4F895B9181}"/>
-              </a:ext>
-            </a:extLst>
-          </p:cNvPr>
-          <p:cNvSpPr txBox="1"/>
-          <p:nvPr/>
-        </p:nvSpPr>
-        <p:spPr>
-          <a:xfrm>
-            <a:off x="3274903" y="1920611"/>
-            <a:ext cx="375257" cy="276999"/>
-          </a:xfrm>
-          <a:prstGeom prst="rect">
-            <a:avLst/>
-          </a:prstGeom>
-        </p:spPr>
-        <p:style>
-          <a:lnRef idx="2">
-            <a:schemeClr val="accent1"/>
-          </a:lnRef>
-          <a:fillRef idx="1">
-            <a:schemeClr val="lt1"/>
-          </a:fillRef>
-          <a:effectRef idx="0">
-            <a:schemeClr val="accent1"/>
-          </a:effectRef>
-          <a:fontRef idx="minor">
-            <a:schemeClr val="dk1"/>
-          </a:fontRef>
-        </p:style>
-        <p:txBody>
-          <a:bodyPr wrap="square" rtlCol="0">
-            <a:spAutoFit/>
-          </a:bodyPr>
-          <a:lstStyle/>
-          <a:p>
-            <a:pPr algn="ctr"/>
-            <a:r>
-              <a:rPr kumimoji="1" lang="en-US" altLang="ko-Kore-KR" sz="1200" dirty="0"/>
-              <a:t>1</a:t>
-            </a:r>
-            <a:endParaRPr kumimoji="1" lang="ko-Kore-KR" altLang="en-US" sz="1200" dirty="0"/>
-          </a:p>
-        </p:txBody>
-      </p:sp>
-      <p:sp>
-        <p:nvSpPr>
-          <p:cNvPr id="27" name="TextBox 26">
-            <a:extLst>
-              <a:ext uri="{FF2B5EF4-FFF2-40B4-BE49-F238E27FC236}">
-                <a16:creationId xmlns:a16="http://schemas.microsoft.com/office/drawing/2014/main" id="{4BAAD5EB-CBD5-3F99-564D-18DC21127A17}"/>
-              </a:ext>
-            </a:extLst>
-          </p:cNvPr>
-          <p:cNvSpPr txBox="1"/>
-          <p:nvPr/>
-        </p:nvSpPr>
-        <p:spPr>
-          <a:xfrm>
-            <a:off x="5010921" y="1920611"/>
-            <a:ext cx="466796" cy="276999"/>
-          </a:xfrm>
-          <a:prstGeom prst="rect">
-            <a:avLst/>
-          </a:prstGeom>
-        </p:spPr>
-        <p:style>
-          <a:lnRef idx="2">
-            <a:schemeClr val="accent1"/>
-          </a:lnRef>
-          <a:fillRef idx="1">
-            <a:schemeClr val="lt1"/>
-          </a:fillRef>
-          <a:effectRef idx="0">
-            <a:schemeClr val="accent1"/>
-          </a:effectRef>
-          <a:fontRef idx="minor">
-            <a:schemeClr val="dk1"/>
-          </a:fontRef>
-        </p:style>
-        <p:txBody>
-          <a:bodyPr wrap="square" rtlCol="0">
-            <a:spAutoFit/>
-          </a:bodyPr>
-          <a:lstStyle/>
-          <a:p>
-            <a:pPr algn="ctr"/>
-            <a:r>
-              <a:rPr kumimoji="1" lang="en-US" altLang="ko-Kore-KR" sz="1200" dirty="0"/>
-              <a:t>0..*</a:t>
-            </a:r>
-            <a:endParaRPr kumimoji="1" lang="ko-Kore-KR" altLang="en-US" sz="1200" dirty="0"/>
-          </a:p>
-        </p:txBody>
-      </p:sp>
     </p:spTree>
     <p:extLst>
       <p:ext uri="{BB962C8B-B14F-4D97-AF65-F5344CB8AC3E}">
@@ -16869,614 +15652,6 @@
           <a:chExt cx="0" cy="0"/>
         </a:xfrm>
       </p:grpSpPr>
-      <p:sp>
-        <p:nvSpPr>
-          <p:cNvPr id="2" name="직사각형 1">
-            <a:extLst>
-              <a:ext uri="{FF2B5EF4-FFF2-40B4-BE49-F238E27FC236}">
-                <a16:creationId xmlns:a16="http://schemas.microsoft.com/office/drawing/2014/main" id="{A0F4D0FA-0DA0-FAE1-446B-2C5F6818D2D7}"/>
-              </a:ext>
-            </a:extLst>
-          </p:cNvPr>
-          <p:cNvSpPr/>
-          <p:nvPr/>
-        </p:nvSpPr>
-        <p:spPr>
-          <a:xfrm>
-            <a:off x="2048256" y="2316480"/>
-            <a:ext cx="1304544" cy="1304544"/>
-          </a:xfrm>
-          <a:prstGeom prst="rect">
-            <a:avLst/>
-          </a:prstGeom>
-        </p:spPr>
-        <p:style>
-          <a:lnRef idx="2">
-            <a:schemeClr val="accent1">
-              <a:shade val="50000"/>
-            </a:schemeClr>
-          </a:lnRef>
-          <a:fillRef idx="1">
-            <a:schemeClr val="accent1"/>
-          </a:fillRef>
-          <a:effectRef idx="0">
-            <a:schemeClr val="accent1"/>
-          </a:effectRef>
-          <a:fontRef idx="minor">
-            <a:schemeClr val="lt1"/>
-          </a:fontRef>
-        </p:style>
-        <p:txBody>
-          <a:bodyPr rtlCol="0" anchor="ctr"/>
-          <a:lstStyle/>
-          <a:p>
-            <a:pPr algn="ctr"/>
-            <a:r>
-              <a:rPr kumimoji="1" lang="ko-KR" altLang="en-US" dirty="0"/>
-              <a:t>논리</a:t>
-            </a:r>
-            <a:endParaRPr kumimoji="1" lang="en-US" altLang="ko-KR" dirty="0"/>
-          </a:p>
-          <a:p>
-            <a:pPr algn="ctr"/>
-            <a:r>
-              <a:rPr kumimoji="1" lang="ko-KR" altLang="en-US" dirty="0"/>
-              <a:t>모델</a:t>
-            </a:r>
-            <a:endParaRPr kumimoji="1" lang="ko-Kore-KR" altLang="en-US" dirty="0"/>
-          </a:p>
-        </p:txBody>
-      </p:sp>
-      <p:sp>
-        <p:nvSpPr>
-          <p:cNvPr id="6" name="직사각형 5">
-            <a:extLst>
-              <a:ext uri="{FF2B5EF4-FFF2-40B4-BE49-F238E27FC236}">
-                <a16:creationId xmlns:a16="http://schemas.microsoft.com/office/drawing/2014/main" id="{E8D81C4C-950E-A981-5ADE-88E56BB02A90}"/>
-              </a:ext>
-            </a:extLst>
-          </p:cNvPr>
-          <p:cNvSpPr/>
-          <p:nvPr/>
-        </p:nvSpPr>
-        <p:spPr>
-          <a:xfrm>
-            <a:off x="5462016" y="1225296"/>
-            <a:ext cx="2926080" cy="1091184"/>
-          </a:xfrm>
-          <a:prstGeom prst="rect">
-            <a:avLst/>
-          </a:prstGeom>
-        </p:spPr>
-        <p:style>
-          <a:lnRef idx="2">
-            <a:schemeClr val="accent1">
-              <a:shade val="50000"/>
-            </a:schemeClr>
-          </a:lnRef>
-          <a:fillRef idx="1">
-            <a:schemeClr val="accent1"/>
-          </a:fillRef>
-          <a:effectRef idx="0">
-            <a:schemeClr val="accent1"/>
-          </a:effectRef>
-          <a:fontRef idx="minor">
-            <a:schemeClr val="lt1"/>
-          </a:fontRef>
-        </p:style>
-        <p:txBody>
-          <a:bodyPr rtlCol="0" anchor="ctr"/>
-          <a:lstStyle/>
-          <a:p>
-            <a:pPr algn="ctr"/>
-            <a:r>
-              <a:rPr kumimoji="1" lang="en-US" altLang="ko-KR" dirty="0"/>
-              <a:t>Oracle</a:t>
-            </a:r>
-          </a:p>
-          <a:p>
-            <a:pPr algn="ctr"/>
-            <a:r>
-              <a:rPr kumimoji="1" lang="ko-KR" altLang="en-US" dirty="0"/>
-              <a:t>물리모델</a:t>
-            </a:r>
-            <a:endParaRPr kumimoji="1" lang="ko-Kore-KR" altLang="en-US" dirty="0"/>
-          </a:p>
-        </p:txBody>
-      </p:sp>
-      <p:sp>
-        <p:nvSpPr>
-          <p:cNvPr id="7" name="직사각형 6">
-            <a:extLst>
-              <a:ext uri="{FF2B5EF4-FFF2-40B4-BE49-F238E27FC236}">
-                <a16:creationId xmlns:a16="http://schemas.microsoft.com/office/drawing/2014/main" id="{7D8FA3D7-F73F-2677-FB3A-A4826A5129D9}"/>
-              </a:ext>
-            </a:extLst>
-          </p:cNvPr>
-          <p:cNvSpPr/>
-          <p:nvPr/>
-        </p:nvSpPr>
-        <p:spPr>
-          <a:xfrm>
-            <a:off x="5462016" y="2423160"/>
-            <a:ext cx="2926080" cy="1091184"/>
-          </a:xfrm>
-          <a:prstGeom prst="rect">
-            <a:avLst/>
-          </a:prstGeom>
-        </p:spPr>
-        <p:style>
-          <a:lnRef idx="2">
-            <a:schemeClr val="accent1">
-              <a:shade val="50000"/>
-            </a:schemeClr>
-          </a:lnRef>
-          <a:fillRef idx="1">
-            <a:schemeClr val="accent1"/>
-          </a:fillRef>
-          <a:effectRef idx="0">
-            <a:schemeClr val="accent1"/>
-          </a:effectRef>
-          <a:fontRef idx="minor">
-            <a:schemeClr val="lt1"/>
-          </a:fontRef>
-        </p:style>
-        <p:txBody>
-          <a:bodyPr rtlCol="0" anchor="ctr"/>
-          <a:lstStyle/>
-          <a:p>
-            <a:pPr algn="ctr"/>
-            <a:r>
-              <a:rPr kumimoji="1" lang="en-US" altLang="ko-KR" dirty="0"/>
-              <a:t>MS-SQL</a:t>
-            </a:r>
-          </a:p>
-          <a:p>
-            <a:pPr algn="ctr"/>
-            <a:r>
-              <a:rPr kumimoji="1" lang="ko-KR" altLang="en-US" dirty="0"/>
-              <a:t>물리모델</a:t>
-            </a:r>
-            <a:endParaRPr kumimoji="1" lang="ko-Kore-KR" altLang="en-US" dirty="0"/>
-          </a:p>
-        </p:txBody>
-      </p:sp>
-      <p:sp>
-        <p:nvSpPr>
-          <p:cNvPr id="8" name="직사각형 7">
-            <a:extLst>
-              <a:ext uri="{FF2B5EF4-FFF2-40B4-BE49-F238E27FC236}">
-                <a16:creationId xmlns:a16="http://schemas.microsoft.com/office/drawing/2014/main" id="{6687A078-70FF-A98E-33E6-CCA97D9C9A04}"/>
-              </a:ext>
-            </a:extLst>
-          </p:cNvPr>
-          <p:cNvSpPr/>
-          <p:nvPr/>
-        </p:nvSpPr>
-        <p:spPr>
-          <a:xfrm>
-            <a:off x="5462016" y="3621024"/>
-            <a:ext cx="2926080" cy="1091184"/>
-          </a:xfrm>
-          <a:prstGeom prst="rect">
-            <a:avLst/>
-          </a:prstGeom>
-        </p:spPr>
-        <p:style>
-          <a:lnRef idx="2">
-            <a:schemeClr val="accent1">
-              <a:shade val="50000"/>
-            </a:schemeClr>
-          </a:lnRef>
-          <a:fillRef idx="1">
-            <a:schemeClr val="accent1"/>
-          </a:fillRef>
-          <a:effectRef idx="0">
-            <a:schemeClr val="accent1"/>
-          </a:effectRef>
-          <a:fontRef idx="minor">
-            <a:schemeClr val="lt1"/>
-          </a:fontRef>
-        </p:style>
-        <p:txBody>
-          <a:bodyPr rtlCol="0" anchor="ctr"/>
-          <a:lstStyle/>
-          <a:p>
-            <a:pPr algn="ctr"/>
-            <a:r>
-              <a:rPr kumimoji="1" lang="en-US" altLang="ko-KR" dirty="0"/>
-              <a:t>My-SQL</a:t>
-            </a:r>
-          </a:p>
-          <a:p>
-            <a:pPr algn="ctr"/>
-            <a:r>
-              <a:rPr kumimoji="1" lang="ko-KR" altLang="en-US" dirty="0"/>
-              <a:t>물리모델</a:t>
-            </a:r>
-            <a:endParaRPr kumimoji="1" lang="ko-Kore-KR" altLang="en-US" dirty="0"/>
-          </a:p>
-        </p:txBody>
-      </p:sp>
-      <p:cxnSp>
-        <p:nvCxnSpPr>
-          <p:cNvPr id="10" name="구부러진 연결선[U] 9">
-            <a:extLst>
-              <a:ext uri="{FF2B5EF4-FFF2-40B4-BE49-F238E27FC236}">
-                <a16:creationId xmlns:a16="http://schemas.microsoft.com/office/drawing/2014/main" id="{D681EF2F-F618-C17E-809A-54843032CFB0}"/>
-              </a:ext>
-            </a:extLst>
-          </p:cNvPr>
-          <p:cNvCxnSpPr>
-            <a:stCxn id="2" idx="0"/>
-            <a:endCxn id="6" idx="1"/>
-          </p:cNvCxnSpPr>
-          <p:nvPr/>
-        </p:nvCxnSpPr>
-        <p:spPr>
-          <a:xfrm rot="5400000" flipH="1" flipV="1">
-            <a:off x="3808476" y="662940"/>
-            <a:ext cx="545592" cy="2761488"/>
-          </a:xfrm>
-          <a:prstGeom prst="curvedConnector2">
-            <a:avLst/>
-          </a:prstGeom>
-          <a:ln>
-            <a:tailEnd type="triangle"/>
-          </a:ln>
-        </p:spPr>
-        <p:style>
-          <a:lnRef idx="3">
-            <a:schemeClr val="accent1"/>
-          </a:lnRef>
-          <a:fillRef idx="0">
-            <a:schemeClr val="accent1"/>
-          </a:fillRef>
-          <a:effectRef idx="2">
-            <a:schemeClr val="accent1"/>
-          </a:effectRef>
-          <a:fontRef idx="minor">
-            <a:schemeClr val="tx1"/>
-          </a:fontRef>
-        </p:style>
-      </p:cxnSp>
-      <p:cxnSp>
-        <p:nvCxnSpPr>
-          <p:cNvPr id="11" name="직선 화살표 연결선 10">
-            <a:extLst>
-              <a:ext uri="{FF2B5EF4-FFF2-40B4-BE49-F238E27FC236}">
-                <a16:creationId xmlns:a16="http://schemas.microsoft.com/office/drawing/2014/main" id="{B02A1217-3659-66A7-FD00-329C2A77081D}"/>
-              </a:ext>
-            </a:extLst>
-          </p:cNvPr>
-          <p:cNvCxnSpPr>
-            <a:cxnSpLocks/>
-            <a:stCxn id="2" idx="3"/>
-            <a:endCxn id="7" idx="1"/>
-          </p:cNvCxnSpPr>
-          <p:nvPr/>
-        </p:nvCxnSpPr>
-        <p:spPr>
-          <a:xfrm>
-            <a:off x="3352800" y="2968752"/>
-            <a:ext cx="2109216" cy="0"/>
-          </a:xfrm>
-          <a:prstGeom prst="straightConnector1">
-            <a:avLst/>
-          </a:prstGeom>
-          <a:ln>
-            <a:tailEnd type="triangle"/>
-          </a:ln>
-        </p:spPr>
-        <p:style>
-          <a:lnRef idx="3">
-            <a:schemeClr val="accent1"/>
-          </a:lnRef>
-          <a:fillRef idx="0">
-            <a:schemeClr val="accent1"/>
-          </a:fillRef>
-          <a:effectRef idx="2">
-            <a:schemeClr val="accent1"/>
-          </a:effectRef>
-          <a:fontRef idx="minor">
-            <a:schemeClr val="tx1"/>
-          </a:fontRef>
-        </p:style>
-      </p:cxnSp>
-      <p:cxnSp>
-        <p:nvCxnSpPr>
-          <p:cNvPr id="14" name="구부러진 연결선[U] 13">
-            <a:extLst>
-              <a:ext uri="{FF2B5EF4-FFF2-40B4-BE49-F238E27FC236}">
-                <a16:creationId xmlns:a16="http://schemas.microsoft.com/office/drawing/2014/main" id="{C8A031C1-EAD2-F4ED-D49A-2CCA6E5FCA9A}"/>
-              </a:ext>
-            </a:extLst>
-          </p:cNvPr>
-          <p:cNvCxnSpPr>
-            <a:cxnSpLocks/>
-            <a:stCxn id="2" idx="2"/>
-            <a:endCxn id="8" idx="1"/>
-          </p:cNvCxnSpPr>
-          <p:nvPr/>
-        </p:nvCxnSpPr>
-        <p:spPr>
-          <a:xfrm rot="16200000" flipH="1">
-            <a:off x="3808476" y="2513076"/>
-            <a:ext cx="545592" cy="2761488"/>
-          </a:xfrm>
-          <a:prstGeom prst="curvedConnector2">
-            <a:avLst/>
-          </a:prstGeom>
-          <a:ln>
-            <a:tailEnd type="triangle"/>
-          </a:ln>
-        </p:spPr>
-        <p:style>
-          <a:lnRef idx="3">
-            <a:schemeClr val="accent1"/>
-          </a:lnRef>
-          <a:fillRef idx="0">
-            <a:schemeClr val="accent1"/>
-          </a:fillRef>
-          <a:effectRef idx="2">
-            <a:schemeClr val="accent1"/>
-          </a:effectRef>
-          <a:fontRef idx="minor">
-            <a:schemeClr val="tx1"/>
-          </a:fontRef>
-        </p:style>
-      </p:cxnSp>
-      <p:sp>
-        <p:nvSpPr>
-          <p:cNvPr id="17" name="TextBox 16">
-            <a:extLst>
-              <a:ext uri="{FF2B5EF4-FFF2-40B4-BE49-F238E27FC236}">
-                <a16:creationId xmlns:a16="http://schemas.microsoft.com/office/drawing/2014/main" id="{A035B81E-1340-CA4F-AD40-B0691C66D208}"/>
-              </a:ext>
-            </a:extLst>
-          </p:cNvPr>
-          <p:cNvSpPr txBox="1"/>
-          <p:nvPr/>
-        </p:nvSpPr>
-        <p:spPr>
-          <a:xfrm>
-            <a:off x="3997279" y="2797412"/>
-            <a:ext cx="730169" cy="338554"/>
-          </a:xfrm>
-          <a:prstGeom prst="rect">
-            <a:avLst/>
-          </a:prstGeom>
-        </p:spPr>
-        <p:style>
-          <a:lnRef idx="2">
-            <a:schemeClr val="accent1"/>
-          </a:lnRef>
-          <a:fillRef idx="1">
-            <a:schemeClr val="lt1"/>
-          </a:fillRef>
-          <a:effectRef idx="0">
-            <a:schemeClr val="accent1"/>
-          </a:effectRef>
-          <a:fontRef idx="minor">
-            <a:schemeClr val="dk1"/>
-          </a:fontRef>
-        </p:style>
-        <p:txBody>
-          <a:bodyPr wrap="square" rtlCol="0">
-            <a:spAutoFit/>
-          </a:bodyPr>
-          <a:lstStyle/>
-          <a:p>
-            <a:pPr algn="ctr"/>
-            <a:r>
-              <a:rPr kumimoji="1" lang="ko-Kore-KR" altLang="en-US" sz="1600" dirty="0"/>
-              <a:t>변환</a:t>
-            </a:r>
-          </a:p>
-        </p:txBody>
-      </p:sp>
-      <p:sp>
-        <p:nvSpPr>
-          <p:cNvPr id="19" name="직사각형 18">
-            <a:extLst>
-              <a:ext uri="{FF2B5EF4-FFF2-40B4-BE49-F238E27FC236}">
-                <a16:creationId xmlns:a16="http://schemas.microsoft.com/office/drawing/2014/main" id="{2829BFC5-2273-34FA-7B3C-23194CF212DC}"/>
-              </a:ext>
-            </a:extLst>
-          </p:cNvPr>
-          <p:cNvSpPr/>
-          <p:nvPr/>
-        </p:nvSpPr>
-        <p:spPr>
-          <a:xfrm>
-            <a:off x="317701" y="5805590"/>
-            <a:ext cx="2382827" cy="404037"/>
-          </a:xfrm>
-          <a:prstGeom prst="rect">
-            <a:avLst/>
-          </a:prstGeom>
-          <a:ln>
-            <a:solidFill>
-              <a:srgbClr val="FF00A8"/>
-            </a:solidFill>
-          </a:ln>
-        </p:spPr>
-        <p:style>
-          <a:lnRef idx="2">
-            <a:schemeClr val="accent1"/>
-          </a:lnRef>
-          <a:fillRef idx="1">
-            <a:schemeClr val="lt1"/>
-          </a:fillRef>
-          <a:effectRef idx="0">
-            <a:schemeClr val="accent1"/>
-          </a:effectRef>
-          <a:fontRef idx="minor">
-            <a:schemeClr val="dk1"/>
-          </a:fontRef>
-        </p:style>
-        <p:txBody>
-          <a:bodyPr rtlCol="0" anchor="ctr"/>
-          <a:lstStyle/>
-          <a:p>
-            <a:pPr algn="ctr"/>
-            <a:r>
-              <a:rPr kumimoji="1" lang="ko-KR" altLang="en-US" sz="1400" dirty="0"/>
-              <a:t>모델의 기본 개념을 정의</a:t>
-            </a:r>
-            <a:endParaRPr kumimoji="1" lang="ko-Kore-KR" altLang="en-US" sz="1400" dirty="0"/>
-          </a:p>
-        </p:txBody>
-      </p:sp>
-      <p:cxnSp>
-        <p:nvCxnSpPr>
-          <p:cNvPr id="22" name="구부러진 연결선[U] 21">
-            <a:extLst>
-              <a:ext uri="{FF2B5EF4-FFF2-40B4-BE49-F238E27FC236}">
-                <a16:creationId xmlns:a16="http://schemas.microsoft.com/office/drawing/2014/main" id="{74A71FA4-921F-E36A-856D-BBC92D6DC713}"/>
-              </a:ext>
-            </a:extLst>
-          </p:cNvPr>
-          <p:cNvCxnSpPr>
-            <a:cxnSpLocks/>
-            <a:stCxn id="19" idx="0"/>
-            <a:endCxn id="2" idx="1"/>
-          </p:cNvCxnSpPr>
-          <p:nvPr/>
-        </p:nvCxnSpPr>
-        <p:spPr>
-          <a:xfrm rot="5400000" flipH="1" flipV="1">
-            <a:off x="360266" y="4117601"/>
-            <a:ext cx="2836838" cy="539141"/>
-          </a:xfrm>
-          <a:prstGeom prst="curvedConnector2">
-            <a:avLst/>
-          </a:prstGeom>
-          <a:ln>
-            <a:solidFill>
-              <a:srgbClr val="FF00A8"/>
-            </a:solidFill>
-            <a:tailEnd type="triangle"/>
-          </a:ln>
-        </p:spPr>
-        <p:style>
-          <a:lnRef idx="3">
-            <a:schemeClr val="accent1"/>
-          </a:lnRef>
-          <a:fillRef idx="0">
-            <a:schemeClr val="accent1"/>
-          </a:fillRef>
-          <a:effectRef idx="2">
-            <a:schemeClr val="accent1"/>
-          </a:effectRef>
-          <a:fontRef idx="minor">
-            <a:schemeClr val="tx1"/>
-          </a:fontRef>
-        </p:style>
-      </p:cxnSp>
-      <p:sp>
-        <p:nvSpPr>
-          <p:cNvPr id="28" name="직사각형 27">
-            <a:extLst>
-              <a:ext uri="{FF2B5EF4-FFF2-40B4-BE49-F238E27FC236}">
-                <a16:creationId xmlns:a16="http://schemas.microsoft.com/office/drawing/2014/main" id="{234DC7B6-A8C2-F37D-322F-4A02C7C58E0A}"/>
-              </a:ext>
-            </a:extLst>
-          </p:cNvPr>
-          <p:cNvSpPr/>
-          <p:nvPr/>
-        </p:nvSpPr>
-        <p:spPr>
-          <a:xfrm>
-            <a:off x="5462016" y="5805589"/>
-            <a:ext cx="2382827" cy="404037"/>
-          </a:xfrm>
-          <a:prstGeom prst="rect">
-            <a:avLst/>
-          </a:prstGeom>
-          <a:ln>
-            <a:solidFill>
-              <a:srgbClr val="FF00A8"/>
-            </a:solidFill>
-          </a:ln>
-        </p:spPr>
-        <p:style>
-          <a:lnRef idx="2">
-            <a:schemeClr val="accent1"/>
-          </a:lnRef>
-          <a:fillRef idx="1">
-            <a:schemeClr val="lt1"/>
-          </a:fillRef>
-          <a:effectRef idx="0">
-            <a:schemeClr val="accent1"/>
-          </a:effectRef>
-          <a:fontRef idx="minor">
-            <a:schemeClr val="dk1"/>
-          </a:fontRef>
-        </p:style>
-        <p:txBody>
-          <a:bodyPr rtlCol="0" anchor="ctr"/>
-          <a:lstStyle/>
-          <a:p>
-            <a:pPr algn="ctr"/>
-            <a:r>
-              <a:rPr kumimoji="1" lang="en-US" altLang="ko-KR" sz="1400" dirty="0"/>
-              <a:t>DBMS</a:t>
-            </a:r>
-            <a:r>
-              <a:rPr kumimoji="1" lang="ko-KR" altLang="en-US" sz="1400" dirty="0"/>
-              <a:t>에 맞춰 재활용</a:t>
-            </a:r>
-            <a:endParaRPr kumimoji="1" lang="ko-Kore-KR" altLang="en-US" sz="1400" dirty="0"/>
-          </a:p>
-        </p:txBody>
-      </p:sp>
-      <p:cxnSp>
-        <p:nvCxnSpPr>
-          <p:cNvPr id="29" name="직선 화살표 연결선 28">
-            <a:extLst>
-              <a:ext uri="{FF2B5EF4-FFF2-40B4-BE49-F238E27FC236}">
-                <a16:creationId xmlns:a16="http://schemas.microsoft.com/office/drawing/2014/main" id="{47710BD6-B530-C5B6-B0AA-92486A940181}"/>
-              </a:ext>
-            </a:extLst>
-          </p:cNvPr>
-          <p:cNvCxnSpPr>
-            <a:cxnSpLocks/>
-            <a:stCxn id="19" idx="3"/>
-            <a:endCxn id="28" idx="1"/>
-          </p:cNvCxnSpPr>
-          <p:nvPr/>
-        </p:nvCxnSpPr>
-        <p:spPr>
-          <a:xfrm flipV="1">
-            <a:off x="2700528" y="6007608"/>
-            <a:ext cx="2761488" cy="1"/>
-          </a:xfrm>
-          <a:prstGeom prst="straightConnector1">
-            <a:avLst/>
-          </a:prstGeom>
-          <a:ln>
-            <a:solidFill>
-              <a:srgbClr val="FF00A8"/>
-            </a:solidFill>
-            <a:tailEnd type="triangle"/>
-          </a:ln>
-        </p:spPr>
-        <p:style>
-          <a:lnRef idx="3">
-            <a:schemeClr val="accent1"/>
-          </a:lnRef>
-          <a:fillRef idx="0">
-            <a:schemeClr val="accent1"/>
-          </a:fillRef>
-          <a:effectRef idx="2">
-            <a:schemeClr val="accent1"/>
-          </a:effectRef>
-          <a:fontRef idx="minor">
-            <a:schemeClr val="tx1"/>
-          </a:fontRef>
-        </p:style>
-      </p:cxnSp>
     </p:spTree>
     <p:extLst>
       <p:ext uri="{BB962C8B-B14F-4D97-AF65-F5344CB8AC3E}">
@@ -17507,1818 +15682,6 @@
           <a:chExt cx="0" cy="0"/>
         </a:xfrm>
       </p:grpSpPr>
-      <p:graphicFrame>
-        <p:nvGraphicFramePr>
-          <p:cNvPr id="2" name="표 2">
-            <a:extLst>
-              <a:ext uri="{FF2B5EF4-FFF2-40B4-BE49-F238E27FC236}">
-                <a16:creationId xmlns:a16="http://schemas.microsoft.com/office/drawing/2014/main" id="{AF44E5FE-EAF7-8349-8022-625B02357DA2}"/>
-              </a:ext>
-            </a:extLst>
-          </p:cNvPr>
-          <p:cNvGraphicFramePr>
-            <a:graphicFrameLocks noGrp="1"/>
-          </p:cNvGraphicFramePr>
-          <p:nvPr>
-            <p:extLst>
-              <p:ext uri="{D42A27DB-BD31-4B8C-83A1-F6EECF244321}">
-                <p14:modId xmlns:p14="http://schemas.microsoft.com/office/powerpoint/2010/main" val="477825605"/>
-              </p:ext>
-            </p:extLst>
-          </p:nvPr>
-        </p:nvGraphicFramePr>
-        <p:xfrm>
-          <a:off x="548640" y="995404"/>
-          <a:ext cx="2965821" cy="2114712"/>
-        </p:xfrm>
-        <a:graphic>
-          <a:graphicData uri="http://schemas.openxmlformats.org/drawingml/2006/table">
-            <a:tbl>
-              <a:tblPr firstRow="1" bandRow="1">
-                <a:tableStyleId>{5C22544A-7EE6-4342-B048-85BDC9FD1C3A}</a:tableStyleId>
-              </a:tblPr>
-              <a:tblGrid>
-                <a:gridCol w="2965821">
-                  <a:extLst>
-                    <a:ext uri="{9D8B030D-6E8A-4147-A177-3AD203B41FA5}">
-                      <a16:colId xmlns:a16="http://schemas.microsoft.com/office/drawing/2014/main" val="1965095789"/>
-                    </a:ext>
-                  </a:extLst>
-                </a:gridCol>
-              </a:tblGrid>
-              <a:tr h="651672">
-                <a:tc>
-                  <a:txBody>
-                    <a:bodyPr/>
-                    <a:lstStyle/>
-                    <a:p>
-                      <a:pPr algn="ctr"/>
-                      <a:r>
-                        <a:rPr lang="ko-KR" altLang="en-US" dirty="0"/>
-                        <a:t>강의</a:t>
-                      </a:r>
-                      <a:endParaRPr lang="ko-Kore-KR" altLang="en-US" dirty="0"/>
-                    </a:p>
-                  </a:txBody>
-                  <a:tcPr/>
-                </a:tc>
-                <a:extLst>
-                  <a:ext uri="{0D108BD9-81ED-4DB2-BD59-A6C34878D82A}">
-                    <a16:rowId xmlns:a16="http://schemas.microsoft.com/office/drawing/2014/main" val="3559688625"/>
-                  </a:ext>
-                </a:extLst>
-              </a:tr>
-              <a:tr h="1327771">
-                <a:tc>
-                  <a:txBody>
-                    <a:bodyPr/>
-                    <a:lstStyle/>
-                    <a:p>
-                      <a:pPr marL="0" indent="0" algn="l">
-                        <a:buFont typeface="Arial" panose="020B0604020202020204" pitchFamily="34" charset="0"/>
-                        <a:buNone/>
-                      </a:pPr>
-                      <a:r>
-                        <a:rPr lang="en-US" altLang="ko-KR" dirty="0"/>
-                        <a:t>#</a:t>
-                      </a:r>
-                      <a:r>
-                        <a:rPr lang="ko-KR" altLang="en-US" dirty="0"/>
-                        <a:t> 강의번호</a:t>
-                      </a:r>
-                      <a:endParaRPr lang="en-US" altLang="ko-KR" dirty="0"/>
-                    </a:p>
-                    <a:p>
-                      <a:pPr marL="0" indent="0" algn="l">
-                        <a:buFont typeface="Arial" panose="020B0604020202020204" pitchFamily="34" charset="0"/>
-                        <a:buNone/>
-                      </a:pPr>
-                      <a:r>
-                        <a:rPr lang="ko-KR" altLang="en-US" dirty="0" err="1"/>
-                        <a:t>강의명</a:t>
-                      </a:r>
-                      <a:endParaRPr lang="en-US" altLang="ko-KR" dirty="0"/>
-                    </a:p>
-                    <a:p>
-                      <a:pPr marL="0" indent="0" algn="l">
-                        <a:buFont typeface="Arial" panose="020B0604020202020204" pitchFamily="34" charset="0"/>
-                        <a:buNone/>
-                      </a:pPr>
-                      <a:r>
-                        <a:rPr lang="en-US" altLang="ko-KR" dirty="0"/>
-                        <a:t>.</a:t>
-                      </a:r>
-                    </a:p>
-                    <a:p>
-                      <a:pPr marL="0" indent="0" algn="l">
-                        <a:buFont typeface="Arial" panose="020B0604020202020204" pitchFamily="34" charset="0"/>
-                        <a:buNone/>
-                      </a:pPr>
-                      <a:r>
-                        <a:rPr lang="en-US" altLang="ko-KR" dirty="0"/>
-                        <a:t>.</a:t>
-                      </a:r>
-                    </a:p>
-                    <a:p>
-                      <a:pPr marL="0" indent="0" algn="l">
-                        <a:buFont typeface="Arial" panose="020B0604020202020204" pitchFamily="34" charset="0"/>
-                        <a:buNone/>
-                      </a:pPr>
-                      <a:r>
-                        <a:rPr lang="en-US" altLang="ko-KR" dirty="0"/>
-                        <a:t>.</a:t>
-                      </a:r>
-                      <a:endParaRPr lang="en-US" altLang="ko-Kore-KR" dirty="0"/>
-                    </a:p>
-                  </a:txBody>
-                  <a:tcPr/>
-                </a:tc>
-                <a:extLst>
-                  <a:ext uri="{0D108BD9-81ED-4DB2-BD59-A6C34878D82A}">
-                    <a16:rowId xmlns:a16="http://schemas.microsoft.com/office/drawing/2014/main" val="3230167247"/>
-                  </a:ext>
-                </a:extLst>
-              </a:tr>
-            </a:tbl>
-          </a:graphicData>
-        </a:graphic>
-      </p:graphicFrame>
-      <p:graphicFrame>
-        <p:nvGraphicFramePr>
-          <p:cNvPr id="3" name="표 2">
-            <a:extLst>
-              <a:ext uri="{FF2B5EF4-FFF2-40B4-BE49-F238E27FC236}">
-                <a16:creationId xmlns:a16="http://schemas.microsoft.com/office/drawing/2014/main" id="{9C8B541C-B154-42A2-69E4-9EEC066D094A}"/>
-              </a:ext>
-            </a:extLst>
-          </p:cNvPr>
-          <p:cNvGraphicFramePr>
-            <a:graphicFrameLocks noGrp="1"/>
-          </p:cNvGraphicFramePr>
-          <p:nvPr>
-            <p:extLst>
-              <p:ext uri="{D42A27DB-BD31-4B8C-83A1-F6EECF244321}">
-                <p14:modId xmlns:p14="http://schemas.microsoft.com/office/powerpoint/2010/main" val="3296854686"/>
-              </p:ext>
-            </p:extLst>
-          </p:nvPr>
-        </p:nvGraphicFramePr>
-        <p:xfrm>
-          <a:off x="5815820" y="995406"/>
-          <a:ext cx="2965820" cy="1979352"/>
-        </p:xfrm>
-        <a:graphic>
-          <a:graphicData uri="http://schemas.openxmlformats.org/drawingml/2006/table">
-            <a:tbl>
-              <a:tblPr firstRow="1" bandRow="1">
-                <a:tableStyleId>{5C22544A-7EE6-4342-B048-85BDC9FD1C3A}</a:tableStyleId>
-              </a:tblPr>
-              <a:tblGrid>
-                <a:gridCol w="2965820">
-                  <a:extLst>
-                    <a:ext uri="{9D8B030D-6E8A-4147-A177-3AD203B41FA5}">
-                      <a16:colId xmlns:a16="http://schemas.microsoft.com/office/drawing/2014/main" val="1965095789"/>
-                    </a:ext>
-                  </a:extLst>
-                </a:gridCol>
-              </a:tblGrid>
-              <a:tr h="636477">
-                <a:tc>
-                  <a:txBody>
-                    <a:bodyPr/>
-                    <a:lstStyle/>
-                    <a:p>
-                      <a:pPr algn="ctr"/>
-                      <a:r>
-                        <a:rPr lang="ko-KR" altLang="en-US" dirty="0"/>
-                        <a:t>수강신청</a:t>
-                      </a:r>
-                      <a:endParaRPr lang="ko-Kore-KR" altLang="en-US" dirty="0"/>
-                    </a:p>
-                  </a:txBody>
-                  <a:tcPr/>
-                </a:tc>
-                <a:extLst>
-                  <a:ext uri="{0D108BD9-81ED-4DB2-BD59-A6C34878D82A}">
-                    <a16:rowId xmlns:a16="http://schemas.microsoft.com/office/drawing/2014/main" val="3559688625"/>
-                  </a:ext>
-                </a:extLst>
-              </a:tr>
-              <a:tr h="1342875">
-                <a:tc>
-                  <a:txBody>
-                    <a:bodyPr/>
-                    <a:lstStyle/>
-                    <a:p>
-                      <a:pPr marL="0" indent="0" algn="l">
-                        <a:buFont typeface="Arial" panose="020B0604020202020204" pitchFamily="34" charset="0"/>
-                        <a:buNone/>
-                      </a:pPr>
-                      <a:r>
-                        <a:rPr lang="en-US" altLang="ko-KR" dirty="0"/>
-                        <a:t>#</a:t>
-                      </a:r>
-                      <a:r>
-                        <a:rPr lang="ko-KR" altLang="en-US" dirty="0"/>
-                        <a:t> 수강신청번호</a:t>
-                      </a:r>
-                      <a:endParaRPr lang="en-US" altLang="ko-KR" dirty="0"/>
-                    </a:p>
-                    <a:p>
-                      <a:pPr marL="0" indent="0" algn="l">
-                        <a:buFont typeface="Arial" panose="020B0604020202020204" pitchFamily="34" charset="0"/>
-                        <a:buNone/>
-                      </a:pPr>
-                      <a:r>
-                        <a:rPr lang="ko-KR" altLang="en-US" dirty="0"/>
-                        <a:t>강의번호</a:t>
-                      </a:r>
-                      <a:r>
-                        <a:rPr lang="en-US" altLang="ko-KR" dirty="0"/>
-                        <a:t> (FK)</a:t>
-                      </a:r>
-                    </a:p>
-                    <a:p>
-                      <a:pPr marL="0" indent="0" algn="l">
-                        <a:buFont typeface="Arial" panose="020B0604020202020204" pitchFamily="34" charset="0"/>
-                        <a:buNone/>
-                      </a:pPr>
-                      <a:r>
-                        <a:rPr lang="ko-KR" altLang="en-US" dirty="0"/>
-                        <a:t>수강자명</a:t>
-                      </a:r>
-                      <a:endParaRPr lang="en-US" altLang="ko-Kore-KR" dirty="0"/>
-                    </a:p>
-                  </a:txBody>
-                  <a:tcPr/>
-                </a:tc>
-                <a:extLst>
-                  <a:ext uri="{0D108BD9-81ED-4DB2-BD59-A6C34878D82A}">
-                    <a16:rowId xmlns:a16="http://schemas.microsoft.com/office/drawing/2014/main" val="3230167247"/>
-                  </a:ext>
-                </a:extLst>
-              </a:tr>
-            </a:tbl>
-          </a:graphicData>
-        </a:graphic>
-      </p:graphicFrame>
-      <p:cxnSp>
-        <p:nvCxnSpPr>
-          <p:cNvPr id="4" name="직선 연결선[R] 3">
-            <a:extLst>
-              <a:ext uri="{FF2B5EF4-FFF2-40B4-BE49-F238E27FC236}">
-                <a16:creationId xmlns:a16="http://schemas.microsoft.com/office/drawing/2014/main" id="{AB0E267C-D832-FE46-DCCB-0FD7AFB7F21F}"/>
-              </a:ext>
-            </a:extLst>
-          </p:cNvPr>
-          <p:cNvCxnSpPr>
-            <a:cxnSpLocks/>
-          </p:cNvCxnSpPr>
-          <p:nvPr/>
-        </p:nvCxnSpPr>
-        <p:spPr>
-          <a:xfrm>
-            <a:off x="3514461" y="1168873"/>
-            <a:ext cx="2301358" cy="0"/>
-          </a:xfrm>
-          <a:prstGeom prst="line">
-            <a:avLst/>
-          </a:prstGeom>
-          <a:ln w="25400" cap="flat" cmpd="sng" algn="ctr">
-            <a:solidFill>
-              <a:schemeClr val="accent5"/>
-            </a:solidFill>
-            <a:prstDash val="dash"/>
-            <a:round/>
-            <a:headEnd type="none" w="med" len="med"/>
-            <a:tailEnd type="none" w="med" len="med"/>
-          </a:ln>
-        </p:spPr>
-        <p:style>
-          <a:lnRef idx="0">
-            <a:scrgbClr r="0" g="0" b="0"/>
-          </a:lnRef>
-          <a:fillRef idx="0">
-            <a:scrgbClr r="0" g="0" b="0"/>
-          </a:fillRef>
-          <a:effectRef idx="0">
-            <a:scrgbClr r="0" g="0" b="0"/>
-          </a:effectRef>
-          <a:fontRef idx="minor">
-            <a:schemeClr val="tx1"/>
-          </a:fontRef>
-        </p:style>
-      </p:cxnSp>
-      <p:cxnSp>
-        <p:nvCxnSpPr>
-          <p:cNvPr id="5" name="직선 연결선[R] 4">
-            <a:extLst>
-              <a:ext uri="{FF2B5EF4-FFF2-40B4-BE49-F238E27FC236}">
-                <a16:creationId xmlns:a16="http://schemas.microsoft.com/office/drawing/2014/main" id="{B6CEB741-E420-F21E-3EDF-67BCA664DCD6}"/>
-              </a:ext>
-            </a:extLst>
-          </p:cNvPr>
-          <p:cNvCxnSpPr>
-            <a:cxnSpLocks/>
-          </p:cNvCxnSpPr>
-          <p:nvPr/>
-        </p:nvCxnSpPr>
-        <p:spPr>
-          <a:xfrm>
-            <a:off x="3603066" y="1048372"/>
-            <a:ext cx="0" cy="241002"/>
-          </a:xfrm>
-          <a:prstGeom prst="line">
-            <a:avLst/>
-          </a:prstGeom>
-        </p:spPr>
-        <p:style>
-          <a:lnRef idx="3">
-            <a:schemeClr val="accent5"/>
-          </a:lnRef>
-          <a:fillRef idx="0">
-            <a:schemeClr val="accent5"/>
-          </a:fillRef>
-          <a:effectRef idx="2">
-            <a:schemeClr val="accent5"/>
-          </a:effectRef>
-          <a:fontRef idx="minor">
-            <a:schemeClr val="tx1"/>
-          </a:fontRef>
-        </p:style>
-      </p:cxnSp>
-      <p:cxnSp>
-        <p:nvCxnSpPr>
-          <p:cNvPr id="6" name="직선 연결선[R] 5">
-            <a:extLst>
-              <a:ext uri="{FF2B5EF4-FFF2-40B4-BE49-F238E27FC236}">
-                <a16:creationId xmlns:a16="http://schemas.microsoft.com/office/drawing/2014/main" id="{0221BFD9-762C-686B-341D-FBE2CCA1D4E9}"/>
-              </a:ext>
-            </a:extLst>
-          </p:cNvPr>
-          <p:cNvCxnSpPr>
-            <a:cxnSpLocks/>
-          </p:cNvCxnSpPr>
-          <p:nvPr/>
-        </p:nvCxnSpPr>
-        <p:spPr>
-          <a:xfrm flipH="1">
-            <a:off x="5672280" y="995404"/>
-            <a:ext cx="143539" cy="173469"/>
-          </a:xfrm>
-          <a:prstGeom prst="line">
-            <a:avLst/>
-          </a:prstGeom>
-        </p:spPr>
-        <p:style>
-          <a:lnRef idx="3">
-            <a:schemeClr val="accent5"/>
-          </a:lnRef>
-          <a:fillRef idx="0">
-            <a:schemeClr val="accent5"/>
-          </a:fillRef>
-          <a:effectRef idx="2">
-            <a:schemeClr val="accent5"/>
-          </a:effectRef>
-          <a:fontRef idx="minor">
-            <a:schemeClr val="tx1"/>
-          </a:fontRef>
-        </p:style>
-      </p:cxnSp>
-      <p:cxnSp>
-        <p:nvCxnSpPr>
-          <p:cNvPr id="7" name="직선 연결선[R] 6">
-            <a:extLst>
-              <a:ext uri="{FF2B5EF4-FFF2-40B4-BE49-F238E27FC236}">
-                <a16:creationId xmlns:a16="http://schemas.microsoft.com/office/drawing/2014/main" id="{8C6D803D-24CC-5EAE-E3F2-42FB49A3A6F2}"/>
-              </a:ext>
-            </a:extLst>
-          </p:cNvPr>
-          <p:cNvCxnSpPr>
-            <a:cxnSpLocks/>
-          </p:cNvCxnSpPr>
-          <p:nvPr/>
-        </p:nvCxnSpPr>
-        <p:spPr>
-          <a:xfrm>
-            <a:off x="5672280" y="1167048"/>
-            <a:ext cx="152400" cy="154225"/>
-          </a:xfrm>
-          <a:prstGeom prst="line">
-            <a:avLst/>
-          </a:prstGeom>
-        </p:spPr>
-        <p:style>
-          <a:lnRef idx="3">
-            <a:schemeClr val="accent5"/>
-          </a:lnRef>
-          <a:fillRef idx="0">
-            <a:schemeClr val="accent5"/>
-          </a:fillRef>
-          <a:effectRef idx="2">
-            <a:schemeClr val="accent5"/>
-          </a:effectRef>
-          <a:fontRef idx="minor">
-            <a:schemeClr val="tx1"/>
-          </a:fontRef>
-        </p:style>
-      </p:cxnSp>
-      <p:sp>
-        <p:nvSpPr>
-          <p:cNvPr id="8" name="타원 7">
-            <a:extLst>
-              <a:ext uri="{FF2B5EF4-FFF2-40B4-BE49-F238E27FC236}">
-                <a16:creationId xmlns:a16="http://schemas.microsoft.com/office/drawing/2014/main" id="{7BC1E8D4-E12D-D623-83DD-CCA4807BC4A1}"/>
-              </a:ext>
-            </a:extLst>
-          </p:cNvPr>
-          <p:cNvSpPr/>
-          <p:nvPr/>
-        </p:nvSpPr>
-        <p:spPr>
-          <a:xfrm>
-            <a:off x="5520766" y="1073693"/>
-            <a:ext cx="159488" cy="159488"/>
-          </a:xfrm>
-          <a:prstGeom prst="ellipse">
-            <a:avLst/>
-          </a:prstGeom>
-          <a:ln w="22225"/>
-        </p:spPr>
-        <p:style>
-          <a:lnRef idx="2">
-            <a:schemeClr val="accent5"/>
-          </a:lnRef>
-          <a:fillRef idx="1">
-            <a:schemeClr val="lt1"/>
-          </a:fillRef>
-          <a:effectRef idx="0">
-            <a:schemeClr val="accent5"/>
-          </a:effectRef>
-          <a:fontRef idx="minor">
-            <a:schemeClr val="dk1"/>
-          </a:fontRef>
-        </p:style>
-        <p:txBody>
-          <a:bodyPr rtlCol="0" anchor="ctr"/>
-          <a:lstStyle/>
-          <a:p>
-            <a:pPr algn="ctr"/>
-            <a:endParaRPr kumimoji="1" lang="ko-Kore-KR" altLang="en-US"/>
-          </a:p>
-        </p:txBody>
-      </p:sp>
-      <p:sp>
-        <p:nvSpPr>
-          <p:cNvPr id="14" name="아래쪽 화살표[D] 13">
-            <a:extLst>
-              <a:ext uri="{FF2B5EF4-FFF2-40B4-BE49-F238E27FC236}">
-                <a16:creationId xmlns:a16="http://schemas.microsoft.com/office/drawing/2014/main" id="{448120DF-6966-3382-4903-BF5F51852D55}"/>
-              </a:ext>
-            </a:extLst>
-          </p:cNvPr>
-          <p:cNvSpPr/>
-          <p:nvPr/>
-        </p:nvSpPr>
-        <p:spPr>
-          <a:xfrm>
-            <a:off x="4368841" y="2770632"/>
-            <a:ext cx="592597" cy="1196376"/>
-          </a:xfrm>
-          <a:prstGeom prst="downArrow">
-            <a:avLst/>
-          </a:prstGeom>
-        </p:spPr>
-        <p:style>
-          <a:lnRef idx="2">
-            <a:schemeClr val="accent1">
-              <a:shade val="50000"/>
-            </a:schemeClr>
-          </a:lnRef>
-          <a:fillRef idx="1">
-            <a:schemeClr val="accent1"/>
-          </a:fillRef>
-          <a:effectRef idx="0">
-            <a:schemeClr val="accent1"/>
-          </a:effectRef>
-          <a:fontRef idx="minor">
-            <a:schemeClr val="lt1"/>
-          </a:fontRef>
-        </p:style>
-        <p:txBody>
-          <a:bodyPr rtlCol="0" anchor="ctr"/>
-          <a:lstStyle/>
-          <a:p>
-            <a:pPr algn="ctr"/>
-            <a:endParaRPr kumimoji="1" lang="ko-Kore-KR" altLang="en-US"/>
-          </a:p>
-        </p:txBody>
-      </p:sp>
-      <p:graphicFrame>
-        <p:nvGraphicFramePr>
-          <p:cNvPr id="15" name="표 15">
-            <a:extLst>
-              <a:ext uri="{FF2B5EF4-FFF2-40B4-BE49-F238E27FC236}">
-                <a16:creationId xmlns:a16="http://schemas.microsoft.com/office/drawing/2014/main" id="{2EA8E23C-C712-7500-19E1-6CC5FC11AD0B}"/>
-              </a:ext>
-            </a:extLst>
-          </p:cNvPr>
-          <p:cNvGraphicFramePr>
-            <a:graphicFrameLocks noGrp="1"/>
-          </p:cNvGraphicFramePr>
-          <p:nvPr>
-            <p:extLst>
-              <p:ext uri="{D42A27DB-BD31-4B8C-83A1-F6EECF244321}">
-                <p14:modId xmlns:p14="http://schemas.microsoft.com/office/powerpoint/2010/main" val="1983984256"/>
-              </p:ext>
-            </p:extLst>
-          </p:nvPr>
-        </p:nvGraphicFramePr>
-        <p:xfrm>
-          <a:off x="471091" y="4492892"/>
-          <a:ext cx="3897747" cy="1483360"/>
-        </p:xfrm>
-        <a:graphic>
-          <a:graphicData uri="http://schemas.openxmlformats.org/drawingml/2006/table">
-            <a:tbl>
-              <a:tblPr firstRow="1" bandRow="1">
-                <a:tableStyleId>{7DF18680-E054-41AD-8BC1-D1AEF772440D}</a:tableStyleId>
-              </a:tblPr>
-              <a:tblGrid>
-                <a:gridCol w="1299249">
-                  <a:extLst>
-                    <a:ext uri="{9D8B030D-6E8A-4147-A177-3AD203B41FA5}">
-                      <a16:colId xmlns:a16="http://schemas.microsoft.com/office/drawing/2014/main" val="1234671681"/>
-                    </a:ext>
-                  </a:extLst>
-                </a:gridCol>
-                <a:gridCol w="1299249">
-                  <a:extLst>
-                    <a:ext uri="{9D8B030D-6E8A-4147-A177-3AD203B41FA5}">
-                      <a16:colId xmlns:a16="http://schemas.microsoft.com/office/drawing/2014/main" val="4186409752"/>
-                    </a:ext>
-                  </a:extLst>
-                </a:gridCol>
-                <a:gridCol w="1299249">
-                  <a:extLst>
-                    <a:ext uri="{9D8B030D-6E8A-4147-A177-3AD203B41FA5}">
-                      <a16:colId xmlns:a16="http://schemas.microsoft.com/office/drawing/2014/main" val="2959266702"/>
-                    </a:ext>
-                  </a:extLst>
-                </a:gridCol>
-              </a:tblGrid>
-              <a:tr h="370840">
-                <a:tc>
-                  <a:txBody>
-                    <a:bodyPr/>
-                    <a:lstStyle/>
-                    <a:p>
-                      <a:r>
-                        <a:rPr lang="en-US" altLang="ko-Kore-KR" dirty="0"/>
-                        <a:t>PK</a:t>
-                      </a:r>
-                      <a:endParaRPr lang="ko-Kore-KR" altLang="en-US" dirty="0"/>
-                    </a:p>
-                  </a:txBody>
-                  <a:tcPr/>
-                </a:tc>
-                <a:tc>
-                  <a:txBody>
-                    <a:bodyPr/>
-                    <a:lstStyle/>
-                    <a:p>
-                      <a:r>
-                        <a:rPr lang="ko-Kore-KR" altLang="en-US" dirty="0"/>
-                        <a:t>강의명</a:t>
-                      </a:r>
-                    </a:p>
-                  </a:txBody>
-                  <a:tcPr/>
-                </a:tc>
-                <a:tc>
-                  <a:txBody>
-                    <a:bodyPr/>
-                    <a:lstStyle/>
-                    <a:p>
-                      <a:endParaRPr lang="ko-Kore-KR" altLang="en-US" dirty="0"/>
-                    </a:p>
-                  </a:txBody>
-                  <a:tcPr/>
-                </a:tc>
-                <a:extLst>
-                  <a:ext uri="{0D108BD9-81ED-4DB2-BD59-A6C34878D82A}">
-                    <a16:rowId xmlns:a16="http://schemas.microsoft.com/office/drawing/2014/main" val="1634674834"/>
-                  </a:ext>
-                </a:extLst>
-              </a:tr>
-              <a:tr h="370840">
-                <a:tc>
-                  <a:txBody>
-                    <a:bodyPr/>
-                    <a:lstStyle/>
-                    <a:p>
-                      <a:r>
-                        <a:rPr lang="en-US" altLang="ko-Kore-KR" dirty="0"/>
-                        <a:t>1</a:t>
-                      </a:r>
-                      <a:endParaRPr lang="ko-Kore-KR" altLang="en-US" dirty="0"/>
-                    </a:p>
-                  </a:txBody>
-                  <a:tcPr/>
-                </a:tc>
-                <a:tc>
-                  <a:txBody>
-                    <a:bodyPr/>
-                    <a:lstStyle/>
-                    <a:p>
-                      <a:r>
-                        <a:rPr lang="ko-Kore-KR" altLang="en-US" dirty="0"/>
-                        <a:t>자바기초</a:t>
-                      </a:r>
-                    </a:p>
-                  </a:txBody>
-                  <a:tcPr/>
-                </a:tc>
-                <a:tc>
-                  <a:txBody>
-                    <a:bodyPr/>
-                    <a:lstStyle/>
-                    <a:p>
-                      <a:r>
-                        <a:rPr lang="en-US" altLang="ko-Kore-KR" dirty="0"/>
-                        <a:t>…</a:t>
-                      </a:r>
-                      <a:endParaRPr lang="ko-Kore-KR" altLang="en-US" dirty="0"/>
-                    </a:p>
-                  </a:txBody>
-                  <a:tcPr/>
-                </a:tc>
-                <a:extLst>
-                  <a:ext uri="{0D108BD9-81ED-4DB2-BD59-A6C34878D82A}">
-                    <a16:rowId xmlns:a16="http://schemas.microsoft.com/office/drawing/2014/main" val="57134277"/>
-                  </a:ext>
-                </a:extLst>
-              </a:tr>
-              <a:tr h="370840">
-                <a:tc>
-                  <a:txBody>
-                    <a:bodyPr/>
-                    <a:lstStyle/>
-                    <a:p>
-                      <a:r>
-                        <a:rPr lang="en-US" altLang="ko-Kore-KR" dirty="0"/>
-                        <a:t>2</a:t>
-                      </a:r>
-                      <a:endParaRPr lang="ko-Kore-KR" altLang="en-US" dirty="0"/>
-                    </a:p>
-                  </a:txBody>
-                  <a:tcPr/>
-                </a:tc>
-                <a:tc>
-                  <a:txBody>
-                    <a:bodyPr/>
-                    <a:lstStyle/>
-                    <a:p>
-                      <a:r>
-                        <a:rPr lang="ko-Kore-KR" altLang="en-US" dirty="0"/>
-                        <a:t>파이썬</a:t>
-                      </a:r>
-                    </a:p>
-                  </a:txBody>
-                  <a:tcPr/>
-                </a:tc>
-                <a:tc>
-                  <a:txBody>
-                    <a:bodyPr/>
-                    <a:lstStyle/>
-                    <a:p>
-                      <a:r>
-                        <a:rPr lang="en-US" altLang="ko-Kore-KR" dirty="0"/>
-                        <a:t>…</a:t>
-                      </a:r>
-                      <a:endParaRPr lang="ko-Kore-KR" altLang="en-US" dirty="0"/>
-                    </a:p>
-                  </a:txBody>
-                  <a:tcPr/>
-                </a:tc>
-                <a:extLst>
-                  <a:ext uri="{0D108BD9-81ED-4DB2-BD59-A6C34878D82A}">
-                    <a16:rowId xmlns:a16="http://schemas.microsoft.com/office/drawing/2014/main" val="4162354235"/>
-                  </a:ext>
-                </a:extLst>
-              </a:tr>
-              <a:tr h="370840">
-                <a:tc>
-                  <a:txBody>
-                    <a:bodyPr/>
-                    <a:lstStyle/>
-                    <a:p>
-                      <a:r>
-                        <a:rPr lang="en-US" altLang="ko-Kore-KR" dirty="0"/>
-                        <a:t>3</a:t>
-                      </a:r>
-                      <a:endParaRPr lang="ko-Kore-KR" altLang="en-US" dirty="0"/>
-                    </a:p>
-                  </a:txBody>
-                  <a:tcPr/>
-                </a:tc>
-                <a:tc>
-                  <a:txBody>
-                    <a:bodyPr/>
-                    <a:lstStyle/>
-                    <a:p>
-                      <a:r>
-                        <a:rPr lang="ko-Kore-KR" altLang="en-US" dirty="0"/>
-                        <a:t>인공지능</a:t>
-                      </a:r>
-                    </a:p>
-                  </a:txBody>
-                  <a:tcPr/>
-                </a:tc>
-                <a:tc>
-                  <a:txBody>
-                    <a:bodyPr/>
-                    <a:lstStyle/>
-                    <a:p>
-                      <a:r>
-                        <a:rPr lang="en-US" altLang="ko-Kore-KR" dirty="0"/>
-                        <a:t>…</a:t>
-                      </a:r>
-                      <a:endParaRPr lang="ko-Kore-KR" altLang="en-US" dirty="0"/>
-                    </a:p>
-                  </a:txBody>
-                  <a:tcPr/>
-                </a:tc>
-                <a:extLst>
-                  <a:ext uri="{0D108BD9-81ED-4DB2-BD59-A6C34878D82A}">
-                    <a16:rowId xmlns:a16="http://schemas.microsoft.com/office/drawing/2014/main" val="3809824398"/>
-                  </a:ext>
-                </a:extLst>
-              </a:tr>
-            </a:tbl>
-          </a:graphicData>
-        </a:graphic>
-      </p:graphicFrame>
-      <p:graphicFrame>
-        <p:nvGraphicFramePr>
-          <p:cNvPr id="17" name="표 15">
-            <a:extLst>
-              <a:ext uri="{FF2B5EF4-FFF2-40B4-BE49-F238E27FC236}">
-                <a16:creationId xmlns:a16="http://schemas.microsoft.com/office/drawing/2014/main" id="{0D87CDCB-E22A-2331-43A7-BB3735D8D4AA}"/>
-              </a:ext>
-            </a:extLst>
-          </p:cNvPr>
-          <p:cNvGraphicFramePr>
-            <a:graphicFrameLocks noGrp="1"/>
-          </p:cNvGraphicFramePr>
-          <p:nvPr>
-            <p:extLst>
-              <p:ext uri="{D42A27DB-BD31-4B8C-83A1-F6EECF244321}">
-                <p14:modId xmlns:p14="http://schemas.microsoft.com/office/powerpoint/2010/main" val="795492228"/>
-              </p:ext>
-            </p:extLst>
-          </p:nvPr>
-        </p:nvGraphicFramePr>
-        <p:xfrm>
-          <a:off x="4883893" y="4492892"/>
-          <a:ext cx="3897747" cy="1478280"/>
-        </p:xfrm>
-        <a:graphic>
-          <a:graphicData uri="http://schemas.openxmlformats.org/drawingml/2006/table">
-            <a:tbl>
-              <a:tblPr firstRow="1" bandRow="1">
-                <a:tableStyleId>{7DF18680-E054-41AD-8BC1-D1AEF772440D}</a:tableStyleId>
-              </a:tblPr>
-              <a:tblGrid>
-                <a:gridCol w="1299249">
-                  <a:extLst>
-                    <a:ext uri="{9D8B030D-6E8A-4147-A177-3AD203B41FA5}">
-                      <a16:colId xmlns:a16="http://schemas.microsoft.com/office/drawing/2014/main" val="1234671681"/>
-                    </a:ext>
-                  </a:extLst>
-                </a:gridCol>
-                <a:gridCol w="1299249">
-                  <a:extLst>
-                    <a:ext uri="{9D8B030D-6E8A-4147-A177-3AD203B41FA5}">
-                      <a16:colId xmlns:a16="http://schemas.microsoft.com/office/drawing/2014/main" val="4186409752"/>
-                    </a:ext>
-                  </a:extLst>
-                </a:gridCol>
-                <a:gridCol w="1299249">
-                  <a:extLst>
-                    <a:ext uri="{9D8B030D-6E8A-4147-A177-3AD203B41FA5}">
-                      <a16:colId xmlns:a16="http://schemas.microsoft.com/office/drawing/2014/main" val="2959266702"/>
-                    </a:ext>
-                  </a:extLst>
-                </a:gridCol>
-              </a:tblGrid>
-              <a:tr h="346596">
-                <a:tc>
-                  <a:txBody>
-                    <a:bodyPr/>
-                    <a:lstStyle/>
-                    <a:p>
-                      <a:r>
-                        <a:rPr lang="en-US" altLang="ko-Kore-KR" dirty="0"/>
-                        <a:t>PK</a:t>
-                      </a:r>
-                      <a:endParaRPr lang="ko-Kore-KR" altLang="en-US" dirty="0"/>
-                    </a:p>
-                  </a:txBody>
-                  <a:tcPr/>
-                </a:tc>
-                <a:tc>
-                  <a:txBody>
-                    <a:bodyPr/>
-                    <a:lstStyle/>
-                    <a:p>
-                      <a:r>
-                        <a:rPr lang="en-US" altLang="ko-Kore-KR" dirty="0"/>
-                        <a:t>FK</a:t>
-                      </a:r>
-                      <a:endParaRPr lang="ko-Kore-KR" altLang="en-US" dirty="0"/>
-                    </a:p>
-                  </a:txBody>
-                  <a:tcPr/>
-                </a:tc>
-                <a:tc>
-                  <a:txBody>
-                    <a:bodyPr/>
-                    <a:lstStyle/>
-                    <a:p>
-                      <a:r>
-                        <a:rPr lang="ko-Kore-KR" altLang="en-US" dirty="0"/>
-                        <a:t>수강자명</a:t>
-                      </a:r>
-                    </a:p>
-                  </a:txBody>
-                  <a:tcPr/>
-                </a:tc>
-                <a:extLst>
-                  <a:ext uri="{0D108BD9-81ED-4DB2-BD59-A6C34878D82A}">
-                    <a16:rowId xmlns:a16="http://schemas.microsoft.com/office/drawing/2014/main" val="1634674834"/>
-                  </a:ext>
-                </a:extLst>
-              </a:tr>
-              <a:tr h="370840">
-                <a:tc>
-                  <a:txBody>
-                    <a:bodyPr/>
-                    <a:lstStyle/>
-                    <a:p>
-                      <a:r>
-                        <a:rPr lang="en-US" altLang="ko-Kore-KR" dirty="0"/>
-                        <a:t>101</a:t>
-                      </a:r>
-                      <a:endParaRPr lang="ko-Kore-KR" altLang="en-US" dirty="0"/>
-                    </a:p>
-                  </a:txBody>
-                  <a:tcPr/>
-                </a:tc>
-                <a:tc>
-                  <a:txBody>
-                    <a:bodyPr/>
-                    <a:lstStyle/>
-                    <a:p>
-                      <a:r>
-                        <a:rPr lang="en-US" altLang="ko-Kore-KR" dirty="0"/>
-                        <a:t>1</a:t>
-                      </a:r>
-                      <a:endParaRPr lang="ko-Kore-KR" altLang="en-US" dirty="0"/>
-                    </a:p>
-                  </a:txBody>
-                  <a:tcPr/>
-                </a:tc>
-                <a:tc>
-                  <a:txBody>
-                    <a:bodyPr/>
-                    <a:lstStyle/>
-                    <a:p>
-                      <a:r>
-                        <a:rPr lang="ko-KR" altLang="en-US" dirty="0"/>
-                        <a:t>홍길동</a:t>
-                      </a:r>
-                      <a:endParaRPr lang="ko-Kore-KR" altLang="en-US" dirty="0"/>
-                    </a:p>
-                  </a:txBody>
-                  <a:tcPr/>
-                </a:tc>
-                <a:extLst>
-                  <a:ext uri="{0D108BD9-81ED-4DB2-BD59-A6C34878D82A}">
-                    <a16:rowId xmlns:a16="http://schemas.microsoft.com/office/drawing/2014/main" val="57134277"/>
-                  </a:ext>
-                </a:extLst>
-              </a:tr>
-              <a:tr h="370840">
-                <a:tc>
-                  <a:txBody>
-                    <a:bodyPr/>
-                    <a:lstStyle/>
-                    <a:p>
-                      <a:r>
-                        <a:rPr lang="en-US" altLang="ko-Kore-KR" dirty="0"/>
-                        <a:t>102</a:t>
-                      </a:r>
-                      <a:endParaRPr lang="ko-Kore-KR" altLang="en-US" dirty="0"/>
-                    </a:p>
-                  </a:txBody>
-                  <a:tcPr/>
-                </a:tc>
-                <a:tc>
-                  <a:txBody>
-                    <a:bodyPr/>
-                    <a:lstStyle/>
-                    <a:p>
-                      <a:r>
-                        <a:rPr lang="en-US" altLang="ko-Kore-KR" dirty="0"/>
-                        <a:t>1</a:t>
-                      </a:r>
-                      <a:endParaRPr lang="ko-Kore-KR" altLang="en-US" dirty="0"/>
-                    </a:p>
-                  </a:txBody>
-                  <a:tcPr/>
-                </a:tc>
-                <a:tc>
-                  <a:txBody>
-                    <a:bodyPr/>
-                    <a:lstStyle/>
-                    <a:p>
-                      <a:r>
-                        <a:rPr lang="ko-KR" altLang="en-US" dirty="0"/>
-                        <a:t>임꺽정</a:t>
-                      </a:r>
-                      <a:endParaRPr lang="ko-Kore-KR" altLang="en-US" dirty="0"/>
-                    </a:p>
-                  </a:txBody>
-                  <a:tcPr/>
-                </a:tc>
-                <a:extLst>
-                  <a:ext uri="{0D108BD9-81ED-4DB2-BD59-A6C34878D82A}">
-                    <a16:rowId xmlns:a16="http://schemas.microsoft.com/office/drawing/2014/main" val="4162354235"/>
-                  </a:ext>
-                </a:extLst>
-              </a:tr>
-              <a:tr h="370840">
-                <a:tc>
-                  <a:txBody>
-                    <a:bodyPr/>
-                    <a:lstStyle/>
-                    <a:p>
-                      <a:r>
-                        <a:rPr lang="en-US" altLang="ko-Kore-KR" dirty="0"/>
-                        <a:t>103</a:t>
-                      </a:r>
-                      <a:endParaRPr lang="ko-Kore-KR" altLang="en-US" dirty="0"/>
-                    </a:p>
-                  </a:txBody>
-                  <a:tcPr/>
-                </a:tc>
-                <a:tc>
-                  <a:txBody>
-                    <a:bodyPr/>
-                    <a:lstStyle/>
-                    <a:p>
-                      <a:r>
-                        <a:rPr lang="en-US" altLang="ko-Kore-KR" dirty="0"/>
-                        <a:t>2</a:t>
-                      </a:r>
-                      <a:endParaRPr lang="ko-Kore-KR" altLang="en-US" dirty="0"/>
-                    </a:p>
-                  </a:txBody>
-                  <a:tcPr/>
-                </a:tc>
-                <a:tc>
-                  <a:txBody>
-                    <a:bodyPr/>
-                    <a:lstStyle/>
-                    <a:p>
-                      <a:r>
-                        <a:rPr lang="ko-KR" altLang="en-US" dirty="0"/>
-                        <a:t>유관순</a:t>
-                      </a:r>
-                      <a:endParaRPr lang="ko-Kore-KR" altLang="en-US" dirty="0"/>
-                    </a:p>
-                  </a:txBody>
-                  <a:tcPr/>
-                </a:tc>
-                <a:extLst>
-                  <a:ext uri="{0D108BD9-81ED-4DB2-BD59-A6C34878D82A}">
-                    <a16:rowId xmlns:a16="http://schemas.microsoft.com/office/drawing/2014/main" val="3809824398"/>
-                  </a:ext>
-                </a:extLst>
-              </a:tr>
-            </a:tbl>
-          </a:graphicData>
-        </a:graphic>
-      </p:graphicFrame>
-      <p:cxnSp>
-        <p:nvCxnSpPr>
-          <p:cNvPr id="18" name="직선 연결선[R] 17">
-            <a:extLst>
-              <a:ext uri="{FF2B5EF4-FFF2-40B4-BE49-F238E27FC236}">
-                <a16:creationId xmlns:a16="http://schemas.microsoft.com/office/drawing/2014/main" id="{DA652720-D385-C19C-7679-772ADE656EE1}"/>
-              </a:ext>
-            </a:extLst>
-          </p:cNvPr>
-          <p:cNvCxnSpPr>
-            <a:cxnSpLocks/>
-          </p:cNvCxnSpPr>
-          <p:nvPr/>
-        </p:nvCxnSpPr>
-        <p:spPr>
-          <a:xfrm>
-            <a:off x="4368838" y="5035296"/>
-            <a:ext cx="515055" cy="0"/>
-          </a:xfrm>
-          <a:prstGeom prst="line">
-            <a:avLst/>
-          </a:prstGeom>
-        </p:spPr>
-        <p:style>
-          <a:lnRef idx="3">
-            <a:schemeClr val="accent5"/>
-          </a:lnRef>
-          <a:fillRef idx="0">
-            <a:schemeClr val="accent5"/>
-          </a:fillRef>
-          <a:effectRef idx="2">
-            <a:schemeClr val="accent5"/>
-          </a:effectRef>
-          <a:fontRef idx="minor">
-            <a:schemeClr val="tx1"/>
-          </a:fontRef>
-        </p:style>
-      </p:cxnSp>
-      <p:cxnSp>
-        <p:nvCxnSpPr>
-          <p:cNvPr id="21" name="직선 연결선[R] 20">
-            <a:extLst>
-              <a:ext uri="{FF2B5EF4-FFF2-40B4-BE49-F238E27FC236}">
-                <a16:creationId xmlns:a16="http://schemas.microsoft.com/office/drawing/2014/main" id="{4BA5EC65-8B10-80FE-D3E0-773AD803E212}"/>
-              </a:ext>
-            </a:extLst>
-          </p:cNvPr>
-          <p:cNvCxnSpPr>
-            <a:cxnSpLocks/>
-          </p:cNvCxnSpPr>
-          <p:nvPr/>
-        </p:nvCxnSpPr>
-        <p:spPr>
-          <a:xfrm>
-            <a:off x="4368838" y="5035296"/>
-            <a:ext cx="515055" cy="390144"/>
-          </a:xfrm>
-          <a:prstGeom prst="line">
-            <a:avLst/>
-          </a:prstGeom>
-        </p:spPr>
-        <p:style>
-          <a:lnRef idx="3">
-            <a:schemeClr val="accent5"/>
-          </a:lnRef>
-          <a:fillRef idx="0">
-            <a:schemeClr val="accent5"/>
-          </a:fillRef>
-          <a:effectRef idx="2">
-            <a:schemeClr val="accent5"/>
-          </a:effectRef>
-          <a:fontRef idx="minor">
-            <a:schemeClr val="tx1"/>
-          </a:fontRef>
-        </p:style>
-      </p:cxnSp>
-      <p:cxnSp>
-        <p:nvCxnSpPr>
-          <p:cNvPr id="26" name="직선 연결선[R] 25">
-            <a:extLst>
-              <a:ext uri="{FF2B5EF4-FFF2-40B4-BE49-F238E27FC236}">
-                <a16:creationId xmlns:a16="http://schemas.microsoft.com/office/drawing/2014/main" id="{15B03DDE-19E7-F1E5-94A5-04102A2605F2}"/>
-              </a:ext>
-            </a:extLst>
-          </p:cNvPr>
-          <p:cNvCxnSpPr>
-            <a:cxnSpLocks/>
-          </p:cNvCxnSpPr>
-          <p:nvPr/>
-        </p:nvCxnSpPr>
-        <p:spPr>
-          <a:xfrm>
-            <a:off x="4368838" y="5425440"/>
-            <a:ext cx="515055" cy="365760"/>
-          </a:xfrm>
-          <a:prstGeom prst="line">
-            <a:avLst/>
-          </a:prstGeom>
-        </p:spPr>
-        <p:style>
-          <a:lnRef idx="3">
-            <a:schemeClr val="accent5"/>
-          </a:lnRef>
-          <a:fillRef idx="0">
-            <a:schemeClr val="accent5"/>
-          </a:fillRef>
-          <a:effectRef idx="2">
-            <a:schemeClr val="accent5"/>
-          </a:effectRef>
-          <a:fontRef idx="minor">
-            <a:schemeClr val="tx1"/>
-          </a:fontRef>
-        </p:style>
-      </p:cxnSp>
-      <p:cxnSp>
-        <p:nvCxnSpPr>
-          <p:cNvPr id="29" name="직선 연결선[R] 28">
-            <a:extLst>
-              <a:ext uri="{FF2B5EF4-FFF2-40B4-BE49-F238E27FC236}">
-                <a16:creationId xmlns:a16="http://schemas.microsoft.com/office/drawing/2014/main" id="{8B99E44A-3C8A-5E1A-B552-9EF021D23A19}"/>
-              </a:ext>
-            </a:extLst>
-          </p:cNvPr>
-          <p:cNvCxnSpPr>
-            <a:cxnSpLocks/>
-            <a:endCxn id="30" idx="1"/>
-          </p:cNvCxnSpPr>
-          <p:nvPr/>
-        </p:nvCxnSpPr>
-        <p:spPr>
-          <a:xfrm>
-            <a:off x="4355319" y="5769827"/>
-            <a:ext cx="528574" cy="390745"/>
-          </a:xfrm>
-          <a:prstGeom prst="line">
-            <a:avLst/>
-          </a:prstGeom>
-          <a:ln>
-            <a:solidFill>
-              <a:srgbClr val="FF00A8"/>
-            </a:solidFill>
-          </a:ln>
-        </p:spPr>
-        <p:style>
-          <a:lnRef idx="3">
-            <a:schemeClr val="accent5"/>
-          </a:lnRef>
-          <a:fillRef idx="0">
-            <a:schemeClr val="accent5"/>
-          </a:fillRef>
-          <a:effectRef idx="2">
-            <a:schemeClr val="accent5"/>
-          </a:effectRef>
-          <a:fontRef idx="minor">
-            <a:schemeClr val="tx1"/>
-          </a:fontRef>
-        </p:style>
-      </p:cxnSp>
-      <p:sp>
-        <p:nvSpPr>
-          <p:cNvPr id="30" name="직사각형 29">
-            <a:extLst>
-              <a:ext uri="{FF2B5EF4-FFF2-40B4-BE49-F238E27FC236}">
-                <a16:creationId xmlns:a16="http://schemas.microsoft.com/office/drawing/2014/main" id="{0644DBDE-44BC-FB7A-59A5-EF99C8BB4F86}"/>
-              </a:ext>
-            </a:extLst>
-          </p:cNvPr>
-          <p:cNvSpPr/>
-          <p:nvPr/>
-        </p:nvSpPr>
-        <p:spPr>
-          <a:xfrm>
-            <a:off x="4883893" y="6024477"/>
-            <a:ext cx="356013" cy="272189"/>
-          </a:xfrm>
-          <a:prstGeom prst="rect">
-            <a:avLst/>
-          </a:prstGeom>
-          <a:ln>
-            <a:solidFill>
-              <a:srgbClr val="FF00A8"/>
-            </a:solidFill>
-          </a:ln>
-        </p:spPr>
-        <p:style>
-          <a:lnRef idx="2">
-            <a:schemeClr val="accent1"/>
-          </a:lnRef>
-          <a:fillRef idx="1">
-            <a:schemeClr val="lt1"/>
-          </a:fillRef>
-          <a:effectRef idx="0">
-            <a:schemeClr val="accent1"/>
-          </a:effectRef>
-          <a:fontRef idx="minor">
-            <a:schemeClr val="dk1"/>
-          </a:fontRef>
-        </p:style>
-        <p:txBody>
-          <a:bodyPr rtlCol="0" anchor="ctr"/>
-          <a:lstStyle/>
-          <a:p>
-            <a:pPr algn="ctr"/>
-            <a:r>
-              <a:rPr kumimoji="1" lang="en-US" altLang="ko-KR" sz="1200" dirty="0"/>
-              <a:t>?</a:t>
-            </a:r>
-            <a:endParaRPr kumimoji="1" lang="ko-Kore-KR" altLang="en-US" sz="1200" dirty="0"/>
-          </a:p>
-        </p:txBody>
-      </p:sp>
-      <p:sp>
-        <p:nvSpPr>
-          <p:cNvPr id="36" name="직사각형 35">
-            <a:extLst>
-              <a:ext uri="{FF2B5EF4-FFF2-40B4-BE49-F238E27FC236}">
-                <a16:creationId xmlns:a16="http://schemas.microsoft.com/office/drawing/2014/main" id="{515A54D5-EA54-84E4-BDBC-7E2E48F67759}"/>
-              </a:ext>
-            </a:extLst>
-          </p:cNvPr>
-          <p:cNvSpPr/>
-          <p:nvPr/>
-        </p:nvSpPr>
-        <p:spPr>
-          <a:xfrm>
-            <a:off x="4177312" y="4128763"/>
-            <a:ext cx="882368" cy="243630"/>
-          </a:xfrm>
-          <a:prstGeom prst="rect">
-            <a:avLst/>
-          </a:prstGeom>
-          <a:ln/>
-        </p:spPr>
-        <p:style>
-          <a:lnRef idx="2">
-            <a:schemeClr val="accent5"/>
-          </a:lnRef>
-          <a:fillRef idx="1">
-            <a:schemeClr val="lt1"/>
-          </a:fillRef>
-          <a:effectRef idx="0">
-            <a:schemeClr val="accent5"/>
-          </a:effectRef>
-          <a:fontRef idx="minor">
-            <a:schemeClr val="dk1"/>
-          </a:fontRef>
-        </p:style>
-        <p:txBody>
-          <a:bodyPr rtlCol="0" anchor="ctr"/>
-          <a:lstStyle/>
-          <a:p>
-            <a:pPr algn="ctr"/>
-            <a:r>
-              <a:rPr kumimoji="1" lang="en-US" altLang="ko-KR" sz="1200" dirty="0"/>
-              <a:t>1</a:t>
-            </a:r>
-            <a:r>
-              <a:rPr kumimoji="1" lang="ko-KR" altLang="en-US" sz="1200" dirty="0"/>
-              <a:t> </a:t>
-            </a:r>
-            <a:r>
-              <a:rPr kumimoji="1" lang="en-US" altLang="ko-KR" sz="1200" dirty="0"/>
-              <a:t>:</a:t>
-            </a:r>
-            <a:r>
-              <a:rPr kumimoji="1" lang="ko-KR" altLang="en-US" sz="1200" dirty="0"/>
-              <a:t> 다</a:t>
-            </a:r>
-            <a:endParaRPr kumimoji="1" lang="ko-Kore-KR" altLang="en-US" sz="1200" dirty="0"/>
-          </a:p>
-        </p:txBody>
-      </p:sp>
-      <p:sp>
-        <p:nvSpPr>
-          <p:cNvPr id="37" name="직사각형 36">
-            <a:extLst>
-              <a:ext uri="{FF2B5EF4-FFF2-40B4-BE49-F238E27FC236}">
-                <a16:creationId xmlns:a16="http://schemas.microsoft.com/office/drawing/2014/main" id="{9915690A-603B-DF04-DCFF-176B20F8BD79}"/>
-              </a:ext>
-            </a:extLst>
-          </p:cNvPr>
-          <p:cNvSpPr/>
-          <p:nvPr/>
-        </p:nvSpPr>
-        <p:spPr>
-          <a:xfrm>
-            <a:off x="1689647" y="182831"/>
-            <a:ext cx="1731927" cy="408972"/>
-          </a:xfrm>
-          <a:prstGeom prst="rect">
-            <a:avLst/>
-          </a:prstGeom>
-          <a:ln/>
-        </p:spPr>
-        <p:style>
-          <a:lnRef idx="2">
-            <a:schemeClr val="accent5"/>
-          </a:lnRef>
-          <a:fillRef idx="1">
-            <a:schemeClr val="lt1"/>
-          </a:fillRef>
-          <a:effectRef idx="0">
-            <a:schemeClr val="accent5"/>
-          </a:effectRef>
-          <a:fontRef idx="minor">
-            <a:schemeClr val="dk1"/>
-          </a:fontRef>
-        </p:style>
-        <p:txBody>
-          <a:bodyPr rtlCol="0" anchor="ctr"/>
-          <a:lstStyle/>
-          <a:p>
-            <a:pPr algn="ctr"/>
-            <a:r>
-              <a:rPr kumimoji="1" lang="ko-KR" altLang="en-US" sz="1200" dirty="0"/>
-              <a:t>강의는 </a:t>
-            </a:r>
-            <a:r>
-              <a:rPr kumimoji="1" lang="en-US" altLang="ko-KR" sz="1200" dirty="0"/>
-              <a:t>FK</a:t>
-            </a:r>
-            <a:r>
-              <a:rPr kumimoji="1" lang="ko-KR" altLang="en-US" sz="1200" dirty="0"/>
-              <a:t>에 한 값만 들어갈 수 있다</a:t>
-            </a:r>
-            <a:r>
-              <a:rPr kumimoji="1" lang="en-US" altLang="ko-KR" sz="1200" dirty="0"/>
-              <a:t>.</a:t>
-            </a:r>
-            <a:r>
-              <a:rPr kumimoji="1" lang="ko-KR" altLang="en-US" sz="1200" dirty="0"/>
-              <a:t> </a:t>
-            </a:r>
-            <a:r>
-              <a:rPr kumimoji="1" lang="en-US" altLang="ko-KR" sz="1200" dirty="0">
-                <a:sym typeface="Wingdings" pitchFamily="2" charset="2"/>
-              </a:rPr>
-              <a:t></a:t>
-            </a:r>
-            <a:r>
-              <a:rPr kumimoji="1" lang="ko-KR" altLang="en-US" sz="1200" dirty="0">
-                <a:sym typeface="Wingdings" pitchFamily="2" charset="2"/>
-              </a:rPr>
-              <a:t> </a:t>
-            </a:r>
-            <a:r>
-              <a:rPr kumimoji="1" lang="en-US" altLang="ko-KR" sz="1200" dirty="0">
-                <a:sym typeface="Wingdings" pitchFamily="2" charset="2"/>
-              </a:rPr>
-              <a:t>1</a:t>
-            </a:r>
-            <a:endParaRPr kumimoji="1" lang="ko-Kore-KR" altLang="en-US" sz="1200" dirty="0"/>
-          </a:p>
-        </p:txBody>
-      </p:sp>
-      <p:cxnSp>
-        <p:nvCxnSpPr>
-          <p:cNvPr id="38" name="직선 화살표 연결선 37">
-            <a:extLst>
-              <a:ext uri="{FF2B5EF4-FFF2-40B4-BE49-F238E27FC236}">
-                <a16:creationId xmlns:a16="http://schemas.microsoft.com/office/drawing/2014/main" id="{B0010CD5-2686-140E-6F47-EC7DC87DB23D}"/>
-              </a:ext>
-            </a:extLst>
-          </p:cNvPr>
-          <p:cNvCxnSpPr>
-            <a:cxnSpLocks/>
-            <a:stCxn id="37" idx="3"/>
-          </p:cNvCxnSpPr>
-          <p:nvPr/>
-        </p:nvCxnSpPr>
-        <p:spPr>
-          <a:xfrm>
-            <a:off x="3421574" y="387317"/>
-            <a:ext cx="181492" cy="552553"/>
-          </a:xfrm>
-          <a:prstGeom prst="straightConnector1">
-            <a:avLst/>
-          </a:prstGeom>
-          <a:ln>
-            <a:tailEnd type="triangle"/>
-          </a:ln>
-        </p:spPr>
-        <p:style>
-          <a:lnRef idx="3">
-            <a:schemeClr val="accent5"/>
-          </a:lnRef>
-          <a:fillRef idx="0">
-            <a:schemeClr val="accent5"/>
-          </a:fillRef>
-          <a:effectRef idx="2">
-            <a:schemeClr val="accent5"/>
-          </a:effectRef>
-          <a:fontRef idx="minor">
-            <a:schemeClr val="tx1"/>
-          </a:fontRef>
-        </p:style>
-      </p:cxnSp>
-      <p:sp>
-        <p:nvSpPr>
-          <p:cNvPr id="43" name="직사각형 42">
-            <a:extLst>
-              <a:ext uri="{FF2B5EF4-FFF2-40B4-BE49-F238E27FC236}">
-                <a16:creationId xmlns:a16="http://schemas.microsoft.com/office/drawing/2014/main" id="{9675C99E-4DEF-2CEB-70D0-56B10695A8CE}"/>
-              </a:ext>
-            </a:extLst>
-          </p:cNvPr>
-          <p:cNvSpPr/>
-          <p:nvPr/>
-        </p:nvSpPr>
-        <p:spPr>
-          <a:xfrm>
-            <a:off x="6096000" y="177818"/>
-            <a:ext cx="3075258" cy="408972"/>
-          </a:xfrm>
-          <a:prstGeom prst="rect">
-            <a:avLst/>
-          </a:prstGeom>
-          <a:ln/>
-        </p:spPr>
-        <p:style>
-          <a:lnRef idx="2">
-            <a:schemeClr val="accent5"/>
-          </a:lnRef>
-          <a:fillRef idx="1">
-            <a:schemeClr val="lt1"/>
-          </a:fillRef>
-          <a:effectRef idx="0">
-            <a:schemeClr val="accent5"/>
-          </a:effectRef>
-          <a:fontRef idx="minor">
-            <a:schemeClr val="dk1"/>
-          </a:fontRef>
-        </p:style>
-        <p:txBody>
-          <a:bodyPr rtlCol="0" anchor="ctr"/>
-          <a:lstStyle/>
-          <a:p>
-            <a:pPr algn="ctr"/>
-            <a:r>
-              <a:rPr kumimoji="1" lang="ko-KR" altLang="en-US" sz="1200" dirty="0"/>
-              <a:t>한 </a:t>
-            </a:r>
-            <a:r>
-              <a:rPr kumimoji="1" lang="en-US" altLang="ko-KR" sz="1200" dirty="0"/>
-              <a:t>row</a:t>
-            </a:r>
-            <a:r>
-              <a:rPr kumimoji="1" lang="ko-KR" altLang="en-US" sz="1200" dirty="0"/>
-              <a:t>당 중복 </a:t>
-            </a:r>
-            <a:r>
-              <a:rPr kumimoji="1" lang="en-US" altLang="ko-KR" sz="1200" dirty="0"/>
-              <a:t>FK </a:t>
-            </a:r>
-            <a:r>
-              <a:rPr kumimoji="1" lang="ko-KR" altLang="en-US" sz="1200" dirty="0"/>
-              <a:t>가능 </a:t>
-            </a:r>
-            <a:r>
-              <a:rPr kumimoji="1" lang="en-US" altLang="ko-KR" sz="1200" dirty="0">
-                <a:sym typeface="Wingdings" pitchFamily="2" charset="2"/>
-              </a:rPr>
-              <a:t></a:t>
-            </a:r>
-            <a:r>
-              <a:rPr kumimoji="1" lang="ko-KR" altLang="en-US" sz="1200" dirty="0">
-                <a:sym typeface="Wingdings" pitchFamily="2" charset="2"/>
-              </a:rPr>
-              <a:t> 다</a:t>
-            </a:r>
-            <a:endParaRPr kumimoji="1" lang="ko-Kore-KR" altLang="en-US" sz="1200" dirty="0"/>
-          </a:p>
-        </p:txBody>
-      </p:sp>
-      <p:cxnSp>
-        <p:nvCxnSpPr>
-          <p:cNvPr id="44" name="직선 화살표 연결선 43">
-            <a:extLst>
-              <a:ext uri="{FF2B5EF4-FFF2-40B4-BE49-F238E27FC236}">
-                <a16:creationId xmlns:a16="http://schemas.microsoft.com/office/drawing/2014/main" id="{4220B1F7-BB6D-B7AD-22BC-A9EE4674E939}"/>
-              </a:ext>
-            </a:extLst>
-          </p:cNvPr>
-          <p:cNvCxnSpPr>
-            <a:cxnSpLocks/>
-            <a:stCxn id="43" idx="1"/>
-          </p:cNvCxnSpPr>
-          <p:nvPr/>
-        </p:nvCxnSpPr>
-        <p:spPr>
-          <a:xfrm flipH="1">
-            <a:off x="5656332" y="382304"/>
-            <a:ext cx="439668" cy="576481"/>
-          </a:xfrm>
-          <a:prstGeom prst="straightConnector1">
-            <a:avLst/>
-          </a:prstGeom>
-          <a:ln>
-            <a:tailEnd type="triangle"/>
-          </a:ln>
-        </p:spPr>
-        <p:style>
-          <a:lnRef idx="3">
-            <a:schemeClr val="accent5"/>
-          </a:lnRef>
-          <a:fillRef idx="0">
-            <a:schemeClr val="accent5"/>
-          </a:fillRef>
-          <a:effectRef idx="2">
-            <a:schemeClr val="accent5"/>
-          </a:effectRef>
-          <a:fontRef idx="minor">
-            <a:schemeClr val="tx1"/>
-          </a:fontRef>
-        </p:style>
-      </p:cxnSp>
-      <p:sp>
-        <p:nvSpPr>
-          <p:cNvPr id="50" name="직사각형 49">
-            <a:extLst>
-              <a:ext uri="{FF2B5EF4-FFF2-40B4-BE49-F238E27FC236}">
-                <a16:creationId xmlns:a16="http://schemas.microsoft.com/office/drawing/2014/main" id="{350B17D6-CD1E-4AB4-68CE-F7FE01006A0F}"/>
-              </a:ext>
-            </a:extLst>
-          </p:cNvPr>
-          <p:cNvSpPr/>
-          <p:nvPr/>
-        </p:nvSpPr>
-        <p:spPr>
-          <a:xfrm>
-            <a:off x="7614491" y="3928851"/>
-            <a:ext cx="2965820" cy="408972"/>
-          </a:xfrm>
-          <a:prstGeom prst="rect">
-            <a:avLst/>
-          </a:prstGeom>
-          <a:ln>
-            <a:solidFill>
-              <a:srgbClr val="FF00A8"/>
-            </a:solidFill>
-          </a:ln>
-        </p:spPr>
-        <p:style>
-          <a:lnRef idx="2">
-            <a:schemeClr val="accent1"/>
-          </a:lnRef>
-          <a:fillRef idx="1">
-            <a:schemeClr val="lt1"/>
-          </a:fillRef>
-          <a:effectRef idx="0">
-            <a:schemeClr val="accent1"/>
-          </a:effectRef>
-          <a:fontRef idx="minor">
-            <a:schemeClr val="dk1"/>
-          </a:fontRef>
-        </p:style>
-        <p:txBody>
-          <a:bodyPr rtlCol="0" anchor="ctr"/>
-          <a:lstStyle/>
-          <a:p>
-            <a:pPr algn="ctr"/>
-            <a:r>
-              <a:rPr kumimoji="1" lang="ko-KR" altLang="en-US" sz="1200" dirty="0"/>
-              <a:t>다른 테이블의 데이터를 가리키기 위해 </a:t>
-            </a:r>
-            <a:r>
-              <a:rPr kumimoji="1" lang="en-US" altLang="ko-KR" sz="1200" dirty="0"/>
-              <a:t>PK</a:t>
-            </a:r>
-            <a:r>
-              <a:rPr kumimoji="1" lang="ko-KR" altLang="en-US" sz="1200" dirty="0" err="1"/>
-              <a:t>를</a:t>
-            </a:r>
-            <a:r>
-              <a:rPr kumimoji="1" lang="ko-KR" altLang="en-US" sz="1200" dirty="0"/>
-              <a:t> 저장하는 컬럼</a:t>
-            </a:r>
-            <a:endParaRPr kumimoji="1" lang="ko-Kore-KR" altLang="en-US" sz="1200" dirty="0"/>
-          </a:p>
-        </p:txBody>
-      </p:sp>
-      <p:cxnSp>
-        <p:nvCxnSpPr>
-          <p:cNvPr id="51" name="직선 화살표 연결선 50">
-            <a:extLst>
-              <a:ext uri="{FF2B5EF4-FFF2-40B4-BE49-F238E27FC236}">
-                <a16:creationId xmlns:a16="http://schemas.microsoft.com/office/drawing/2014/main" id="{41586478-CA21-977A-A1B9-8B5206394745}"/>
-              </a:ext>
-            </a:extLst>
-          </p:cNvPr>
-          <p:cNvCxnSpPr>
-            <a:cxnSpLocks/>
-            <a:stCxn id="50" idx="1"/>
-            <a:endCxn id="17" idx="0"/>
-          </p:cNvCxnSpPr>
-          <p:nvPr/>
-        </p:nvCxnSpPr>
-        <p:spPr>
-          <a:xfrm flipH="1">
-            <a:off x="6832766" y="4133337"/>
-            <a:ext cx="781725" cy="359555"/>
-          </a:xfrm>
-          <a:prstGeom prst="straightConnector1">
-            <a:avLst/>
-          </a:prstGeom>
-          <a:ln>
-            <a:solidFill>
-              <a:srgbClr val="FF00A8"/>
-            </a:solidFill>
-            <a:tailEnd type="triangle"/>
-          </a:ln>
-        </p:spPr>
-        <p:style>
-          <a:lnRef idx="3">
-            <a:schemeClr val="accent5"/>
-          </a:lnRef>
-          <a:fillRef idx="0">
-            <a:schemeClr val="accent5"/>
-          </a:fillRef>
-          <a:effectRef idx="2">
-            <a:schemeClr val="accent5"/>
-          </a:effectRef>
-          <a:fontRef idx="minor">
-            <a:schemeClr val="tx1"/>
-          </a:fontRef>
-        </p:style>
-      </p:cxnSp>
-      <p:sp>
-        <p:nvSpPr>
-          <p:cNvPr id="57" name="직사각형 56">
-            <a:extLst>
-              <a:ext uri="{FF2B5EF4-FFF2-40B4-BE49-F238E27FC236}">
-                <a16:creationId xmlns:a16="http://schemas.microsoft.com/office/drawing/2014/main" id="{08E91D6D-0738-2D50-72C0-3FAF24E92B3D}"/>
-              </a:ext>
-            </a:extLst>
-          </p:cNvPr>
-          <p:cNvSpPr/>
-          <p:nvPr/>
-        </p:nvSpPr>
-        <p:spPr>
-          <a:xfrm>
-            <a:off x="6307029" y="6224654"/>
-            <a:ext cx="1833197" cy="359555"/>
-          </a:xfrm>
-          <a:prstGeom prst="rect">
-            <a:avLst/>
-          </a:prstGeom>
-          <a:ln>
-            <a:solidFill>
-              <a:schemeClr val="bg1">
-                <a:lumMod val="50000"/>
-              </a:schemeClr>
-            </a:solidFill>
-          </a:ln>
-        </p:spPr>
-        <p:style>
-          <a:lnRef idx="2">
-            <a:schemeClr val="accent5"/>
-          </a:lnRef>
-          <a:fillRef idx="1">
-            <a:schemeClr val="lt1"/>
-          </a:fillRef>
-          <a:effectRef idx="0">
-            <a:schemeClr val="accent5"/>
-          </a:effectRef>
-          <a:fontRef idx="minor">
-            <a:schemeClr val="dk1"/>
-          </a:fontRef>
-        </p:style>
-        <p:txBody>
-          <a:bodyPr rtlCol="0" anchor="ctr"/>
-          <a:lstStyle/>
-          <a:p>
-            <a:pPr algn="ctr"/>
-            <a:r>
-              <a:rPr kumimoji="1" lang="en-US" altLang="ko-KR" sz="1200" b="1" dirty="0"/>
-              <a:t>FK </a:t>
-            </a:r>
-            <a:r>
-              <a:rPr lang="ko-Kore-KR" altLang="en-US" b="1" dirty="0"/>
-              <a:t>≠</a:t>
-            </a:r>
-            <a:r>
-              <a:rPr kumimoji="1" lang="ko-KR" altLang="en-US" sz="1200" b="1" dirty="0"/>
-              <a:t> </a:t>
-            </a:r>
-            <a:r>
-              <a:rPr kumimoji="1" lang="en-US" altLang="ko-KR" sz="1200" b="1" dirty="0"/>
-              <a:t>PK</a:t>
-            </a:r>
-            <a:endParaRPr lang="ko-Kore-KR" altLang="en-US" b="1" dirty="0"/>
-          </a:p>
-        </p:txBody>
-      </p:sp>
-      <p:sp>
-        <p:nvSpPr>
-          <p:cNvPr id="58" name="직사각형 57">
-            <a:extLst>
-              <a:ext uri="{FF2B5EF4-FFF2-40B4-BE49-F238E27FC236}">
-                <a16:creationId xmlns:a16="http://schemas.microsoft.com/office/drawing/2014/main" id="{BCDB272A-FE02-847B-A17A-70F1A4DC5A63}"/>
-              </a:ext>
-            </a:extLst>
-          </p:cNvPr>
-          <p:cNvSpPr/>
-          <p:nvPr/>
-        </p:nvSpPr>
-        <p:spPr>
-          <a:xfrm>
-            <a:off x="8410149" y="6224653"/>
-            <a:ext cx="3330747" cy="359555"/>
-          </a:xfrm>
-          <a:prstGeom prst="rect">
-            <a:avLst/>
-          </a:prstGeom>
-          <a:ln>
-            <a:solidFill>
-              <a:schemeClr val="bg1">
-                <a:lumMod val="50000"/>
-              </a:schemeClr>
-            </a:solidFill>
-          </a:ln>
-        </p:spPr>
-        <p:style>
-          <a:lnRef idx="2">
-            <a:schemeClr val="accent5"/>
-          </a:lnRef>
-          <a:fillRef idx="1">
-            <a:schemeClr val="lt1"/>
-          </a:fillRef>
-          <a:effectRef idx="0">
-            <a:schemeClr val="accent5"/>
-          </a:effectRef>
-          <a:fontRef idx="minor">
-            <a:schemeClr val="dk1"/>
-          </a:fontRef>
-        </p:style>
-        <p:txBody>
-          <a:bodyPr rtlCol="0" anchor="ctr"/>
-          <a:lstStyle/>
-          <a:p>
-            <a:pPr algn="ctr"/>
-            <a:r>
-              <a:rPr kumimoji="1" lang="ko-KR" altLang="en-US" sz="1200" dirty="0"/>
-              <a:t>이 테이블에서 </a:t>
-            </a:r>
-            <a:r>
-              <a:rPr kumimoji="1" lang="en-US" altLang="ko-KR" sz="1200" dirty="0" err="1"/>
-              <a:t>fk</a:t>
-            </a:r>
-            <a:r>
-              <a:rPr kumimoji="1" lang="ko-KR" altLang="en-US" sz="1200" dirty="0"/>
-              <a:t>로 행 구별이 불가능하다</a:t>
-            </a:r>
-            <a:r>
-              <a:rPr kumimoji="1" lang="en-US" altLang="ko-KR" sz="1200" dirty="0"/>
-              <a:t>.</a:t>
-            </a:r>
-          </a:p>
-        </p:txBody>
-      </p:sp>
-      <p:cxnSp>
-        <p:nvCxnSpPr>
-          <p:cNvPr id="59" name="직선 화살표 연결선 58">
-            <a:extLst>
-              <a:ext uri="{FF2B5EF4-FFF2-40B4-BE49-F238E27FC236}">
-                <a16:creationId xmlns:a16="http://schemas.microsoft.com/office/drawing/2014/main" id="{FDD0E217-CB75-C0EB-5540-BD78DB58F2F3}"/>
-              </a:ext>
-            </a:extLst>
-          </p:cNvPr>
-          <p:cNvCxnSpPr>
-            <a:cxnSpLocks/>
-            <a:stCxn id="57" idx="3"/>
-            <a:endCxn id="58" idx="1"/>
-          </p:cNvCxnSpPr>
-          <p:nvPr/>
-        </p:nvCxnSpPr>
-        <p:spPr>
-          <a:xfrm flipV="1">
-            <a:off x="8140226" y="6404431"/>
-            <a:ext cx="269923" cy="1"/>
-          </a:xfrm>
-          <a:prstGeom prst="straightConnector1">
-            <a:avLst/>
-          </a:prstGeom>
-          <a:ln>
-            <a:solidFill>
-              <a:schemeClr val="bg1">
-                <a:lumMod val="50000"/>
-              </a:schemeClr>
-            </a:solidFill>
-            <a:tailEnd type="triangle"/>
-          </a:ln>
-        </p:spPr>
-        <p:style>
-          <a:lnRef idx="3">
-            <a:schemeClr val="accent5"/>
-          </a:lnRef>
-          <a:fillRef idx="0">
-            <a:schemeClr val="accent5"/>
-          </a:fillRef>
-          <a:effectRef idx="2">
-            <a:schemeClr val="accent5"/>
-          </a:effectRef>
-          <a:fontRef idx="minor">
-            <a:schemeClr val="tx1"/>
-          </a:fontRef>
-        </p:style>
-      </p:cxnSp>
     </p:spTree>
     <p:extLst>
       <p:ext uri="{BB962C8B-B14F-4D97-AF65-F5344CB8AC3E}">
@@ -19349,1467 +15712,10 @@
           <a:chExt cx="0" cy="0"/>
         </a:xfrm>
       </p:grpSpPr>
-      <p:graphicFrame>
-        <p:nvGraphicFramePr>
-          <p:cNvPr id="2" name="표 2">
-            <a:extLst>
-              <a:ext uri="{FF2B5EF4-FFF2-40B4-BE49-F238E27FC236}">
-                <a16:creationId xmlns:a16="http://schemas.microsoft.com/office/drawing/2014/main" id="{AF44E5FE-EAF7-8349-8022-625B02357DA2}"/>
-              </a:ext>
-            </a:extLst>
-          </p:cNvPr>
-          <p:cNvGraphicFramePr>
-            <a:graphicFrameLocks noGrp="1"/>
-          </p:cNvGraphicFramePr>
-          <p:nvPr>
-            <p:extLst>
-              <p:ext uri="{D42A27DB-BD31-4B8C-83A1-F6EECF244321}">
-                <p14:modId xmlns:p14="http://schemas.microsoft.com/office/powerpoint/2010/main" val="4280685253"/>
-              </p:ext>
-            </p:extLst>
-          </p:nvPr>
-        </p:nvGraphicFramePr>
-        <p:xfrm>
-          <a:off x="548640" y="995404"/>
-          <a:ext cx="2965821" cy="2114712"/>
-        </p:xfrm>
-        <a:graphic>
-          <a:graphicData uri="http://schemas.openxmlformats.org/drawingml/2006/table">
-            <a:tbl>
-              <a:tblPr firstRow="1" bandRow="1">
-                <a:tableStyleId>{5C22544A-7EE6-4342-B048-85BDC9FD1C3A}</a:tableStyleId>
-              </a:tblPr>
-              <a:tblGrid>
-                <a:gridCol w="2965821">
-                  <a:extLst>
-                    <a:ext uri="{9D8B030D-6E8A-4147-A177-3AD203B41FA5}">
-                      <a16:colId xmlns:a16="http://schemas.microsoft.com/office/drawing/2014/main" val="1965095789"/>
-                    </a:ext>
-                  </a:extLst>
-                </a:gridCol>
-              </a:tblGrid>
-              <a:tr h="651672">
-                <a:tc>
-                  <a:txBody>
-                    <a:bodyPr/>
-                    <a:lstStyle/>
-                    <a:p>
-                      <a:pPr algn="ctr"/>
-                      <a:r>
-                        <a:rPr lang="ko-KR" altLang="en-US" dirty="0"/>
-                        <a:t>회원</a:t>
-                      </a:r>
-                      <a:endParaRPr lang="ko-Kore-KR" altLang="en-US" dirty="0"/>
-                    </a:p>
-                  </a:txBody>
-                  <a:tcPr/>
-                </a:tc>
-                <a:extLst>
-                  <a:ext uri="{0D108BD9-81ED-4DB2-BD59-A6C34878D82A}">
-                    <a16:rowId xmlns:a16="http://schemas.microsoft.com/office/drawing/2014/main" val="3559688625"/>
-                  </a:ext>
-                </a:extLst>
-              </a:tr>
-              <a:tr h="1327771">
-                <a:tc>
-                  <a:txBody>
-                    <a:bodyPr/>
-                    <a:lstStyle/>
-                    <a:p>
-                      <a:pPr marL="0" indent="0" algn="l">
-                        <a:buFont typeface="Arial" panose="020B0604020202020204" pitchFamily="34" charset="0"/>
-                        <a:buNone/>
-                      </a:pPr>
-                      <a:r>
-                        <a:rPr lang="en-US" altLang="ko-KR" dirty="0"/>
-                        <a:t>#</a:t>
-                      </a:r>
-                      <a:r>
-                        <a:rPr lang="ko-KR" altLang="en-US" dirty="0"/>
-                        <a:t> 강의번호</a:t>
-                      </a:r>
-                      <a:endParaRPr lang="en-US" altLang="ko-KR" dirty="0"/>
-                    </a:p>
-                    <a:p>
-                      <a:pPr marL="0" indent="0" algn="l">
-                        <a:buFont typeface="Arial" panose="020B0604020202020204" pitchFamily="34" charset="0"/>
-                        <a:buNone/>
-                      </a:pPr>
-                      <a:r>
-                        <a:rPr lang="ko-KR" altLang="en-US" dirty="0"/>
-                        <a:t>이름</a:t>
-                      </a:r>
-                      <a:endParaRPr lang="en-US" altLang="ko-KR" dirty="0"/>
-                    </a:p>
-                    <a:p>
-                      <a:pPr marL="0" indent="0" algn="l">
-                        <a:buFont typeface="Arial" panose="020B0604020202020204" pitchFamily="34" charset="0"/>
-                        <a:buNone/>
-                      </a:pPr>
-                      <a:r>
-                        <a:rPr lang="ko-KR" altLang="en-US" dirty="0"/>
-                        <a:t>이메일</a:t>
-                      </a:r>
-                      <a:endParaRPr lang="en-US" altLang="ko-KR" dirty="0"/>
-                    </a:p>
-                    <a:p>
-                      <a:pPr marL="0" indent="0" algn="l">
-                        <a:buFont typeface="Arial" panose="020B0604020202020204" pitchFamily="34" charset="0"/>
-                        <a:buNone/>
-                      </a:pPr>
-                      <a:r>
-                        <a:rPr lang="en-US" altLang="ko-KR" dirty="0"/>
-                        <a:t>.</a:t>
-                      </a:r>
-                    </a:p>
-                    <a:p>
-                      <a:pPr marL="0" indent="0" algn="l">
-                        <a:buFont typeface="Arial" panose="020B0604020202020204" pitchFamily="34" charset="0"/>
-                        <a:buNone/>
-                      </a:pPr>
-                      <a:r>
-                        <a:rPr lang="en-US" altLang="ko-KR" dirty="0"/>
-                        <a:t>.</a:t>
-                      </a:r>
-                      <a:endParaRPr lang="en-US" altLang="ko-Kore-KR" dirty="0"/>
-                    </a:p>
-                  </a:txBody>
-                  <a:tcPr/>
-                </a:tc>
-                <a:extLst>
-                  <a:ext uri="{0D108BD9-81ED-4DB2-BD59-A6C34878D82A}">
-                    <a16:rowId xmlns:a16="http://schemas.microsoft.com/office/drawing/2014/main" val="3230167247"/>
-                  </a:ext>
-                </a:extLst>
-              </a:tr>
-            </a:tbl>
-          </a:graphicData>
-        </a:graphic>
-      </p:graphicFrame>
-      <p:graphicFrame>
-        <p:nvGraphicFramePr>
-          <p:cNvPr id="3" name="표 2">
-            <a:extLst>
-              <a:ext uri="{FF2B5EF4-FFF2-40B4-BE49-F238E27FC236}">
-                <a16:creationId xmlns:a16="http://schemas.microsoft.com/office/drawing/2014/main" id="{9C8B541C-B154-42A2-69E4-9EEC066D094A}"/>
-              </a:ext>
-            </a:extLst>
-          </p:cNvPr>
-          <p:cNvGraphicFramePr>
-            <a:graphicFrameLocks noGrp="1"/>
-          </p:cNvGraphicFramePr>
-          <p:nvPr>
-            <p:extLst>
-              <p:ext uri="{D42A27DB-BD31-4B8C-83A1-F6EECF244321}">
-                <p14:modId xmlns:p14="http://schemas.microsoft.com/office/powerpoint/2010/main" val="3634951436"/>
-              </p:ext>
-            </p:extLst>
-          </p:nvPr>
-        </p:nvGraphicFramePr>
-        <p:xfrm>
-          <a:off x="5815820" y="995406"/>
-          <a:ext cx="2965820" cy="1979352"/>
-        </p:xfrm>
-        <a:graphic>
-          <a:graphicData uri="http://schemas.openxmlformats.org/drawingml/2006/table">
-            <a:tbl>
-              <a:tblPr firstRow="1" bandRow="1">
-                <a:tableStyleId>{5C22544A-7EE6-4342-B048-85BDC9FD1C3A}</a:tableStyleId>
-              </a:tblPr>
-              <a:tblGrid>
-                <a:gridCol w="2965820">
-                  <a:extLst>
-                    <a:ext uri="{9D8B030D-6E8A-4147-A177-3AD203B41FA5}">
-                      <a16:colId xmlns:a16="http://schemas.microsoft.com/office/drawing/2014/main" val="1965095789"/>
-                    </a:ext>
-                  </a:extLst>
-                </a:gridCol>
-              </a:tblGrid>
-              <a:tr h="636477">
-                <a:tc>
-                  <a:txBody>
-                    <a:bodyPr/>
-                    <a:lstStyle/>
-                    <a:p>
-                      <a:pPr algn="ctr"/>
-                      <a:r>
-                        <a:rPr lang="ko-KR" altLang="en-US" dirty="0"/>
-                        <a:t>강사</a:t>
-                      </a:r>
-                      <a:endParaRPr lang="ko-Kore-KR" altLang="en-US" dirty="0"/>
-                    </a:p>
-                  </a:txBody>
-                  <a:tcPr/>
-                </a:tc>
-                <a:extLst>
-                  <a:ext uri="{0D108BD9-81ED-4DB2-BD59-A6C34878D82A}">
-                    <a16:rowId xmlns:a16="http://schemas.microsoft.com/office/drawing/2014/main" val="3559688625"/>
-                  </a:ext>
-                </a:extLst>
-              </a:tr>
-              <a:tr h="1342875">
-                <a:tc>
-                  <a:txBody>
-                    <a:bodyPr/>
-                    <a:lstStyle/>
-                    <a:p>
-                      <a:pPr marL="0" indent="0" algn="l">
-                        <a:buFont typeface="Arial" panose="020B0604020202020204" pitchFamily="34" charset="0"/>
-                        <a:buNone/>
-                      </a:pPr>
-                      <a:r>
-                        <a:rPr lang="en-US" altLang="ko-KR" dirty="0"/>
-                        <a:t>#</a:t>
-                      </a:r>
-                      <a:r>
-                        <a:rPr lang="ko-KR" altLang="en-US" dirty="0"/>
-                        <a:t> 회원번호</a:t>
-                      </a:r>
-                      <a:r>
-                        <a:rPr lang="en-US" altLang="ko-KR" dirty="0"/>
-                        <a:t>(FK)</a:t>
-                      </a:r>
-                    </a:p>
-                    <a:p>
-                      <a:pPr marL="0" indent="0" algn="l">
-                        <a:buFont typeface="Arial" panose="020B0604020202020204" pitchFamily="34" charset="0"/>
-                        <a:buNone/>
-                      </a:pPr>
-                      <a:r>
-                        <a:rPr lang="ko-KR" altLang="en-US" dirty="0"/>
-                        <a:t>계좌번호</a:t>
-                      </a:r>
-                      <a:endParaRPr lang="en-US" altLang="ko-KR" dirty="0"/>
-                    </a:p>
-                    <a:p>
-                      <a:pPr marL="0" indent="0" algn="l">
-                        <a:buFont typeface="Arial" panose="020B0604020202020204" pitchFamily="34" charset="0"/>
-                        <a:buNone/>
-                      </a:pPr>
-                      <a:r>
-                        <a:rPr lang="ko-KR" altLang="en-US" dirty="0" err="1"/>
-                        <a:t>은행명</a:t>
-                      </a:r>
-                      <a:endParaRPr lang="en-US" altLang="ko-KR" dirty="0"/>
-                    </a:p>
-                    <a:p>
-                      <a:pPr marL="0" indent="0" algn="l">
-                        <a:buFont typeface="Arial" panose="020B0604020202020204" pitchFamily="34" charset="0"/>
-                        <a:buNone/>
-                      </a:pPr>
-                      <a:r>
-                        <a:rPr lang="ko-KR" altLang="en-US" dirty="0" err="1"/>
-                        <a:t>시강료</a:t>
-                      </a:r>
-                      <a:endParaRPr lang="en-US" altLang="ko-Kore-KR" dirty="0"/>
-                    </a:p>
-                  </a:txBody>
-                  <a:tcPr/>
-                </a:tc>
-                <a:extLst>
-                  <a:ext uri="{0D108BD9-81ED-4DB2-BD59-A6C34878D82A}">
-                    <a16:rowId xmlns:a16="http://schemas.microsoft.com/office/drawing/2014/main" val="3230167247"/>
-                  </a:ext>
-                </a:extLst>
-              </a:tr>
-            </a:tbl>
-          </a:graphicData>
-        </a:graphic>
-      </p:graphicFrame>
-      <p:cxnSp>
-        <p:nvCxnSpPr>
-          <p:cNvPr id="4" name="직선 연결선[R] 3">
-            <a:extLst>
-              <a:ext uri="{FF2B5EF4-FFF2-40B4-BE49-F238E27FC236}">
-                <a16:creationId xmlns:a16="http://schemas.microsoft.com/office/drawing/2014/main" id="{AB0E267C-D832-FE46-DCCB-0FD7AFB7F21F}"/>
-              </a:ext>
-            </a:extLst>
-          </p:cNvPr>
-          <p:cNvCxnSpPr>
-            <a:cxnSpLocks/>
-          </p:cNvCxnSpPr>
-          <p:nvPr/>
-        </p:nvCxnSpPr>
-        <p:spPr>
-          <a:xfrm>
-            <a:off x="3514461" y="1168873"/>
-            <a:ext cx="2301358" cy="0"/>
-          </a:xfrm>
-          <a:prstGeom prst="line">
-            <a:avLst/>
-          </a:prstGeom>
-          <a:ln>
-            <a:headEnd type="none" w="med" len="med"/>
-            <a:tailEnd type="none" w="med" len="med"/>
-          </a:ln>
-        </p:spPr>
-        <p:style>
-          <a:lnRef idx="3">
-            <a:schemeClr val="accent5"/>
-          </a:lnRef>
-          <a:fillRef idx="0">
-            <a:schemeClr val="accent5"/>
-          </a:fillRef>
-          <a:effectRef idx="2">
-            <a:schemeClr val="accent5"/>
-          </a:effectRef>
-          <a:fontRef idx="minor">
-            <a:schemeClr val="tx1"/>
-          </a:fontRef>
-        </p:style>
-      </p:cxnSp>
-      <p:cxnSp>
-        <p:nvCxnSpPr>
-          <p:cNvPr id="5" name="직선 연결선[R] 4">
-            <a:extLst>
-              <a:ext uri="{FF2B5EF4-FFF2-40B4-BE49-F238E27FC236}">
-                <a16:creationId xmlns:a16="http://schemas.microsoft.com/office/drawing/2014/main" id="{B6CEB741-E420-F21E-3EDF-67BCA664DCD6}"/>
-              </a:ext>
-            </a:extLst>
-          </p:cNvPr>
-          <p:cNvCxnSpPr>
-            <a:cxnSpLocks/>
-          </p:cNvCxnSpPr>
-          <p:nvPr/>
-        </p:nvCxnSpPr>
-        <p:spPr>
-          <a:xfrm>
-            <a:off x="3603066" y="1048372"/>
-            <a:ext cx="0" cy="241002"/>
-          </a:xfrm>
-          <a:prstGeom prst="line">
-            <a:avLst/>
-          </a:prstGeom>
-        </p:spPr>
-        <p:style>
-          <a:lnRef idx="3">
-            <a:schemeClr val="accent5"/>
-          </a:lnRef>
-          <a:fillRef idx="0">
-            <a:schemeClr val="accent5"/>
-          </a:fillRef>
-          <a:effectRef idx="2">
-            <a:schemeClr val="accent5"/>
-          </a:effectRef>
-          <a:fontRef idx="minor">
-            <a:schemeClr val="tx1"/>
-          </a:fontRef>
-        </p:style>
-      </p:cxnSp>
-      <p:sp>
-        <p:nvSpPr>
-          <p:cNvPr id="8" name="타원 7">
-            <a:extLst>
-              <a:ext uri="{FF2B5EF4-FFF2-40B4-BE49-F238E27FC236}">
-                <a16:creationId xmlns:a16="http://schemas.microsoft.com/office/drawing/2014/main" id="{7BC1E8D4-E12D-D623-83DD-CCA4807BC4A1}"/>
-              </a:ext>
-            </a:extLst>
-          </p:cNvPr>
-          <p:cNvSpPr/>
-          <p:nvPr/>
-        </p:nvSpPr>
-        <p:spPr>
-          <a:xfrm>
-            <a:off x="5520766" y="1073693"/>
-            <a:ext cx="159488" cy="159488"/>
-          </a:xfrm>
-          <a:prstGeom prst="ellipse">
-            <a:avLst/>
-          </a:prstGeom>
-          <a:ln w="22225"/>
-        </p:spPr>
-        <p:style>
-          <a:lnRef idx="2">
-            <a:schemeClr val="accent5"/>
-          </a:lnRef>
-          <a:fillRef idx="1">
-            <a:schemeClr val="lt1"/>
-          </a:fillRef>
-          <a:effectRef idx="0">
-            <a:schemeClr val="accent5"/>
-          </a:effectRef>
-          <a:fontRef idx="minor">
-            <a:schemeClr val="dk1"/>
-          </a:fontRef>
-        </p:style>
-        <p:txBody>
-          <a:bodyPr rtlCol="0" anchor="ctr"/>
-          <a:lstStyle/>
-          <a:p>
-            <a:pPr algn="ctr"/>
-            <a:endParaRPr kumimoji="1" lang="ko-Kore-KR" altLang="en-US"/>
-          </a:p>
-        </p:txBody>
-      </p:sp>
-      <p:sp>
-        <p:nvSpPr>
-          <p:cNvPr id="14" name="아래쪽 화살표[D] 13">
-            <a:extLst>
-              <a:ext uri="{FF2B5EF4-FFF2-40B4-BE49-F238E27FC236}">
-                <a16:creationId xmlns:a16="http://schemas.microsoft.com/office/drawing/2014/main" id="{448120DF-6966-3382-4903-BF5F51852D55}"/>
-              </a:ext>
-            </a:extLst>
-          </p:cNvPr>
-          <p:cNvSpPr/>
-          <p:nvPr/>
-        </p:nvSpPr>
-        <p:spPr>
-          <a:xfrm>
-            <a:off x="4368841" y="2770632"/>
-            <a:ext cx="592597" cy="1196376"/>
-          </a:xfrm>
-          <a:prstGeom prst="downArrow">
-            <a:avLst/>
-          </a:prstGeom>
-        </p:spPr>
-        <p:style>
-          <a:lnRef idx="2">
-            <a:schemeClr val="accent1">
-              <a:shade val="50000"/>
-            </a:schemeClr>
-          </a:lnRef>
-          <a:fillRef idx="1">
-            <a:schemeClr val="accent1"/>
-          </a:fillRef>
-          <a:effectRef idx="0">
-            <a:schemeClr val="accent1"/>
-          </a:effectRef>
-          <a:fontRef idx="minor">
-            <a:schemeClr val="lt1"/>
-          </a:fontRef>
-        </p:style>
-        <p:txBody>
-          <a:bodyPr rtlCol="0" anchor="ctr"/>
-          <a:lstStyle/>
-          <a:p>
-            <a:pPr algn="ctr"/>
-            <a:endParaRPr kumimoji="1" lang="ko-Kore-KR" altLang="en-US"/>
-          </a:p>
-        </p:txBody>
-      </p:sp>
-      <p:graphicFrame>
-        <p:nvGraphicFramePr>
-          <p:cNvPr id="15" name="표 15">
-            <a:extLst>
-              <a:ext uri="{FF2B5EF4-FFF2-40B4-BE49-F238E27FC236}">
-                <a16:creationId xmlns:a16="http://schemas.microsoft.com/office/drawing/2014/main" id="{2EA8E23C-C712-7500-19E1-6CC5FC11AD0B}"/>
-              </a:ext>
-            </a:extLst>
-          </p:cNvPr>
-          <p:cNvGraphicFramePr>
-            <a:graphicFrameLocks noGrp="1"/>
-          </p:cNvGraphicFramePr>
-          <p:nvPr>
-            <p:extLst>
-              <p:ext uri="{D42A27DB-BD31-4B8C-83A1-F6EECF244321}">
-                <p14:modId xmlns:p14="http://schemas.microsoft.com/office/powerpoint/2010/main" val="3227942442"/>
-              </p:ext>
-            </p:extLst>
-          </p:nvPr>
-        </p:nvGraphicFramePr>
-        <p:xfrm>
-          <a:off x="471091" y="4492892"/>
-          <a:ext cx="3897747" cy="1483360"/>
-        </p:xfrm>
-        <a:graphic>
-          <a:graphicData uri="http://schemas.openxmlformats.org/drawingml/2006/table">
-            <a:tbl>
-              <a:tblPr firstRow="1" bandRow="1">
-                <a:tableStyleId>{7DF18680-E054-41AD-8BC1-D1AEF772440D}</a:tableStyleId>
-              </a:tblPr>
-              <a:tblGrid>
-                <a:gridCol w="1299249">
-                  <a:extLst>
-                    <a:ext uri="{9D8B030D-6E8A-4147-A177-3AD203B41FA5}">
-                      <a16:colId xmlns:a16="http://schemas.microsoft.com/office/drawing/2014/main" val="1234671681"/>
-                    </a:ext>
-                  </a:extLst>
-                </a:gridCol>
-                <a:gridCol w="1299249">
-                  <a:extLst>
-                    <a:ext uri="{9D8B030D-6E8A-4147-A177-3AD203B41FA5}">
-                      <a16:colId xmlns:a16="http://schemas.microsoft.com/office/drawing/2014/main" val="4186409752"/>
-                    </a:ext>
-                  </a:extLst>
-                </a:gridCol>
-                <a:gridCol w="1299249">
-                  <a:extLst>
-                    <a:ext uri="{9D8B030D-6E8A-4147-A177-3AD203B41FA5}">
-                      <a16:colId xmlns:a16="http://schemas.microsoft.com/office/drawing/2014/main" val="2959266702"/>
-                    </a:ext>
-                  </a:extLst>
-                </a:gridCol>
-              </a:tblGrid>
-              <a:tr h="370840">
-                <a:tc>
-                  <a:txBody>
-                    <a:bodyPr/>
-                    <a:lstStyle/>
-                    <a:p>
-                      <a:r>
-                        <a:rPr lang="en-US" altLang="ko-Kore-KR" dirty="0"/>
-                        <a:t>PK</a:t>
-                      </a:r>
-                      <a:endParaRPr lang="ko-Kore-KR" altLang="en-US" dirty="0"/>
-                    </a:p>
-                  </a:txBody>
-                  <a:tcPr/>
-                </a:tc>
-                <a:tc>
-                  <a:txBody>
-                    <a:bodyPr/>
-                    <a:lstStyle/>
-                    <a:p>
-                      <a:r>
-                        <a:rPr lang="ko-KR" altLang="en-US" dirty="0"/>
-                        <a:t>이름</a:t>
-                      </a:r>
-                      <a:endParaRPr lang="ko-Kore-KR" altLang="en-US" dirty="0"/>
-                    </a:p>
-                  </a:txBody>
-                  <a:tcPr/>
-                </a:tc>
-                <a:tc>
-                  <a:txBody>
-                    <a:bodyPr/>
-                    <a:lstStyle/>
-                    <a:p>
-                      <a:r>
-                        <a:rPr lang="ko-Kore-KR" altLang="en-US" dirty="0"/>
-                        <a:t>이메일</a:t>
-                      </a:r>
-                    </a:p>
-                  </a:txBody>
-                  <a:tcPr/>
-                </a:tc>
-                <a:extLst>
-                  <a:ext uri="{0D108BD9-81ED-4DB2-BD59-A6C34878D82A}">
-                    <a16:rowId xmlns:a16="http://schemas.microsoft.com/office/drawing/2014/main" val="1634674834"/>
-                  </a:ext>
-                </a:extLst>
-              </a:tr>
-              <a:tr h="370840">
-                <a:tc>
-                  <a:txBody>
-                    <a:bodyPr/>
-                    <a:lstStyle/>
-                    <a:p>
-                      <a:r>
-                        <a:rPr lang="en-US" altLang="ko-Kore-KR" dirty="0"/>
-                        <a:t>1</a:t>
-                      </a:r>
-                      <a:r>
-                        <a:rPr lang="en-US" altLang="ko-KR" dirty="0"/>
-                        <a:t>1</a:t>
-                      </a:r>
-                      <a:endParaRPr lang="ko-Kore-KR" altLang="en-US" dirty="0"/>
-                    </a:p>
-                  </a:txBody>
-                  <a:tcPr/>
-                </a:tc>
-                <a:tc>
-                  <a:txBody>
-                    <a:bodyPr/>
-                    <a:lstStyle/>
-                    <a:p>
-                      <a:r>
-                        <a:rPr lang="ko-Kore-KR" altLang="en-US" dirty="0"/>
-                        <a:t>홍길동</a:t>
-                      </a:r>
-                    </a:p>
-                  </a:txBody>
-                  <a:tcPr/>
-                </a:tc>
-                <a:tc>
-                  <a:txBody>
-                    <a:bodyPr/>
-                    <a:lstStyle/>
-                    <a:p>
-                      <a:r>
-                        <a:rPr lang="en-US" altLang="ko-Kore-KR" dirty="0" err="1"/>
-                        <a:t>hong</a:t>
-                      </a:r>
-                      <a:r>
-                        <a:rPr lang="en-US" altLang="ko-Kore-KR" dirty="0"/>
-                        <a:t>@---</a:t>
-                      </a:r>
-                      <a:endParaRPr lang="ko-Kore-KR" altLang="en-US" dirty="0"/>
-                    </a:p>
-                  </a:txBody>
-                  <a:tcPr/>
-                </a:tc>
-                <a:extLst>
-                  <a:ext uri="{0D108BD9-81ED-4DB2-BD59-A6C34878D82A}">
-                    <a16:rowId xmlns:a16="http://schemas.microsoft.com/office/drawing/2014/main" val="57134277"/>
-                  </a:ext>
-                </a:extLst>
-              </a:tr>
-              <a:tr h="370840">
-                <a:tc>
-                  <a:txBody>
-                    <a:bodyPr/>
-                    <a:lstStyle/>
-                    <a:p>
-                      <a:r>
-                        <a:rPr lang="en-US" altLang="ko-KR" dirty="0"/>
-                        <a:t>1</a:t>
-                      </a:r>
-                      <a:r>
-                        <a:rPr lang="en-US" altLang="ko-Kore-KR" dirty="0"/>
-                        <a:t>2</a:t>
-                      </a:r>
-                      <a:endParaRPr lang="ko-Kore-KR" altLang="en-US" dirty="0"/>
-                    </a:p>
-                  </a:txBody>
-                  <a:tcPr/>
-                </a:tc>
-                <a:tc>
-                  <a:txBody>
-                    <a:bodyPr/>
-                    <a:lstStyle/>
-                    <a:p>
-                      <a:r>
-                        <a:rPr lang="ko-Kore-KR" altLang="en-US" dirty="0"/>
-                        <a:t>임꺽정</a:t>
-                      </a:r>
-                    </a:p>
-                  </a:txBody>
-                  <a:tcPr/>
-                </a:tc>
-                <a:tc>
-                  <a:txBody>
-                    <a:bodyPr/>
-                    <a:lstStyle/>
-                    <a:p>
-                      <a:r>
-                        <a:rPr lang="en-US" altLang="ko-Kore-KR" dirty="0" err="1"/>
-                        <a:t>leem</a:t>
-                      </a:r>
-                      <a:r>
-                        <a:rPr lang="en-US" altLang="ko-Kore-KR" dirty="0"/>
-                        <a:t>@---</a:t>
-                      </a:r>
-                      <a:endParaRPr lang="ko-Kore-KR" altLang="en-US" dirty="0"/>
-                    </a:p>
-                  </a:txBody>
-                  <a:tcPr/>
-                </a:tc>
-                <a:extLst>
-                  <a:ext uri="{0D108BD9-81ED-4DB2-BD59-A6C34878D82A}">
-                    <a16:rowId xmlns:a16="http://schemas.microsoft.com/office/drawing/2014/main" val="4162354235"/>
-                  </a:ext>
-                </a:extLst>
-              </a:tr>
-              <a:tr h="370840">
-                <a:tc>
-                  <a:txBody>
-                    <a:bodyPr/>
-                    <a:lstStyle/>
-                    <a:p>
-                      <a:r>
-                        <a:rPr lang="en-US" altLang="ko-KR" dirty="0"/>
-                        <a:t>1</a:t>
-                      </a:r>
-                      <a:r>
-                        <a:rPr lang="en-US" altLang="ko-Kore-KR" dirty="0"/>
-                        <a:t>3</a:t>
-                      </a:r>
-                      <a:endParaRPr lang="ko-Kore-KR" altLang="en-US" dirty="0"/>
-                    </a:p>
-                  </a:txBody>
-                  <a:tcPr/>
-                </a:tc>
-                <a:tc>
-                  <a:txBody>
-                    <a:bodyPr/>
-                    <a:lstStyle/>
-                    <a:p>
-                      <a:r>
-                        <a:rPr lang="ko-Kore-KR" altLang="en-US" dirty="0"/>
-                        <a:t>유관순</a:t>
-                      </a:r>
-                    </a:p>
-                  </a:txBody>
-                  <a:tcPr/>
-                </a:tc>
-                <a:tc>
-                  <a:txBody>
-                    <a:bodyPr/>
-                    <a:lstStyle/>
-                    <a:p>
-                      <a:r>
-                        <a:rPr lang="en-US" altLang="ko-Kore-KR" dirty="0"/>
-                        <a:t>you@---</a:t>
-                      </a:r>
-                      <a:endParaRPr lang="ko-Kore-KR" altLang="en-US" dirty="0"/>
-                    </a:p>
-                  </a:txBody>
-                  <a:tcPr/>
-                </a:tc>
-                <a:extLst>
-                  <a:ext uri="{0D108BD9-81ED-4DB2-BD59-A6C34878D82A}">
-                    <a16:rowId xmlns:a16="http://schemas.microsoft.com/office/drawing/2014/main" val="3809824398"/>
-                  </a:ext>
-                </a:extLst>
-              </a:tr>
-            </a:tbl>
-          </a:graphicData>
-        </a:graphic>
-      </p:graphicFrame>
-      <p:graphicFrame>
-        <p:nvGraphicFramePr>
-          <p:cNvPr id="17" name="표 15">
-            <a:extLst>
-              <a:ext uri="{FF2B5EF4-FFF2-40B4-BE49-F238E27FC236}">
-                <a16:creationId xmlns:a16="http://schemas.microsoft.com/office/drawing/2014/main" id="{0D87CDCB-E22A-2331-43A7-BB3735D8D4AA}"/>
-              </a:ext>
-            </a:extLst>
-          </p:cNvPr>
-          <p:cNvGraphicFramePr>
-            <a:graphicFrameLocks noGrp="1"/>
-          </p:cNvGraphicFramePr>
-          <p:nvPr>
-            <p:extLst>
-              <p:ext uri="{D42A27DB-BD31-4B8C-83A1-F6EECF244321}">
-                <p14:modId xmlns:p14="http://schemas.microsoft.com/office/powerpoint/2010/main" val="3785345127"/>
-              </p:ext>
-            </p:extLst>
-          </p:nvPr>
-        </p:nvGraphicFramePr>
-        <p:xfrm>
-          <a:off x="4883893" y="4492892"/>
-          <a:ext cx="3897747" cy="1478280"/>
-        </p:xfrm>
-        <a:graphic>
-          <a:graphicData uri="http://schemas.openxmlformats.org/drawingml/2006/table">
-            <a:tbl>
-              <a:tblPr firstRow="1" bandRow="1">
-                <a:tableStyleId>{7DF18680-E054-41AD-8BC1-D1AEF772440D}</a:tableStyleId>
-              </a:tblPr>
-              <a:tblGrid>
-                <a:gridCol w="1299249">
-                  <a:extLst>
-                    <a:ext uri="{9D8B030D-6E8A-4147-A177-3AD203B41FA5}">
-                      <a16:colId xmlns:a16="http://schemas.microsoft.com/office/drawing/2014/main" val="1234671681"/>
-                    </a:ext>
-                  </a:extLst>
-                </a:gridCol>
-                <a:gridCol w="1299249">
-                  <a:extLst>
-                    <a:ext uri="{9D8B030D-6E8A-4147-A177-3AD203B41FA5}">
-                      <a16:colId xmlns:a16="http://schemas.microsoft.com/office/drawing/2014/main" val="4186409752"/>
-                    </a:ext>
-                  </a:extLst>
-                </a:gridCol>
-                <a:gridCol w="1299249">
-                  <a:extLst>
-                    <a:ext uri="{9D8B030D-6E8A-4147-A177-3AD203B41FA5}">
-                      <a16:colId xmlns:a16="http://schemas.microsoft.com/office/drawing/2014/main" val="2959266702"/>
-                    </a:ext>
-                  </a:extLst>
-                </a:gridCol>
-              </a:tblGrid>
-              <a:tr h="346596">
-                <a:tc>
-                  <a:txBody>
-                    <a:bodyPr/>
-                    <a:lstStyle/>
-                    <a:p>
-                      <a:r>
-                        <a:rPr lang="en-US" altLang="ko-Kore-KR" dirty="0"/>
-                        <a:t>PK(FK)</a:t>
-                      </a:r>
-                      <a:endParaRPr lang="ko-Kore-KR" altLang="en-US" dirty="0"/>
-                    </a:p>
-                  </a:txBody>
-                  <a:tcPr/>
-                </a:tc>
-                <a:tc>
-                  <a:txBody>
-                    <a:bodyPr/>
-                    <a:lstStyle/>
-                    <a:p>
-                      <a:r>
-                        <a:rPr lang="ko-Kore-KR" altLang="en-US" dirty="0"/>
-                        <a:t>계좌번호</a:t>
-                      </a:r>
-                    </a:p>
-                  </a:txBody>
-                  <a:tcPr/>
-                </a:tc>
-                <a:tc>
-                  <a:txBody>
-                    <a:bodyPr/>
-                    <a:lstStyle/>
-                    <a:p>
-                      <a:r>
-                        <a:rPr lang="ko-KR" altLang="en-US" dirty="0" err="1"/>
-                        <a:t>은행명</a:t>
-                      </a:r>
-                      <a:endParaRPr lang="ko-Kore-KR" altLang="en-US" dirty="0"/>
-                    </a:p>
-                  </a:txBody>
-                  <a:tcPr/>
-                </a:tc>
-                <a:extLst>
-                  <a:ext uri="{0D108BD9-81ED-4DB2-BD59-A6C34878D82A}">
-                    <a16:rowId xmlns:a16="http://schemas.microsoft.com/office/drawing/2014/main" val="1634674834"/>
-                  </a:ext>
-                </a:extLst>
-              </a:tr>
-              <a:tr h="370840">
-                <a:tc>
-                  <a:txBody>
-                    <a:bodyPr/>
-                    <a:lstStyle/>
-                    <a:p>
-                      <a:r>
-                        <a:rPr lang="en-US" altLang="ko-Kore-KR" dirty="0"/>
-                        <a:t>1</a:t>
-                      </a:r>
-                      <a:r>
-                        <a:rPr lang="en-US" altLang="ko-KR" dirty="0"/>
-                        <a:t>1</a:t>
-                      </a:r>
-                      <a:endParaRPr lang="ko-Kore-KR" altLang="en-US" dirty="0"/>
-                    </a:p>
-                  </a:txBody>
-                  <a:tcPr/>
-                </a:tc>
-                <a:tc>
-                  <a:txBody>
-                    <a:bodyPr/>
-                    <a:lstStyle/>
-                    <a:p>
-                      <a:r>
-                        <a:rPr lang="en-US" altLang="ko-Kore-KR" dirty="0"/>
-                        <a:t>1</a:t>
-                      </a:r>
-                      <a:r>
-                        <a:rPr lang="en-US" altLang="ko-KR" dirty="0"/>
-                        <a:t>111-1111</a:t>
-                      </a:r>
-                      <a:endParaRPr lang="ko-Kore-KR" altLang="en-US" dirty="0"/>
-                    </a:p>
-                  </a:txBody>
-                  <a:tcPr/>
-                </a:tc>
-                <a:tc>
-                  <a:txBody>
-                    <a:bodyPr/>
-                    <a:lstStyle/>
-                    <a:p>
-                      <a:r>
-                        <a:rPr lang="ko-Kore-KR" altLang="en-US" dirty="0"/>
-                        <a:t>국민은행</a:t>
-                      </a:r>
-                    </a:p>
-                  </a:txBody>
-                  <a:tcPr/>
-                </a:tc>
-                <a:extLst>
-                  <a:ext uri="{0D108BD9-81ED-4DB2-BD59-A6C34878D82A}">
-                    <a16:rowId xmlns:a16="http://schemas.microsoft.com/office/drawing/2014/main" val="57134277"/>
-                  </a:ext>
-                </a:extLst>
-              </a:tr>
-              <a:tr h="370840">
-                <a:tc>
-                  <a:txBody>
-                    <a:bodyPr/>
-                    <a:lstStyle/>
-                    <a:p>
-                      <a:r>
-                        <a:rPr lang="en-US" altLang="ko-Kore-KR" dirty="0"/>
-                        <a:t>1</a:t>
-                      </a:r>
-                      <a:r>
-                        <a:rPr lang="en-US" altLang="ko-KR" dirty="0"/>
-                        <a:t>2</a:t>
-                      </a:r>
-                      <a:endParaRPr lang="ko-Kore-KR" altLang="en-US" dirty="0"/>
-                    </a:p>
-                  </a:txBody>
-                  <a:tcPr/>
-                </a:tc>
-                <a:tc>
-                  <a:txBody>
-                    <a:bodyPr/>
-                    <a:lstStyle/>
-                    <a:p>
-                      <a:r>
-                        <a:rPr lang="en-US" altLang="ko-Kore-KR" dirty="0"/>
-                        <a:t>1</a:t>
-                      </a:r>
-                      <a:r>
-                        <a:rPr lang="en-US" altLang="ko-KR" dirty="0"/>
-                        <a:t>111-223</a:t>
-                      </a:r>
-                      <a:endParaRPr lang="ko-Kore-KR" altLang="en-US" dirty="0"/>
-                    </a:p>
-                  </a:txBody>
-                  <a:tcPr/>
-                </a:tc>
-                <a:tc>
-                  <a:txBody>
-                    <a:bodyPr/>
-                    <a:lstStyle/>
-                    <a:p>
-                      <a:r>
-                        <a:rPr lang="ko-KR" altLang="en-US" dirty="0"/>
-                        <a:t>국민은행</a:t>
-                      </a:r>
-                      <a:endParaRPr lang="ko-Kore-KR" altLang="en-US" dirty="0"/>
-                    </a:p>
-                  </a:txBody>
-                  <a:tcPr/>
-                </a:tc>
-                <a:extLst>
-                  <a:ext uri="{0D108BD9-81ED-4DB2-BD59-A6C34878D82A}">
-                    <a16:rowId xmlns:a16="http://schemas.microsoft.com/office/drawing/2014/main" val="4162354235"/>
-                  </a:ext>
-                </a:extLst>
-              </a:tr>
-              <a:tr h="370840">
-                <a:tc>
-                  <a:txBody>
-                    <a:bodyPr/>
-                    <a:lstStyle/>
-                    <a:p>
-                      <a:r>
-                        <a:rPr lang="en-US" altLang="ko-Kore-KR" dirty="0"/>
-                        <a:t>X</a:t>
-                      </a:r>
-                      <a:endParaRPr lang="ko-Kore-KR" altLang="en-US" dirty="0"/>
-                    </a:p>
-                  </a:txBody>
-                  <a:tcPr/>
-                </a:tc>
-                <a:tc>
-                  <a:txBody>
-                    <a:bodyPr/>
-                    <a:lstStyle/>
-                    <a:p>
-                      <a:endParaRPr lang="ko-Kore-KR" altLang="en-US" dirty="0"/>
-                    </a:p>
-                  </a:txBody>
-                  <a:tcPr/>
-                </a:tc>
-                <a:tc>
-                  <a:txBody>
-                    <a:bodyPr/>
-                    <a:lstStyle/>
-                    <a:p>
-                      <a:endParaRPr lang="ko-Kore-KR" altLang="en-US" dirty="0"/>
-                    </a:p>
-                  </a:txBody>
-                  <a:tcPr/>
-                </a:tc>
-                <a:extLst>
-                  <a:ext uri="{0D108BD9-81ED-4DB2-BD59-A6C34878D82A}">
-                    <a16:rowId xmlns:a16="http://schemas.microsoft.com/office/drawing/2014/main" val="3809824398"/>
-                  </a:ext>
-                </a:extLst>
-              </a:tr>
-            </a:tbl>
-          </a:graphicData>
-        </a:graphic>
-      </p:graphicFrame>
-      <p:cxnSp>
-        <p:nvCxnSpPr>
-          <p:cNvPr id="18" name="직선 연결선[R] 17">
-            <a:extLst>
-              <a:ext uri="{FF2B5EF4-FFF2-40B4-BE49-F238E27FC236}">
-                <a16:creationId xmlns:a16="http://schemas.microsoft.com/office/drawing/2014/main" id="{DA652720-D385-C19C-7679-772ADE656EE1}"/>
-              </a:ext>
-            </a:extLst>
-          </p:cNvPr>
-          <p:cNvCxnSpPr>
-            <a:cxnSpLocks/>
-          </p:cNvCxnSpPr>
-          <p:nvPr/>
-        </p:nvCxnSpPr>
-        <p:spPr>
-          <a:xfrm>
-            <a:off x="4368838" y="5035296"/>
-            <a:ext cx="515055" cy="0"/>
-          </a:xfrm>
-          <a:prstGeom prst="line">
-            <a:avLst/>
-          </a:prstGeom>
-        </p:spPr>
-        <p:style>
-          <a:lnRef idx="3">
-            <a:schemeClr val="accent5"/>
-          </a:lnRef>
-          <a:fillRef idx="0">
-            <a:schemeClr val="accent5"/>
-          </a:fillRef>
-          <a:effectRef idx="2">
-            <a:schemeClr val="accent5"/>
-          </a:effectRef>
-          <a:fontRef idx="minor">
-            <a:schemeClr val="tx1"/>
-          </a:fontRef>
-        </p:style>
-      </p:cxnSp>
-      <p:cxnSp>
-        <p:nvCxnSpPr>
-          <p:cNvPr id="21" name="직선 연결선[R] 20">
-            <a:extLst>
-              <a:ext uri="{FF2B5EF4-FFF2-40B4-BE49-F238E27FC236}">
-                <a16:creationId xmlns:a16="http://schemas.microsoft.com/office/drawing/2014/main" id="{4BA5EC65-8B10-80FE-D3E0-773AD803E212}"/>
-              </a:ext>
-            </a:extLst>
-          </p:cNvPr>
-          <p:cNvCxnSpPr>
-            <a:cxnSpLocks/>
-          </p:cNvCxnSpPr>
-          <p:nvPr/>
-        </p:nvCxnSpPr>
-        <p:spPr>
-          <a:xfrm>
-            <a:off x="4368838" y="5035296"/>
-            <a:ext cx="515055" cy="390144"/>
-          </a:xfrm>
-          <a:prstGeom prst="line">
-            <a:avLst/>
-          </a:prstGeom>
-        </p:spPr>
-        <p:style>
-          <a:lnRef idx="3">
-            <a:schemeClr val="accent5"/>
-          </a:lnRef>
-          <a:fillRef idx="0">
-            <a:schemeClr val="accent5"/>
-          </a:fillRef>
-          <a:effectRef idx="2">
-            <a:schemeClr val="accent5"/>
-          </a:effectRef>
-          <a:fontRef idx="minor">
-            <a:schemeClr val="tx1"/>
-          </a:fontRef>
-        </p:style>
-      </p:cxnSp>
-      <p:cxnSp>
-        <p:nvCxnSpPr>
-          <p:cNvPr id="26" name="직선 연결선[R] 25">
-            <a:extLst>
-              <a:ext uri="{FF2B5EF4-FFF2-40B4-BE49-F238E27FC236}">
-                <a16:creationId xmlns:a16="http://schemas.microsoft.com/office/drawing/2014/main" id="{15B03DDE-19E7-F1E5-94A5-04102A2605F2}"/>
-              </a:ext>
-            </a:extLst>
-          </p:cNvPr>
-          <p:cNvCxnSpPr>
-            <a:cxnSpLocks/>
-          </p:cNvCxnSpPr>
-          <p:nvPr/>
-        </p:nvCxnSpPr>
-        <p:spPr>
-          <a:xfrm>
-            <a:off x="4368838" y="5425440"/>
-            <a:ext cx="515055" cy="365760"/>
-          </a:xfrm>
-          <a:prstGeom prst="line">
-            <a:avLst/>
-          </a:prstGeom>
-        </p:spPr>
-        <p:style>
-          <a:lnRef idx="3">
-            <a:schemeClr val="accent5"/>
-          </a:lnRef>
-          <a:fillRef idx="0">
-            <a:schemeClr val="accent5"/>
-          </a:fillRef>
-          <a:effectRef idx="2">
-            <a:schemeClr val="accent5"/>
-          </a:effectRef>
-          <a:fontRef idx="minor">
-            <a:schemeClr val="tx1"/>
-          </a:fontRef>
-        </p:style>
-      </p:cxnSp>
-      <p:cxnSp>
-        <p:nvCxnSpPr>
-          <p:cNvPr id="29" name="직선 연결선[R] 28">
-            <a:extLst>
-              <a:ext uri="{FF2B5EF4-FFF2-40B4-BE49-F238E27FC236}">
-                <a16:creationId xmlns:a16="http://schemas.microsoft.com/office/drawing/2014/main" id="{8B99E44A-3C8A-5E1A-B552-9EF021D23A19}"/>
-              </a:ext>
-            </a:extLst>
-          </p:cNvPr>
-          <p:cNvCxnSpPr>
-            <a:cxnSpLocks/>
-            <a:endCxn id="30" idx="1"/>
-          </p:cNvCxnSpPr>
-          <p:nvPr/>
-        </p:nvCxnSpPr>
-        <p:spPr>
-          <a:xfrm>
-            <a:off x="4355319" y="5769827"/>
-            <a:ext cx="528574" cy="390745"/>
-          </a:xfrm>
-          <a:prstGeom prst="line">
-            <a:avLst/>
-          </a:prstGeom>
-          <a:ln>
-            <a:solidFill>
-              <a:srgbClr val="FF00A8"/>
-            </a:solidFill>
-          </a:ln>
-        </p:spPr>
-        <p:style>
-          <a:lnRef idx="3">
-            <a:schemeClr val="accent5"/>
-          </a:lnRef>
-          <a:fillRef idx="0">
-            <a:schemeClr val="accent5"/>
-          </a:fillRef>
-          <a:effectRef idx="2">
-            <a:schemeClr val="accent5"/>
-          </a:effectRef>
-          <a:fontRef idx="minor">
-            <a:schemeClr val="tx1"/>
-          </a:fontRef>
-        </p:style>
-      </p:cxnSp>
-      <p:sp>
-        <p:nvSpPr>
-          <p:cNvPr id="30" name="직사각형 29">
-            <a:extLst>
-              <a:ext uri="{FF2B5EF4-FFF2-40B4-BE49-F238E27FC236}">
-                <a16:creationId xmlns:a16="http://schemas.microsoft.com/office/drawing/2014/main" id="{0644DBDE-44BC-FB7A-59A5-EF99C8BB4F86}"/>
-              </a:ext>
-            </a:extLst>
-          </p:cNvPr>
-          <p:cNvSpPr/>
-          <p:nvPr/>
-        </p:nvSpPr>
-        <p:spPr>
-          <a:xfrm>
-            <a:off x="4883893" y="6024477"/>
-            <a:ext cx="356013" cy="272189"/>
-          </a:xfrm>
-          <a:prstGeom prst="rect">
-            <a:avLst/>
-          </a:prstGeom>
-          <a:ln>
-            <a:solidFill>
-              <a:srgbClr val="FF00A8"/>
-            </a:solidFill>
-          </a:ln>
-        </p:spPr>
-        <p:style>
-          <a:lnRef idx="2">
-            <a:schemeClr val="accent1"/>
-          </a:lnRef>
-          <a:fillRef idx="1">
-            <a:schemeClr val="lt1"/>
-          </a:fillRef>
-          <a:effectRef idx="0">
-            <a:schemeClr val="accent1"/>
-          </a:effectRef>
-          <a:fontRef idx="minor">
-            <a:schemeClr val="dk1"/>
-          </a:fontRef>
-        </p:style>
-        <p:txBody>
-          <a:bodyPr rtlCol="0" anchor="ctr"/>
-          <a:lstStyle/>
-          <a:p>
-            <a:pPr algn="ctr"/>
-            <a:r>
-              <a:rPr kumimoji="1" lang="en-US" altLang="ko-KR" sz="1200" dirty="0"/>
-              <a:t>?</a:t>
-            </a:r>
-            <a:endParaRPr kumimoji="1" lang="ko-Kore-KR" altLang="en-US" sz="1200" dirty="0"/>
-          </a:p>
-        </p:txBody>
-      </p:sp>
-      <p:sp>
-        <p:nvSpPr>
-          <p:cNvPr id="36" name="직사각형 35">
-            <a:extLst>
-              <a:ext uri="{FF2B5EF4-FFF2-40B4-BE49-F238E27FC236}">
-                <a16:creationId xmlns:a16="http://schemas.microsoft.com/office/drawing/2014/main" id="{515A54D5-EA54-84E4-BDBC-7E2E48F67759}"/>
-              </a:ext>
-            </a:extLst>
-          </p:cNvPr>
-          <p:cNvSpPr/>
-          <p:nvPr/>
-        </p:nvSpPr>
-        <p:spPr>
-          <a:xfrm>
-            <a:off x="4177312" y="4128763"/>
-            <a:ext cx="882368" cy="243630"/>
-          </a:xfrm>
-          <a:prstGeom prst="rect">
-            <a:avLst/>
-          </a:prstGeom>
-          <a:ln/>
-        </p:spPr>
-        <p:style>
-          <a:lnRef idx="2">
-            <a:schemeClr val="accent5"/>
-          </a:lnRef>
-          <a:fillRef idx="1">
-            <a:schemeClr val="lt1"/>
-          </a:fillRef>
-          <a:effectRef idx="0">
-            <a:schemeClr val="accent5"/>
-          </a:effectRef>
-          <a:fontRef idx="minor">
-            <a:schemeClr val="dk1"/>
-          </a:fontRef>
-        </p:style>
-        <p:txBody>
-          <a:bodyPr rtlCol="0" anchor="ctr"/>
-          <a:lstStyle/>
-          <a:p>
-            <a:pPr algn="ctr"/>
-            <a:r>
-              <a:rPr kumimoji="1" lang="ko-Kore-KR" altLang="en-US" sz="1200" dirty="0"/>
-              <a:t>다</a:t>
-            </a:r>
-            <a:r>
-              <a:rPr kumimoji="1" lang="ko-KR" altLang="en-US" sz="1200" dirty="0"/>
-              <a:t> </a:t>
-            </a:r>
-            <a:r>
-              <a:rPr kumimoji="1" lang="en-US" altLang="ko-Kore-KR" sz="1200" dirty="0"/>
-              <a:t>:</a:t>
-            </a:r>
-            <a:r>
-              <a:rPr kumimoji="1" lang="ko-KR" altLang="en-US" sz="1200"/>
-              <a:t> 다</a:t>
-            </a:r>
-            <a:endParaRPr kumimoji="1" lang="ko-Kore-KR" altLang="en-US" sz="1200" dirty="0"/>
-          </a:p>
-        </p:txBody>
-      </p:sp>
-      <p:sp>
-        <p:nvSpPr>
-          <p:cNvPr id="57" name="직사각형 56">
-            <a:extLst>
-              <a:ext uri="{FF2B5EF4-FFF2-40B4-BE49-F238E27FC236}">
-                <a16:creationId xmlns:a16="http://schemas.microsoft.com/office/drawing/2014/main" id="{08E91D6D-0738-2D50-72C0-3FAF24E92B3D}"/>
-              </a:ext>
-            </a:extLst>
-          </p:cNvPr>
-          <p:cNvSpPr/>
-          <p:nvPr/>
-        </p:nvSpPr>
-        <p:spPr>
-          <a:xfrm>
-            <a:off x="6307029" y="6224654"/>
-            <a:ext cx="1833197" cy="359555"/>
-          </a:xfrm>
-          <a:prstGeom prst="rect">
-            <a:avLst/>
-          </a:prstGeom>
-          <a:ln>
-            <a:solidFill>
-              <a:schemeClr val="bg1">
-                <a:lumMod val="50000"/>
-              </a:schemeClr>
-            </a:solidFill>
-          </a:ln>
-        </p:spPr>
-        <p:style>
-          <a:lnRef idx="2">
-            <a:schemeClr val="accent5"/>
-          </a:lnRef>
-          <a:fillRef idx="1">
-            <a:schemeClr val="lt1"/>
-          </a:fillRef>
-          <a:effectRef idx="0">
-            <a:schemeClr val="accent5"/>
-          </a:effectRef>
-          <a:fontRef idx="minor">
-            <a:schemeClr val="dk1"/>
-          </a:fontRef>
-        </p:style>
-        <p:txBody>
-          <a:bodyPr rtlCol="0" anchor="ctr"/>
-          <a:lstStyle/>
-          <a:p>
-            <a:pPr algn="ctr"/>
-            <a:r>
-              <a:rPr kumimoji="1" lang="en-US" altLang="ko-KR" sz="1200" b="1" dirty="0"/>
-              <a:t>FK </a:t>
-            </a:r>
-            <a:r>
-              <a:rPr kumimoji="1" lang="en-US" altLang="ko-Kore-KR" sz="1200" b="1" dirty="0"/>
-              <a:t>=</a:t>
-            </a:r>
-            <a:r>
-              <a:rPr kumimoji="1" lang="ko-KR" altLang="en-US" sz="1200" b="1" dirty="0"/>
-              <a:t> </a:t>
-            </a:r>
-            <a:r>
-              <a:rPr kumimoji="1" lang="en-US" altLang="ko-KR" sz="1200" b="1" dirty="0"/>
-              <a:t>PK</a:t>
-            </a:r>
-            <a:endParaRPr lang="ko-Kore-KR" altLang="en-US" b="1" dirty="0"/>
-          </a:p>
-        </p:txBody>
-      </p:sp>
-      <p:sp>
-        <p:nvSpPr>
-          <p:cNvPr id="58" name="직사각형 57">
-            <a:extLst>
-              <a:ext uri="{FF2B5EF4-FFF2-40B4-BE49-F238E27FC236}">
-                <a16:creationId xmlns:a16="http://schemas.microsoft.com/office/drawing/2014/main" id="{BCDB272A-FE02-847B-A17A-70F1A4DC5A63}"/>
-              </a:ext>
-            </a:extLst>
-          </p:cNvPr>
-          <p:cNvSpPr/>
-          <p:nvPr/>
-        </p:nvSpPr>
-        <p:spPr>
-          <a:xfrm>
-            <a:off x="8410149" y="6224653"/>
-            <a:ext cx="3330747" cy="359555"/>
-          </a:xfrm>
-          <a:prstGeom prst="rect">
-            <a:avLst/>
-          </a:prstGeom>
-          <a:ln>
-            <a:solidFill>
-              <a:schemeClr val="bg1">
-                <a:lumMod val="50000"/>
-              </a:schemeClr>
-            </a:solidFill>
-          </a:ln>
-        </p:spPr>
-        <p:style>
-          <a:lnRef idx="2">
-            <a:schemeClr val="accent5"/>
-          </a:lnRef>
-          <a:fillRef idx="1">
-            <a:schemeClr val="lt1"/>
-          </a:fillRef>
-          <a:effectRef idx="0">
-            <a:schemeClr val="accent5"/>
-          </a:effectRef>
-          <a:fontRef idx="minor">
-            <a:schemeClr val="dk1"/>
-          </a:fontRef>
-        </p:style>
-        <p:txBody>
-          <a:bodyPr rtlCol="0" anchor="ctr"/>
-          <a:lstStyle/>
-          <a:p>
-            <a:pPr algn="ctr"/>
-            <a:r>
-              <a:rPr kumimoji="1" lang="ko-KR" altLang="en-US" sz="1200" dirty="0"/>
-              <a:t>이 테이블에서 </a:t>
-            </a:r>
-            <a:r>
-              <a:rPr kumimoji="1" lang="en-US" altLang="ko-KR" sz="1200" dirty="0" err="1"/>
-              <a:t>fk</a:t>
-            </a:r>
-            <a:r>
-              <a:rPr kumimoji="1" lang="ko-KR" altLang="en-US" sz="1200" dirty="0"/>
-              <a:t>로 행 구별이 가능하다</a:t>
-            </a:r>
-            <a:r>
-              <a:rPr kumimoji="1" lang="en-US" altLang="ko-KR" sz="1200" dirty="0"/>
-              <a:t>.</a:t>
-            </a:r>
-          </a:p>
-        </p:txBody>
-      </p:sp>
-      <p:cxnSp>
-        <p:nvCxnSpPr>
-          <p:cNvPr id="59" name="직선 화살표 연결선 58">
-            <a:extLst>
-              <a:ext uri="{FF2B5EF4-FFF2-40B4-BE49-F238E27FC236}">
-                <a16:creationId xmlns:a16="http://schemas.microsoft.com/office/drawing/2014/main" id="{FDD0E217-CB75-C0EB-5540-BD78DB58F2F3}"/>
-              </a:ext>
-            </a:extLst>
-          </p:cNvPr>
-          <p:cNvCxnSpPr>
-            <a:cxnSpLocks/>
-            <a:stCxn id="57" idx="3"/>
-            <a:endCxn id="58" idx="1"/>
-          </p:cNvCxnSpPr>
-          <p:nvPr/>
-        </p:nvCxnSpPr>
-        <p:spPr>
-          <a:xfrm flipV="1">
-            <a:off x="8140226" y="6404431"/>
-            <a:ext cx="269923" cy="1"/>
-          </a:xfrm>
-          <a:prstGeom prst="straightConnector1">
-            <a:avLst/>
-          </a:prstGeom>
-          <a:ln>
-            <a:solidFill>
-              <a:schemeClr val="bg1">
-                <a:lumMod val="50000"/>
-              </a:schemeClr>
-            </a:solidFill>
-            <a:tailEnd type="triangle"/>
-          </a:ln>
-        </p:spPr>
-        <p:style>
-          <a:lnRef idx="3">
-            <a:schemeClr val="accent5"/>
-          </a:lnRef>
-          <a:fillRef idx="0">
-            <a:schemeClr val="accent5"/>
-          </a:fillRef>
-          <a:effectRef idx="2">
-            <a:schemeClr val="accent5"/>
-          </a:effectRef>
-          <a:fontRef idx="minor">
-            <a:schemeClr val="tx1"/>
-          </a:fontRef>
-        </p:style>
-      </p:cxnSp>
-      <p:cxnSp>
-        <p:nvCxnSpPr>
-          <p:cNvPr id="9" name="직선 연결선[R] 8">
-            <a:extLst>
-              <a:ext uri="{FF2B5EF4-FFF2-40B4-BE49-F238E27FC236}">
-                <a16:creationId xmlns:a16="http://schemas.microsoft.com/office/drawing/2014/main" id="{A3775F48-87D7-D272-07EA-3CDADF42B7EF}"/>
-              </a:ext>
-            </a:extLst>
-          </p:cNvPr>
-          <p:cNvCxnSpPr>
-            <a:cxnSpLocks/>
-          </p:cNvCxnSpPr>
-          <p:nvPr/>
-        </p:nvCxnSpPr>
-        <p:spPr>
-          <a:xfrm>
-            <a:off x="5680254" y="1031980"/>
-            <a:ext cx="0" cy="241002"/>
-          </a:xfrm>
-          <a:prstGeom prst="line">
-            <a:avLst/>
-          </a:prstGeom>
-        </p:spPr>
-        <p:style>
-          <a:lnRef idx="3">
-            <a:schemeClr val="accent5"/>
-          </a:lnRef>
-          <a:fillRef idx="0">
-            <a:schemeClr val="accent5"/>
-          </a:fillRef>
-          <a:effectRef idx="2">
-            <a:schemeClr val="accent5"/>
-          </a:effectRef>
-          <a:fontRef idx="minor">
-            <a:schemeClr val="tx1"/>
-          </a:fontRef>
-        </p:style>
-      </p:cxnSp>
     </p:spTree>
     <p:extLst>
       <p:ext uri="{BB962C8B-B14F-4D97-AF65-F5344CB8AC3E}">
-        <p14:creationId xmlns:p14="http://schemas.microsoft.com/office/powerpoint/2010/main" val="1948950516"/>
+        <p14:creationId xmlns:p14="http://schemas.microsoft.com/office/powerpoint/2010/main" val="3668495131"/>
       </p:ext>
     </p:extLst>
   </p:cSld>
@@ -20836,1703 +15742,10 @@
           <a:chExt cx="0" cy="0"/>
         </a:xfrm>
       </p:grpSpPr>
-      <p:graphicFrame>
-        <p:nvGraphicFramePr>
-          <p:cNvPr id="2" name="표 2">
-            <a:extLst>
-              <a:ext uri="{FF2B5EF4-FFF2-40B4-BE49-F238E27FC236}">
-                <a16:creationId xmlns:a16="http://schemas.microsoft.com/office/drawing/2014/main" id="{AF44E5FE-EAF7-8349-8022-625B02357DA2}"/>
-              </a:ext>
-            </a:extLst>
-          </p:cNvPr>
-          <p:cNvGraphicFramePr>
-            <a:graphicFrameLocks noGrp="1"/>
-          </p:cNvGraphicFramePr>
-          <p:nvPr/>
-        </p:nvGraphicFramePr>
-        <p:xfrm>
-          <a:off x="548640" y="995404"/>
-          <a:ext cx="2965821" cy="2114712"/>
-        </p:xfrm>
-        <a:graphic>
-          <a:graphicData uri="http://schemas.openxmlformats.org/drawingml/2006/table">
-            <a:tbl>
-              <a:tblPr firstRow="1" bandRow="1">
-                <a:tableStyleId>{5C22544A-7EE6-4342-B048-85BDC9FD1C3A}</a:tableStyleId>
-              </a:tblPr>
-              <a:tblGrid>
-                <a:gridCol w="2965821">
-                  <a:extLst>
-                    <a:ext uri="{9D8B030D-6E8A-4147-A177-3AD203B41FA5}">
-                      <a16:colId xmlns:a16="http://schemas.microsoft.com/office/drawing/2014/main" val="1965095789"/>
-                    </a:ext>
-                  </a:extLst>
-                </a:gridCol>
-              </a:tblGrid>
-              <a:tr h="651672">
-                <a:tc>
-                  <a:txBody>
-                    <a:bodyPr/>
-                    <a:lstStyle/>
-                    <a:p>
-                      <a:pPr algn="ctr"/>
-                      <a:r>
-                        <a:rPr lang="ko-KR" altLang="en-US" dirty="0"/>
-                        <a:t>회원</a:t>
-                      </a:r>
-                      <a:endParaRPr lang="ko-Kore-KR" altLang="en-US" dirty="0"/>
-                    </a:p>
-                  </a:txBody>
-                  <a:tcPr/>
-                </a:tc>
-                <a:extLst>
-                  <a:ext uri="{0D108BD9-81ED-4DB2-BD59-A6C34878D82A}">
-                    <a16:rowId xmlns:a16="http://schemas.microsoft.com/office/drawing/2014/main" val="3559688625"/>
-                  </a:ext>
-                </a:extLst>
-              </a:tr>
-              <a:tr h="1327771">
-                <a:tc>
-                  <a:txBody>
-                    <a:bodyPr/>
-                    <a:lstStyle/>
-                    <a:p>
-                      <a:pPr marL="0" indent="0" algn="l">
-                        <a:buFont typeface="Arial" panose="020B0604020202020204" pitchFamily="34" charset="0"/>
-                        <a:buNone/>
-                      </a:pPr>
-                      <a:r>
-                        <a:rPr lang="en-US" altLang="ko-KR" dirty="0"/>
-                        <a:t>#</a:t>
-                      </a:r>
-                      <a:r>
-                        <a:rPr lang="ko-KR" altLang="en-US" dirty="0"/>
-                        <a:t> 강의번호</a:t>
-                      </a:r>
-                      <a:endParaRPr lang="en-US" altLang="ko-KR" dirty="0"/>
-                    </a:p>
-                    <a:p>
-                      <a:pPr marL="0" indent="0" algn="l">
-                        <a:buFont typeface="Arial" panose="020B0604020202020204" pitchFamily="34" charset="0"/>
-                        <a:buNone/>
-                      </a:pPr>
-                      <a:r>
-                        <a:rPr lang="ko-KR" altLang="en-US" dirty="0"/>
-                        <a:t>이름</a:t>
-                      </a:r>
-                      <a:endParaRPr lang="en-US" altLang="ko-KR" dirty="0"/>
-                    </a:p>
-                    <a:p>
-                      <a:pPr marL="0" indent="0" algn="l">
-                        <a:buFont typeface="Arial" panose="020B0604020202020204" pitchFamily="34" charset="0"/>
-                        <a:buNone/>
-                      </a:pPr>
-                      <a:r>
-                        <a:rPr lang="ko-KR" altLang="en-US" dirty="0"/>
-                        <a:t>이메일</a:t>
-                      </a:r>
-                      <a:endParaRPr lang="en-US" altLang="ko-KR" dirty="0"/>
-                    </a:p>
-                    <a:p>
-                      <a:pPr marL="0" indent="0" algn="l">
-                        <a:buFont typeface="Arial" panose="020B0604020202020204" pitchFamily="34" charset="0"/>
-                        <a:buNone/>
-                      </a:pPr>
-                      <a:r>
-                        <a:rPr lang="en-US" altLang="ko-KR" dirty="0"/>
-                        <a:t>.</a:t>
-                      </a:r>
-                    </a:p>
-                    <a:p>
-                      <a:pPr marL="0" indent="0" algn="l">
-                        <a:buFont typeface="Arial" panose="020B0604020202020204" pitchFamily="34" charset="0"/>
-                        <a:buNone/>
-                      </a:pPr>
-                      <a:r>
-                        <a:rPr lang="en-US" altLang="ko-KR" dirty="0"/>
-                        <a:t>.</a:t>
-                      </a:r>
-                      <a:endParaRPr lang="en-US" altLang="ko-Kore-KR" dirty="0"/>
-                    </a:p>
-                  </a:txBody>
-                  <a:tcPr/>
-                </a:tc>
-                <a:extLst>
-                  <a:ext uri="{0D108BD9-81ED-4DB2-BD59-A6C34878D82A}">
-                    <a16:rowId xmlns:a16="http://schemas.microsoft.com/office/drawing/2014/main" val="3230167247"/>
-                  </a:ext>
-                </a:extLst>
-              </a:tr>
-            </a:tbl>
-          </a:graphicData>
-        </a:graphic>
-      </p:graphicFrame>
-      <p:graphicFrame>
-        <p:nvGraphicFramePr>
-          <p:cNvPr id="3" name="표 2">
-            <a:extLst>
-              <a:ext uri="{FF2B5EF4-FFF2-40B4-BE49-F238E27FC236}">
-                <a16:creationId xmlns:a16="http://schemas.microsoft.com/office/drawing/2014/main" id="{9C8B541C-B154-42A2-69E4-9EEC066D094A}"/>
-              </a:ext>
-            </a:extLst>
-          </p:cNvPr>
-          <p:cNvGraphicFramePr>
-            <a:graphicFrameLocks noGrp="1"/>
-          </p:cNvGraphicFramePr>
-          <p:nvPr/>
-        </p:nvGraphicFramePr>
-        <p:xfrm>
-          <a:off x="5815820" y="995406"/>
-          <a:ext cx="2965820" cy="1979352"/>
-        </p:xfrm>
-        <a:graphic>
-          <a:graphicData uri="http://schemas.openxmlformats.org/drawingml/2006/table">
-            <a:tbl>
-              <a:tblPr firstRow="1" bandRow="1">
-                <a:tableStyleId>{5C22544A-7EE6-4342-B048-85BDC9FD1C3A}</a:tableStyleId>
-              </a:tblPr>
-              <a:tblGrid>
-                <a:gridCol w="2965820">
-                  <a:extLst>
-                    <a:ext uri="{9D8B030D-6E8A-4147-A177-3AD203B41FA5}">
-                      <a16:colId xmlns:a16="http://schemas.microsoft.com/office/drawing/2014/main" val="1965095789"/>
-                    </a:ext>
-                  </a:extLst>
-                </a:gridCol>
-              </a:tblGrid>
-              <a:tr h="636477">
-                <a:tc>
-                  <a:txBody>
-                    <a:bodyPr/>
-                    <a:lstStyle/>
-                    <a:p>
-                      <a:pPr algn="ctr"/>
-                      <a:r>
-                        <a:rPr lang="ko-KR" altLang="en-US" dirty="0"/>
-                        <a:t>강사</a:t>
-                      </a:r>
-                      <a:endParaRPr lang="ko-Kore-KR" altLang="en-US" dirty="0"/>
-                    </a:p>
-                  </a:txBody>
-                  <a:tcPr/>
-                </a:tc>
-                <a:extLst>
-                  <a:ext uri="{0D108BD9-81ED-4DB2-BD59-A6C34878D82A}">
-                    <a16:rowId xmlns:a16="http://schemas.microsoft.com/office/drawing/2014/main" val="3559688625"/>
-                  </a:ext>
-                </a:extLst>
-              </a:tr>
-              <a:tr h="1342875">
-                <a:tc>
-                  <a:txBody>
-                    <a:bodyPr/>
-                    <a:lstStyle/>
-                    <a:p>
-                      <a:pPr marL="0" indent="0" algn="l">
-                        <a:buFont typeface="Arial" panose="020B0604020202020204" pitchFamily="34" charset="0"/>
-                        <a:buNone/>
-                      </a:pPr>
-                      <a:r>
-                        <a:rPr lang="en-US" altLang="ko-KR" dirty="0"/>
-                        <a:t>#</a:t>
-                      </a:r>
-                      <a:r>
-                        <a:rPr lang="ko-KR" altLang="en-US" dirty="0"/>
-                        <a:t> 회원번호</a:t>
-                      </a:r>
-                      <a:r>
-                        <a:rPr lang="en-US" altLang="ko-KR" dirty="0"/>
-                        <a:t>(FK)</a:t>
-                      </a:r>
-                    </a:p>
-                    <a:p>
-                      <a:pPr marL="0" indent="0" algn="l">
-                        <a:buFont typeface="Arial" panose="020B0604020202020204" pitchFamily="34" charset="0"/>
-                        <a:buNone/>
-                      </a:pPr>
-                      <a:r>
-                        <a:rPr lang="ko-KR" altLang="en-US" dirty="0"/>
-                        <a:t>계좌번호</a:t>
-                      </a:r>
-                      <a:endParaRPr lang="en-US" altLang="ko-KR" dirty="0"/>
-                    </a:p>
-                    <a:p>
-                      <a:pPr marL="0" indent="0" algn="l">
-                        <a:buFont typeface="Arial" panose="020B0604020202020204" pitchFamily="34" charset="0"/>
-                        <a:buNone/>
-                      </a:pPr>
-                      <a:r>
-                        <a:rPr lang="ko-KR" altLang="en-US" dirty="0" err="1"/>
-                        <a:t>은행명</a:t>
-                      </a:r>
-                      <a:endParaRPr lang="en-US" altLang="ko-KR" dirty="0"/>
-                    </a:p>
-                    <a:p>
-                      <a:pPr marL="0" indent="0" algn="l">
-                        <a:buFont typeface="Arial" panose="020B0604020202020204" pitchFamily="34" charset="0"/>
-                        <a:buNone/>
-                      </a:pPr>
-                      <a:r>
-                        <a:rPr lang="ko-KR" altLang="en-US" dirty="0" err="1"/>
-                        <a:t>시강료</a:t>
-                      </a:r>
-                      <a:endParaRPr lang="en-US" altLang="ko-Kore-KR" dirty="0"/>
-                    </a:p>
-                  </a:txBody>
-                  <a:tcPr/>
-                </a:tc>
-                <a:extLst>
-                  <a:ext uri="{0D108BD9-81ED-4DB2-BD59-A6C34878D82A}">
-                    <a16:rowId xmlns:a16="http://schemas.microsoft.com/office/drawing/2014/main" val="3230167247"/>
-                  </a:ext>
-                </a:extLst>
-              </a:tr>
-            </a:tbl>
-          </a:graphicData>
-        </a:graphic>
-      </p:graphicFrame>
-      <p:cxnSp>
-        <p:nvCxnSpPr>
-          <p:cNvPr id="4" name="직선 연결선[R] 3">
-            <a:extLst>
-              <a:ext uri="{FF2B5EF4-FFF2-40B4-BE49-F238E27FC236}">
-                <a16:creationId xmlns:a16="http://schemas.microsoft.com/office/drawing/2014/main" id="{AB0E267C-D832-FE46-DCCB-0FD7AFB7F21F}"/>
-              </a:ext>
-            </a:extLst>
-          </p:cNvPr>
-          <p:cNvCxnSpPr>
-            <a:cxnSpLocks/>
-          </p:cNvCxnSpPr>
-          <p:nvPr/>
-        </p:nvCxnSpPr>
-        <p:spPr>
-          <a:xfrm>
-            <a:off x="3514461" y="1168873"/>
-            <a:ext cx="2301358" cy="0"/>
-          </a:xfrm>
-          <a:prstGeom prst="line">
-            <a:avLst/>
-          </a:prstGeom>
-          <a:ln>
-            <a:headEnd type="none" w="med" len="med"/>
-            <a:tailEnd type="none" w="med" len="med"/>
-          </a:ln>
-        </p:spPr>
-        <p:style>
-          <a:lnRef idx="3">
-            <a:schemeClr val="accent5"/>
-          </a:lnRef>
-          <a:fillRef idx="0">
-            <a:schemeClr val="accent5"/>
-          </a:fillRef>
-          <a:effectRef idx="2">
-            <a:schemeClr val="accent5"/>
-          </a:effectRef>
-          <a:fontRef idx="minor">
-            <a:schemeClr val="tx1"/>
-          </a:fontRef>
-        </p:style>
-      </p:cxnSp>
-      <p:cxnSp>
-        <p:nvCxnSpPr>
-          <p:cNvPr id="5" name="직선 연결선[R] 4">
-            <a:extLst>
-              <a:ext uri="{FF2B5EF4-FFF2-40B4-BE49-F238E27FC236}">
-                <a16:creationId xmlns:a16="http://schemas.microsoft.com/office/drawing/2014/main" id="{B6CEB741-E420-F21E-3EDF-67BCA664DCD6}"/>
-              </a:ext>
-            </a:extLst>
-          </p:cNvPr>
-          <p:cNvCxnSpPr>
-            <a:cxnSpLocks/>
-          </p:cNvCxnSpPr>
-          <p:nvPr/>
-        </p:nvCxnSpPr>
-        <p:spPr>
-          <a:xfrm>
-            <a:off x="3603066" y="1048372"/>
-            <a:ext cx="0" cy="241002"/>
-          </a:xfrm>
-          <a:prstGeom prst="line">
-            <a:avLst/>
-          </a:prstGeom>
-        </p:spPr>
-        <p:style>
-          <a:lnRef idx="3">
-            <a:schemeClr val="accent5"/>
-          </a:lnRef>
-          <a:fillRef idx="0">
-            <a:schemeClr val="accent5"/>
-          </a:fillRef>
-          <a:effectRef idx="2">
-            <a:schemeClr val="accent5"/>
-          </a:effectRef>
-          <a:fontRef idx="minor">
-            <a:schemeClr val="tx1"/>
-          </a:fontRef>
-        </p:style>
-      </p:cxnSp>
-      <p:sp>
-        <p:nvSpPr>
-          <p:cNvPr id="8" name="타원 7">
-            <a:extLst>
-              <a:ext uri="{FF2B5EF4-FFF2-40B4-BE49-F238E27FC236}">
-                <a16:creationId xmlns:a16="http://schemas.microsoft.com/office/drawing/2014/main" id="{7BC1E8D4-E12D-D623-83DD-CCA4807BC4A1}"/>
-              </a:ext>
-            </a:extLst>
-          </p:cNvPr>
-          <p:cNvSpPr/>
-          <p:nvPr/>
-        </p:nvSpPr>
-        <p:spPr>
-          <a:xfrm>
-            <a:off x="5520766" y="1073693"/>
-            <a:ext cx="159488" cy="159488"/>
-          </a:xfrm>
-          <a:prstGeom prst="ellipse">
-            <a:avLst/>
-          </a:prstGeom>
-          <a:ln w="22225"/>
-        </p:spPr>
-        <p:style>
-          <a:lnRef idx="2">
-            <a:schemeClr val="accent5"/>
-          </a:lnRef>
-          <a:fillRef idx="1">
-            <a:schemeClr val="lt1"/>
-          </a:fillRef>
-          <a:effectRef idx="0">
-            <a:schemeClr val="accent5"/>
-          </a:effectRef>
-          <a:fontRef idx="minor">
-            <a:schemeClr val="dk1"/>
-          </a:fontRef>
-        </p:style>
-        <p:txBody>
-          <a:bodyPr rtlCol="0" anchor="ctr"/>
-          <a:lstStyle/>
-          <a:p>
-            <a:pPr algn="ctr"/>
-            <a:endParaRPr kumimoji="1" lang="ko-Kore-KR" altLang="en-US"/>
-          </a:p>
-        </p:txBody>
-      </p:sp>
-      <p:sp>
-        <p:nvSpPr>
-          <p:cNvPr id="14" name="아래쪽 화살표[D] 13">
-            <a:extLst>
-              <a:ext uri="{FF2B5EF4-FFF2-40B4-BE49-F238E27FC236}">
-                <a16:creationId xmlns:a16="http://schemas.microsoft.com/office/drawing/2014/main" id="{448120DF-6966-3382-4903-BF5F51852D55}"/>
-              </a:ext>
-            </a:extLst>
-          </p:cNvPr>
-          <p:cNvSpPr/>
-          <p:nvPr/>
-        </p:nvSpPr>
-        <p:spPr>
-          <a:xfrm>
-            <a:off x="4368841" y="2770632"/>
-            <a:ext cx="592597" cy="1196376"/>
-          </a:xfrm>
-          <a:prstGeom prst="downArrow">
-            <a:avLst/>
-          </a:prstGeom>
-        </p:spPr>
-        <p:style>
-          <a:lnRef idx="2">
-            <a:schemeClr val="accent1">
-              <a:shade val="50000"/>
-            </a:schemeClr>
-          </a:lnRef>
-          <a:fillRef idx="1">
-            <a:schemeClr val="accent1"/>
-          </a:fillRef>
-          <a:effectRef idx="0">
-            <a:schemeClr val="accent1"/>
-          </a:effectRef>
-          <a:fontRef idx="minor">
-            <a:schemeClr val="lt1"/>
-          </a:fontRef>
-        </p:style>
-        <p:txBody>
-          <a:bodyPr rtlCol="0" anchor="ctr"/>
-          <a:lstStyle/>
-          <a:p>
-            <a:pPr algn="ctr"/>
-            <a:endParaRPr kumimoji="1" lang="ko-Kore-KR" altLang="en-US"/>
-          </a:p>
-        </p:txBody>
-      </p:sp>
-      <p:graphicFrame>
-        <p:nvGraphicFramePr>
-          <p:cNvPr id="15" name="표 15">
-            <a:extLst>
-              <a:ext uri="{FF2B5EF4-FFF2-40B4-BE49-F238E27FC236}">
-                <a16:creationId xmlns:a16="http://schemas.microsoft.com/office/drawing/2014/main" id="{2EA8E23C-C712-7500-19E1-6CC5FC11AD0B}"/>
-              </a:ext>
-            </a:extLst>
-          </p:cNvPr>
-          <p:cNvGraphicFramePr>
-            <a:graphicFrameLocks noGrp="1"/>
-          </p:cNvGraphicFramePr>
-          <p:nvPr/>
-        </p:nvGraphicFramePr>
-        <p:xfrm>
-          <a:off x="471091" y="4492892"/>
-          <a:ext cx="3897747" cy="1483360"/>
-        </p:xfrm>
-        <a:graphic>
-          <a:graphicData uri="http://schemas.openxmlformats.org/drawingml/2006/table">
-            <a:tbl>
-              <a:tblPr firstRow="1" bandRow="1">
-                <a:tableStyleId>{7DF18680-E054-41AD-8BC1-D1AEF772440D}</a:tableStyleId>
-              </a:tblPr>
-              <a:tblGrid>
-                <a:gridCol w="1299249">
-                  <a:extLst>
-                    <a:ext uri="{9D8B030D-6E8A-4147-A177-3AD203B41FA5}">
-                      <a16:colId xmlns:a16="http://schemas.microsoft.com/office/drawing/2014/main" val="1234671681"/>
-                    </a:ext>
-                  </a:extLst>
-                </a:gridCol>
-                <a:gridCol w="1299249">
-                  <a:extLst>
-                    <a:ext uri="{9D8B030D-6E8A-4147-A177-3AD203B41FA5}">
-                      <a16:colId xmlns:a16="http://schemas.microsoft.com/office/drawing/2014/main" val="4186409752"/>
-                    </a:ext>
-                  </a:extLst>
-                </a:gridCol>
-                <a:gridCol w="1299249">
-                  <a:extLst>
-                    <a:ext uri="{9D8B030D-6E8A-4147-A177-3AD203B41FA5}">
-                      <a16:colId xmlns:a16="http://schemas.microsoft.com/office/drawing/2014/main" val="2959266702"/>
-                    </a:ext>
-                  </a:extLst>
-                </a:gridCol>
-              </a:tblGrid>
-              <a:tr h="370840">
-                <a:tc>
-                  <a:txBody>
-                    <a:bodyPr/>
-                    <a:lstStyle/>
-                    <a:p>
-                      <a:r>
-                        <a:rPr lang="en-US" altLang="ko-Kore-KR" dirty="0"/>
-                        <a:t>PK</a:t>
-                      </a:r>
-                      <a:endParaRPr lang="ko-Kore-KR" altLang="en-US" dirty="0"/>
-                    </a:p>
-                  </a:txBody>
-                  <a:tcPr/>
-                </a:tc>
-                <a:tc>
-                  <a:txBody>
-                    <a:bodyPr/>
-                    <a:lstStyle/>
-                    <a:p>
-                      <a:r>
-                        <a:rPr lang="ko-KR" altLang="en-US" dirty="0"/>
-                        <a:t>이름</a:t>
-                      </a:r>
-                      <a:endParaRPr lang="ko-Kore-KR" altLang="en-US" dirty="0"/>
-                    </a:p>
-                  </a:txBody>
-                  <a:tcPr/>
-                </a:tc>
-                <a:tc>
-                  <a:txBody>
-                    <a:bodyPr/>
-                    <a:lstStyle/>
-                    <a:p>
-                      <a:r>
-                        <a:rPr lang="ko-Kore-KR" altLang="en-US" dirty="0"/>
-                        <a:t>이메일</a:t>
-                      </a:r>
-                    </a:p>
-                  </a:txBody>
-                  <a:tcPr/>
-                </a:tc>
-                <a:extLst>
-                  <a:ext uri="{0D108BD9-81ED-4DB2-BD59-A6C34878D82A}">
-                    <a16:rowId xmlns:a16="http://schemas.microsoft.com/office/drawing/2014/main" val="1634674834"/>
-                  </a:ext>
-                </a:extLst>
-              </a:tr>
-              <a:tr h="370840">
-                <a:tc>
-                  <a:txBody>
-                    <a:bodyPr/>
-                    <a:lstStyle/>
-                    <a:p>
-                      <a:r>
-                        <a:rPr lang="en-US" altLang="ko-Kore-KR" dirty="0"/>
-                        <a:t>1</a:t>
-                      </a:r>
-                      <a:r>
-                        <a:rPr lang="en-US" altLang="ko-KR" dirty="0"/>
-                        <a:t>1</a:t>
-                      </a:r>
-                      <a:endParaRPr lang="ko-Kore-KR" altLang="en-US" dirty="0"/>
-                    </a:p>
-                  </a:txBody>
-                  <a:tcPr/>
-                </a:tc>
-                <a:tc>
-                  <a:txBody>
-                    <a:bodyPr/>
-                    <a:lstStyle/>
-                    <a:p>
-                      <a:r>
-                        <a:rPr lang="ko-Kore-KR" altLang="en-US" dirty="0"/>
-                        <a:t>홍길동</a:t>
-                      </a:r>
-                    </a:p>
-                  </a:txBody>
-                  <a:tcPr/>
-                </a:tc>
-                <a:tc>
-                  <a:txBody>
-                    <a:bodyPr/>
-                    <a:lstStyle/>
-                    <a:p>
-                      <a:r>
-                        <a:rPr lang="en-US" altLang="ko-Kore-KR" dirty="0" err="1"/>
-                        <a:t>hong</a:t>
-                      </a:r>
-                      <a:r>
-                        <a:rPr lang="en-US" altLang="ko-Kore-KR" dirty="0"/>
-                        <a:t>@---</a:t>
-                      </a:r>
-                      <a:endParaRPr lang="ko-Kore-KR" altLang="en-US" dirty="0"/>
-                    </a:p>
-                  </a:txBody>
-                  <a:tcPr/>
-                </a:tc>
-                <a:extLst>
-                  <a:ext uri="{0D108BD9-81ED-4DB2-BD59-A6C34878D82A}">
-                    <a16:rowId xmlns:a16="http://schemas.microsoft.com/office/drawing/2014/main" val="57134277"/>
-                  </a:ext>
-                </a:extLst>
-              </a:tr>
-              <a:tr h="370840">
-                <a:tc>
-                  <a:txBody>
-                    <a:bodyPr/>
-                    <a:lstStyle/>
-                    <a:p>
-                      <a:r>
-                        <a:rPr lang="en-US" altLang="ko-KR" dirty="0"/>
-                        <a:t>1</a:t>
-                      </a:r>
-                      <a:r>
-                        <a:rPr lang="en-US" altLang="ko-Kore-KR" dirty="0"/>
-                        <a:t>2</a:t>
-                      </a:r>
-                      <a:endParaRPr lang="ko-Kore-KR" altLang="en-US" dirty="0"/>
-                    </a:p>
-                  </a:txBody>
-                  <a:tcPr/>
-                </a:tc>
-                <a:tc>
-                  <a:txBody>
-                    <a:bodyPr/>
-                    <a:lstStyle/>
-                    <a:p>
-                      <a:r>
-                        <a:rPr lang="ko-Kore-KR" altLang="en-US" dirty="0"/>
-                        <a:t>임꺽정</a:t>
-                      </a:r>
-                    </a:p>
-                  </a:txBody>
-                  <a:tcPr/>
-                </a:tc>
-                <a:tc>
-                  <a:txBody>
-                    <a:bodyPr/>
-                    <a:lstStyle/>
-                    <a:p>
-                      <a:r>
-                        <a:rPr lang="en-US" altLang="ko-Kore-KR" dirty="0" err="1"/>
-                        <a:t>leem</a:t>
-                      </a:r>
-                      <a:r>
-                        <a:rPr lang="en-US" altLang="ko-Kore-KR" dirty="0"/>
-                        <a:t>@---</a:t>
-                      </a:r>
-                      <a:endParaRPr lang="ko-Kore-KR" altLang="en-US" dirty="0"/>
-                    </a:p>
-                  </a:txBody>
-                  <a:tcPr/>
-                </a:tc>
-                <a:extLst>
-                  <a:ext uri="{0D108BD9-81ED-4DB2-BD59-A6C34878D82A}">
-                    <a16:rowId xmlns:a16="http://schemas.microsoft.com/office/drawing/2014/main" val="4162354235"/>
-                  </a:ext>
-                </a:extLst>
-              </a:tr>
-              <a:tr h="370840">
-                <a:tc>
-                  <a:txBody>
-                    <a:bodyPr/>
-                    <a:lstStyle/>
-                    <a:p>
-                      <a:r>
-                        <a:rPr lang="en-US" altLang="ko-KR" dirty="0"/>
-                        <a:t>1</a:t>
-                      </a:r>
-                      <a:r>
-                        <a:rPr lang="en-US" altLang="ko-Kore-KR" dirty="0"/>
-                        <a:t>3</a:t>
-                      </a:r>
-                      <a:endParaRPr lang="ko-Kore-KR" altLang="en-US" dirty="0"/>
-                    </a:p>
-                  </a:txBody>
-                  <a:tcPr/>
-                </a:tc>
-                <a:tc>
-                  <a:txBody>
-                    <a:bodyPr/>
-                    <a:lstStyle/>
-                    <a:p>
-                      <a:r>
-                        <a:rPr lang="ko-Kore-KR" altLang="en-US" dirty="0"/>
-                        <a:t>유관순</a:t>
-                      </a:r>
-                    </a:p>
-                  </a:txBody>
-                  <a:tcPr/>
-                </a:tc>
-                <a:tc>
-                  <a:txBody>
-                    <a:bodyPr/>
-                    <a:lstStyle/>
-                    <a:p>
-                      <a:r>
-                        <a:rPr lang="en-US" altLang="ko-Kore-KR" dirty="0"/>
-                        <a:t>you@---</a:t>
-                      </a:r>
-                      <a:endParaRPr lang="ko-Kore-KR" altLang="en-US" dirty="0"/>
-                    </a:p>
-                  </a:txBody>
-                  <a:tcPr/>
-                </a:tc>
-                <a:extLst>
-                  <a:ext uri="{0D108BD9-81ED-4DB2-BD59-A6C34878D82A}">
-                    <a16:rowId xmlns:a16="http://schemas.microsoft.com/office/drawing/2014/main" val="3809824398"/>
-                  </a:ext>
-                </a:extLst>
-              </a:tr>
-            </a:tbl>
-          </a:graphicData>
-        </a:graphic>
-      </p:graphicFrame>
-      <p:graphicFrame>
-        <p:nvGraphicFramePr>
-          <p:cNvPr id="17" name="표 15">
-            <a:extLst>
-              <a:ext uri="{FF2B5EF4-FFF2-40B4-BE49-F238E27FC236}">
-                <a16:creationId xmlns:a16="http://schemas.microsoft.com/office/drawing/2014/main" id="{0D87CDCB-E22A-2331-43A7-BB3735D8D4AA}"/>
-              </a:ext>
-            </a:extLst>
-          </p:cNvPr>
-          <p:cNvGraphicFramePr>
-            <a:graphicFrameLocks noGrp="1"/>
-          </p:cNvGraphicFramePr>
-          <p:nvPr/>
-        </p:nvGraphicFramePr>
-        <p:xfrm>
-          <a:off x="4883893" y="4492892"/>
-          <a:ext cx="3897747" cy="1478280"/>
-        </p:xfrm>
-        <a:graphic>
-          <a:graphicData uri="http://schemas.openxmlformats.org/drawingml/2006/table">
-            <a:tbl>
-              <a:tblPr firstRow="1" bandRow="1">
-                <a:tableStyleId>{7DF18680-E054-41AD-8BC1-D1AEF772440D}</a:tableStyleId>
-              </a:tblPr>
-              <a:tblGrid>
-                <a:gridCol w="1299249">
-                  <a:extLst>
-                    <a:ext uri="{9D8B030D-6E8A-4147-A177-3AD203B41FA5}">
-                      <a16:colId xmlns:a16="http://schemas.microsoft.com/office/drawing/2014/main" val="1234671681"/>
-                    </a:ext>
-                  </a:extLst>
-                </a:gridCol>
-                <a:gridCol w="1299249">
-                  <a:extLst>
-                    <a:ext uri="{9D8B030D-6E8A-4147-A177-3AD203B41FA5}">
-                      <a16:colId xmlns:a16="http://schemas.microsoft.com/office/drawing/2014/main" val="4186409752"/>
-                    </a:ext>
-                  </a:extLst>
-                </a:gridCol>
-                <a:gridCol w="1299249">
-                  <a:extLst>
-                    <a:ext uri="{9D8B030D-6E8A-4147-A177-3AD203B41FA5}">
-                      <a16:colId xmlns:a16="http://schemas.microsoft.com/office/drawing/2014/main" val="2959266702"/>
-                    </a:ext>
-                  </a:extLst>
-                </a:gridCol>
-              </a:tblGrid>
-              <a:tr h="346596">
-                <a:tc>
-                  <a:txBody>
-                    <a:bodyPr/>
-                    <a:lstStyle/>
-                    <a:p>
-                      <a:r>
-                        <a:rPr lang="en-US" altLang="ko-Kore-KR" dirty="0"/>
-                        <a:t>PK(FK)</a:t>
-                      </a:r>
-                      <a:endParaRPr lang="ko-Kore-KR" altLang="en-US" dirty="0"/>
-                    </a:p>
-                  </a:txBody>
-                  <a:tcPr/>
-                </a:tc>
-                <a:tc>
-                  <a:txBody>
-                    <a:bodyPr/>
-                    <a:lstStyle/>
-                    <a:p>
-                      <a:r>
-                        <a:rPr lang="ko-Kore-KR" altLang="en-US" dirty="0"/>
-                        <a:t>계좌번호</a:t>
-                      </a:r>
-                    </a:p>
-                  </a:txBody>
-                  <a:tcPr/>
-                </a:tc>
-                <a:tc>
-                  <a:txBody>
-                    <a:bodyPr/>
-                    <a:lstStyle/>
-                    <a:p>
-                      <a:r>
-                        <a:rPr lang="ko-KR" altLang="en-US" dirty="0" err="1"/>
-                        <a:t>은행명</a:t>
-                      </a:r>
-                      <a:endParaRPr lang="ko-Kore-KR" altLang="en-US" dirty="0"/>
-                    </a:p>
-                  </a:txBody>
-                  <a:tcPr/>
-                </a:tc>
-                <a:extLst>
-                  <a:ext uri="{0D108BD9-81ED-4DB2-BD59-A6C34878D82A}">
-                    <a16:rowId xmlns:a16="http://schemas.microsoft.com/office/drawing/2014/main" val="1634674834"/>
-                  </a:ext>
-                </a:extLst>
-              </a:tr>
-              <a:tr h="370840">
-                <a:tc>
-                  <a:txBody>
-                    <a:bodyPr/>
-                    <a:lstStyle/>
-                    <a:p>
-                      <a:r>
-                        <a:rPr lang="en-US" altLang="ko-Kore-KR" dirty="0"/>
-                        <a:t>1</a:t>
-                      </a:r>
-                      <a:r>
-                        <a:rPr lang="en-US" altLang="ko-KR" dirty="0"/>
-                        <a:t>1</a:t>
-                      </a:r>
-                      <a:endParaRPr lang="ko-Kore-KR" altLang="en-US" dirty="0"/>
-                    </a:p>
-                  </a:txBody>
-                  <a:tcPr/>
-                </a:tc>
-                <a:tc>
-                  <a:txBody>
-                    <a:bodyPr/>
-                    <a:lstStyle/>
-                    <a:p>
-                      <a:r>
-                        <a:rPr lang="en-US" altLang="ko-Kore-KR" dirty="0"/>
-                        <a:t>1</a:t>
-                      </a:r>
-                      <a:r>
-                        <a:rPr lang="en-US" altLang="ko-KR" dirty="0"/>
-                        <a:t>111-1111</a:t>
-                      </a:r>
-                      <a:endParaRPr lang="ko-Kore-KR" altLang="en-US" dirty="0"/>
-                    </a:p>
-                  </a:txBody>
-                  <a:tcPr/>
-                </a:tc>
-                <a:tc>
-                  <a:txBody>
-                    <a:bodyPr/>
-                    <a:lstStyle/>
-                    <a:p>
-                      <a:r>
-                        <a:rPr lang="ko-Kore-KR" altLang="en-US" dirty="0"/>
-                        <a:t>국민은행</a:t>
-                      </a:r>
-                    </a:p>
-                  </a:txBody>
-                  <a:tcPr/>
-                </a:tc>
-                <a:extLst>
-                  <a:ext uri="{0D108BD9-81ED-4DB2-BD59-A6C34878D82A}">
-                    <a16:rowId xmlns:a16="http://schemas.microsoft.com/office/drawing/2014/main" val="57134277"/>
-                  </a:ext>
-                </a:extLst>
-              </a:tr>
-              <a:tr h="370840">
-                <a:tc>
-                  <a:txBody>
-                    <a:bodyPr/>
-                    <a:lstStyle/>
-                    <a:p>
-                      <a:r>
-                        <a:rPr lang="en-US" altLang="ko-Kore-KR" dirty="0"/>
-                        <a:t>1</a:t>
-                      </a:r>
-                      <a:r>
-                        <a:rPr lang="en-US" altLang="ko-KR" dirty="0"/>
-                        <a:t>2</a:t>
-                      </a:r>
-                      <a:endParaRPr lang="ko-Kore-KR" altLang="en-US" dirty="0"/>
-                    </a:p>
-                  </a:txBody>
-                  <a:tcPr/>
-                </a:tc>
-                <a:tc>
-                  <a:txBody>
-                    <a:bodyPr/>
-                    <a:lstStyle/>
-                    <a:p>
-                      <a:r>
-                        <a:rPr lang="en-US" altLang="ko-Kore-KR" dirty="0"/>
-                        <a:t>1</a:t>
-                      </a:r>
-                      <a:r>
-                        <a:rPr lang="en-US" altLang="ko-KR" dirty="0"/>
-                        <a:t>111-223</a:t>
-                      </a:r>
-                      <a:endParaRPr lang="ko-Kore-KR" altLang="en-US" dirty="0"/>
-                    </a:p>
-                  </a:txBody>
-                  <a:tcPr/>
-                </a:tc>
-                <a:tc>
-                  <a:txBody>
-                    <a:bodyPr/>
-                    <a:lstStyle/>
-                    <a:p>
-                      <a:r>
-                        <a:rPr lang="ko-KR" altLang="en-US" dirty="0"/>
-                        <a:t>국민은행</a:t>
-                      </a:r>
-                      <a:endParaRPr lang="ko-Kore-KR" altLang="en-US" dirty="0"/>
-                    </a:p>
-                  </a:txBody>
-                  <a:tcPr/>
-                </a:tc>
-                <a:extLst>
-                  <a:ext uri="{0D108BD9-81ED-4DB2-BD59-A6C34878D82A}">
-                    <a16:rowId xmlns:a16="http://schemas.microsoft.com/office/drawing/2014/main" val="4162354235"/>
-                  </a:ext>
-                </a:extLst>
-              </a:tr>
-              <a:tr h="370840">
-                <a:tc>
-                  <a:txBody>
-                    <a:bodyPr/>
-                    <a:lstStyle/>
-                    <a:p>
-                      <a:r>
-                        <a:rPr lang="en-US" altLang="ko-Kore-KR" dirty="0"/>
-                        <a:t>X</a:t>
-                      </a:r>
-                      <a:endParaRPr lang="ko-Kore-KR" altLang="en-US" dirty="0"/>
-                    </a:p>
-                  </a:txBody>
-                  <a:tcPr/>
-                </a:tc>
-                <a:tc>
-                  <a:txBody>
-                    <a:bodyPr/>
-                    <a:lstStyle/>
-                    <a:p>
-                      <a:endParaRPr lang="ko-Kore-KR" altLang="en-US" dirty="0"/>
-                    </a:p>
-                  </a:txBody>
-                  <a:tcPr/>
-                </a:tc>
-                <a:tc>
-                  <a:txBody>
-                    <a:bodyPr/>
-                    <a:lstStyle/>
-                    <a:p>
-                      <a:endParaRPr lang="ko-Kore-KR" altLang="en-US" dirty="0"/>
-                    </a:p>
-                  </a:txBody>
-                  <a:tcPr/>
-                </a:tc>
-                <a:extLst>
-                  <a:ext uri="{0D108BD9-81ED-4DB2-BD59-A6C34878D82A}">
-                    <a16:rowId xmlns:a16="http://schemas.microsoft.com/office/drawing/2014/main" val="3809824398"/>
-                  </a:ext>
-                </a:extLst>
-              </a:tr>
-            </a:tbl>
-          </a:graphicData>
-        </a:graphic>
-      </p:graphicFrame>
-      <p:cxnSp>
-        <p:nvCxnSpPr>
-          <p:cNvPr id="18" name="직선 연결선[R] 17">
-            <a:extLst>
-              <a:ext uri="{FF2B5EF4-FFF2-40B4-BE49-F238E27FC236}">
-                <a16:creationId xmlns:a16="http://schemas.microsoft.com/office/drawing/2014/main" id="{DA652720-D385-C19C-7679-772ADE656EE1}"/>
-              </a:ext>
-            </a:extLst>
-          </p:cNvPr>
-          <p:cNvCxnSpPr>
-            <a:cxnSpLocks/>
-          </p:cNvCxnSpPr>
-          <p:nvPr/>
-        </p:nvCxnSpPr>
-        <p:spPr>
-          <a:xfrm>
-            <a:off x="4368838" y="5035296"/>
-            <a:ext cx="515055" cy="0"/>
-          </a:xfrm>
-          <a:prstGeom prst="line">
-            <a:avLst/>
-          </a:prstGeom>
-        </p:spPr>
-        <p:style>
-          <a:lnRef idx="3">
-            <a:schemeClr val="accent5"/>
-          </a:lnRef>
-          <a:fillRef idx="0">
-            <a:schemeClr val="accent5"/>
-          </a:fillRef>
-          <a:effectRef idx="2">
-            <a:schemeClr val="accent5"/>
-          </a:effectRef>
-          <a:fontRef idx="minor">
-            <a:schemeClr val="tx1"/>
-          </a:fontRef>
-        </p:style>
-      </p:cxnSp>
-      <p:cxnSp>
-        <p:nvCxnSpPr>
-          <p:cNvPr id="21" name="직선 연결선[R] 20">
-            <a:extLst>
-              <a:ext uri="{FF2B5EF4-FFF2-40B4-BE49-F238E27FC236}">
-                <a16:creationId xmlns:a16="http://schemas.microsoft.com/office/drawing/2014/main" id="{4BA5EC65-8B10-80FE-D3E0-773AD803E212}"/>
-              </a:ext>
-            </a:extLst>
-          </p:cNvPr>
-          <p:cNvCxnSpPr>
-            <a:cxnSpLocks/>
-          </p:cNvCxnSpPr>
-          <p:nvPr/>
-        </p:nvCxnSpPr>
-        <p:spPr>
-          <a:xfrm>
-            <a:off x="4368838" y="5035296"/>
-            <a:ext cx="515055" cy="390144"/>
-          </a:xfrm>
-          <a:prstGeom prst="line">
-            <a:avLst/>
-          </a:prstGeom>
-        </p:spPr>
-        <p:style>
-          <a:lnRef idx="3">
-            <a:schemeClr val="accent5"/>
-          </a:lnRef>
-          <a:fillRef idx="0">
-            <a:schemeClr val="accent5"/>
-          </a:fillRef>
-          <a:effectRef idx="2">
-            <a:schemeClr val="accent5"/>
-          </a:effectRef>
-          <a:fontRef idx="minor">
-            <a:schemeClr val="tx1"/>
-          </a:fontRef>
-        </p:style>
-      </p:cxnSp>
-      <p:cxnSp>
-        <p:nvCxnSpPr>
-          <p:cNvPr id="26" name="직선 연결선[R] 25">
-            <a:extLst>
-              <a:ext uri="{FF2B5EF4-FFF2-40B4-BE49-F238E27FC236}">
-                <a16:creationId xmlns:a16="http://schemas.microsoft.com/office/drawing/2014/main" id="{15B03DDE-19E7-F1E5-94A5-04102A2605F2}"/>
-              </a:ext>
-            </a:extLst>
-          </p:cNvPr>
-          <p:cNvCxnSpPr>
-            <a:cxnSpLocks/>
-          </p:cNvCxnSpPr>
-          <p:nvPr/>
-        </p:nvCxnSpPr>
-        <p:spPr>
-          <a:xfrm>
-            <a:off x="4368838" y="5425440"/>
-            <a:ext cx="515055" cy="365760"/>
-          </a:xfrm>
-          <a:prstGeom prst="line">
-            <a:avLst/>
-          </a:prstGeom>
-        </p:spPr>
-        <p:style>
-          <a:lnRef idx="3">
-            <a:schemeClr val="accent5"/>
-          </a:lnRef>
-          <a:fillRef idx="0">
-            <a:schemeClr val="accent5"/>
-          </a:fillRef>
-          <a:effectRef idx="2">
-            <a:schemeClr val="accent5"/>
-          </a:effectRef>
-          <a:fontRef idx="minor">
-            <a:schemeClr val="tx1"/>
-          </a:fontRef>
-        </p:style>
-      </p:cxnSp>
-      <p:cxnSp>
-        <p:nvCxnSpPr>
-          <p:cNvPr id="29" name="직선 연결선[R] 28">
-            <a:extLst>
-              <a:ext uri="{FF2B5EF4-FFF2-40B4-BE49-F238E27FC236}">
-                <a16:creationId xmlns:a16="http://schemas.microsoft.com/office/drawing/2014/main" id="{8B99E44A-3C8A-5E1A-B552-9EF021D23A19}"/>
-              </a:ext>
-            </a:extLst>
-          </p:cNvPr>
-          <p:cNvCxnSpPr>
-            <a:cxnSpLocks/>
-            <a:endCxn id="30" idx="1"/>
-          </p:cNvCxnSpPr>
-          <p:nvPr/>
-        </p:nvCxnSpPr>
-        <p:spPr>
-          <a:xfrm>
-            <a:off x="4355319" y="5769827"/>
-            <a:ext cx="528574" cy="390745"/>
-          </a:xfrm>
-          <a:prstGeom prst="line">
-            <a:avLst/>
-          </a:prstGeom>
-          <a:ln>
-            <a:solidFill>
-              <a:srgbClr val="FF00A8"/>
-            </a:solidFill>
-          </a:ln>
-        </p:spPr>
-        <p:style>
-          <a:lnRef idx="3">
-            <a:schemeClr val="accent5"/>
-          </a:lnRef>
-          <a:fillRef idx="0">
-            <a:schemeClr val="accent5"/>
-          </a:fillRef>
-          <a:effectRef idx="2">
-            <a:schemeClr val="accent5"/>
-          </a:effectRef>
-          <a:fontRef idx="minor">
-            <a:schemeClr val="tx1"/>
-          </a:fontRef>
-        </p:style>
-      </p:cxnSp>
-      <p:sp>
-        <p:nvSpPr>
-          <p:cNvPr id="30" name="직사각형 29">
-            <a:extLst>
-              <a:ext uri="{FF2B5EF4-FFF2-40B4-BE49-F238E27FC236}">
-                <a16:creationId xmlns:a16="http://schemas.microsoft.com/office/drawing/2014/main" id="{0644DBDE-44BC-FB7A-59A5-EF99C8BB4F86}"/>
-              </a:ext>
-            </a:extLst>
-          </p:cNvPr>
-          <p:cNvSpPr/>
-          <p:nvPr/>
-        </p:nvSpPr>
-        <p:spPr>
-          <a:xfrm>
-            <a:off x="4883893" y="6024477"/>
-            <a:ext cx="356013" cy="272189"/>
-          </a:xfrm>
-          <a:prstGeom prst="rect">
-            <a:avLst/>
-          </a:prstGeom>
-          <a:ln>
-            <a:solidFill>
-              <a:srgbClr val="FF00A8"/>
-            </a:solidFill>
-          </a:ln>
-        </p:spPr>
-        <p:style>
-          <a:lnRef idx="2">
-            <a:schemeClr val="accent1"/>
-          </a:lnRef>
-          <a:fillRef idx="1">
-            <a:schemeClr val="lt1"/>
-          </a:fillRef>
-          <a:effectRef idx="0">
-            <a:schemeClr val="accent1"/>
-          </a:effectRef>
-          <a:fontRef idx="minor">
-            <a:schemeClr val="dk1"/>
-          </a:fontRef>
-        </p:style>
-        <p:txBody>
-          <a:bodyPr rtlCol="0" anchor="ctr"/>
-          <a:lstStyle/>
-          <a:p>
-            <a:pPr algn="ctr"/>
-            <a:r>
-              <a:rPr kumimoji="1" lang="en-US" altLang="ko-KR" sz="1200" dirty="0"/>
-              <a:t>?</a:t>
-            </a:r>
-            <a:endParaRPr kumimoji="1" lang="ko-Kore-KR" altLang="en-US" sz="1200" dirty="0"/>
-          </a:p>
-        </p:txBody>
-      </p:sp>
-      <p:sp>
-        <p:nvSpPr>
-          <p:cNvPr id="36" name="직사각형 35">
-            <a:extLst>
-              <a:ext uri="{FF2B5EF4-FFF2-40B4-BE49-F238E27FC236}">
-                <a16:creationId xmlns:a16="http://schemas.microsoft.com/office/drawing/2014/main" id="{515A54D5-EA54-84E4-BDBC-7E2E48F67759}"/>
-              </a:ext>
-            </a:extLst>
-          </p:cNvPr>
-          <p:cNvSpPr/>
-          <p:nvPr/>
-        </p:nvSpPr>
-        <p:spPr>
-          <a:xfrm>
-            <a:off x="4177312" y="4128763"/>
-            <a:ext cx="882368" cy="243630"/>
-          </a:xfrm>
-          <a:prstGeom prst="rect">
-            <a:avLst/>
-          </a:prstGeom>
-          <a:ln/>
-        </p:spPr>
-        <p:style>
-          <a:lnRef idx="2">
-            <a:schemeClr val="accent5"/>
-          </a:lnRef>
-          <a:fillRef idx="1">
-            <a:schemeClr val="lt1"/>
-          </a:fillRef>
-          <a:effectRef idx="0">
-            <a:schemeClr val="accent5"/>
-          </a:effectRef>
-          <a:fontRef idx="minor">
-            <a:schemeClr val="dk1"/>
-          </a:fontRef>
-        </p:style>
-        <p:txBody>
-          <a:bodyPr rtlCol="0" anchor="ctr"/>
-          <a:lstStyle/>
-          <a:p>
-            <a:pPr algn="ctr"/>
-            <a:r>
-              <a:rPr kumimoji="1" lang="en-US" altLang="ko-KR" sz="1200" dirty="0"/>
-              <a:t>1</a:t>
-            </a:r>
-            <a:r>
-              <a:rPr kumimoji="1" lang="ko-KR" altLang="en-US" sz="1200" dirty="0"/>
-              <a:t> </a:t>
-            </a:r>
-            <a:r>
-              <a:rPr kumimoji="1" lang="en-US" altLang="ko-KR" sz="1200" dirty="0"/>
-              <a:t>:</a:t>
-            </a:r>
-            <a:r>
-              <a:rPr kumimoji="1" lang="ko-KR" altLang="en-US" sz="1200" dirty="0"/>
-              <a:t> </a:t>
-            </a:r>
-            <a:r>
-              <a:rPr kumimoji="1" lang="en-US" altLang="ko-KR" sz="1200" dirty="0"/>
-              <a:t>1</a:t>
-            </a:r>
-            <a:endParaRPr kumimoji="1" lang="ko-Kore-KR" altLang="en-US" sz="1200" dirty="0"/>
-          </a:p>
-        </p:txBody>
-      </p:sp>
-      <p:sp>
-        <p:nvSpPr>
-          <p:cNvPr id="57" name="직사각형 56">
-            <a:extLst>
-              <a:ext uri="{FF2B5EF4-FFF2-40B4-BE49-F238E27FC236}">
-                <a16:creationId xmlns:a16="http://schemas.microsoft.com/office/drawing/2014/main" id="{08E91D6D-0738-2D50-72C0-3FAF24E92B3D}"/>
-              </a:ext>
-            </a:extLst>
-          </p:cNvPr>
-          <p:cNvSpPr/>
-          <p:nvPr/>
-        </p:nvSpPr>
-        <p:spPr>
-          <a:xfrm>
-            <a:off x="6307029" y="6224654"/>
-            <a:ext cx="1833197" cy="359555"/>
-          </a:xfrm>
-          <a:prstGeom prst="rect">
-            <a:avLst/>
-          </a:prstGeom>
-          <a:ln>
-            <a:solidFill>
-              <a:schemeClr val="bg1">
-                <a:lumMod val="50000"/>
-              </a:schemeClr>
-            </a:solidFill>
-          </a:ln>
-        </p:spPr>
-        <p:style>
-          <a:lnRef idx="2">
-            <a:schemeClr val="accent5"/>
-          </a:lnRef>
-          <a:fillRef idx="1">
-            <a:schemeClr val="lt1"/>
-          </a:fillRef>
-          <a:effectRef idx="0">
-            <a:schemeClr val="accent5"/>
-          </a:effectRef>
-          <a:fontRef idx="minor">
-            <a:schemeClr val="dk1"/>
-          </a:fontRef>
-        </p:style>
-        <p:txBody>
-          <a:bodyPr rtlCol="0" anchor="ctr"/>
-          <a:lstStyle/>
-          <a:p>
-            <a:pPr algn="ctr"/>
-            <a:r>
-              <a:rPr kumimoji="1" lang="en-US" altLang="ko-KR" sz="1200" b="1" dirty="0"/>
-              <a:t>FK </a:t>
-            </a:r>
-            <a:r>
-              <a:rPr kumimoji="1" lang="en-US" altLang="ko-Kore-KR" sz="1200" b="1" dirty="0"/>
-              <a:t>=</a:t>
-            </a:r>
-            <a:r>
-              <a:rPr kumimoji="1" lang="ko-KR" altLang="en-US" sz="1200" b="1" dirty="0"/>
-              <a:t> </a:t>
-            </a:r>
-            <a:r>
-              <a:rPr kumimoji="1" lang="en-US" altLang="ko-KR" sz="1200" b="1" dirty="0"/>
-              <a:t>PK</a:t>
-            </a:r>
-            <a:endParaRPr lang="ko-Kore-KR" altLang="en-US" b="1" dirty="0"/>
-          </a:p>
-        </p:txBody>
-      </p:sp>
-      <p:sp>
-        <p:nvSpPr>
-          <p:cNvPr id="58" name="직사각형 57">
-            <a:extLst>
-              <a:ext uri="{FF2B5EF4-FFF2-40B4-BE49-F238E27FC236}">
-                <a16:creationId xmlns:a16="http://schemas.microsoft.com/office/drawing/2014/main" id="{BCDB272A-FE02-847B-A17A-70F1A4DC5A63}"/>
-              </a:ext>
-            </a:extLst>
-          </p:cNvPr>
-          <p:cNvSpPr/>
-          <p:nvPr/>
-        </p:nvSpPr>
-        <p:spPr>
-          <a:xfrm>
-            <a:off x="8410149" y="6224653"/>
-            <a:ext cx="3330747" cy="359555"/>
-          </a:xfrm>
-          <a:prstGeom prst="rect">
-            <a:avLst/>
-          </a:prstGeom>
-          <a:ln>
-            <a:solidFill>
-              <a:schemeClr val="bg1">
-                <a:lumMod val="50000"/>
-              </a:schemeClr>
-            </a:solidFill>
-          </a:ln>
-        </p:spPr>
-        <p:style>
-          <a:lnRef idx="2">
-            <a:schemeClr val="accent5"/>
-          </a:lnRef>
-          <a:fillRef idx="1">
-            <a:schemeClr val="lt1"/>
-          </a:fillRef>
-          <a:effectRef idx="0">
-            <a:schemeClr val="accent5"/>
-          </a:effectRef>
-          <a:fontRef idx="minor">
-            <a:schemeClr val="dk1"/>
-          </a:fontRef>
-        </p:style>
-        <p:txBody>
-          <a:bodyPr rtlCol="0" anchor="ctr"/>
-          <a:lstStyle/>
-          <a:p>
-            <a:pPr algn="ctr"/>
-            <a:r>
-              <a:rPr kumimoji="1" lang="ko-KR" altLang="en-US" sz="1200" dirty="0"/>
-              <a:t>이 테이블에서 </a:t>
-            </a:r>
-            <a:r>
-              <a:rPr kumimoji="1" lang="en-US" altLang="ko-KR" sz="1200" dirty="0" err="1"/>
-              <a:t>fk</a:t>
-            </a:r>
-            <a:r>
-              <a:rPr kumimoji="1" lang="ko-KR" altLang="en-US" sz="1200" dirty="0"/>
-              <a:t>로 행 구별이 가능하다</a:t>
-            </a:r>
-            <a:r>
-              <a:rPr kumimoji="1" lang="en-US" altLang="ko-KR" sz="1200" dirty="0"/>
-              <a:t>.</a:t>
-            </a:r>
-          </a:p>
-        </p:txBody>
-      </p:sp>
-      <p:cxnSp>
-        <p:nvCxnSpPr>
-          <p:cNvPr id="59" name="직선 화살표 연결선 58">
-            <a:extLst>
-              <a:ext uri="{FF2B5EF4-FFF2-40B4-BE49-F238E27FC236}">
-                <a16:creationId xmlns:a16="http://schemas.microsoft.com/office/drawing/2014/main" id="{FDD0E217-CB75-C0EB-5540-BD78DB58F2F3}"/>
-              </a:ext>
-            </a:extLst>
-          </p:cNvPr>
-          <p:cNvCxnSpPr>
-            <a:cxnSpLocks/>
-            <a:stCxn id="57" idx="3"/>
-            <a:endCxn id="58" idx="1"/>
-          </p:cNvCxnSpPr>
-          <p:nvPr/>
-        </p:nvCxnSpPr>
-        <p:spPr>
-          <a:xfrm flipV="1">
-            <a:off x="8140226" y="6404431"/>
-            <a:ext cx="269923" cy="1"/>
-          </a:xfrm>
-          <a:prstGeom prst="straightConnector1">
-            <a:avLst/>
-          </a:prstGeom>
-          <a:ln>
-            <a:solidFill>
-              <a:schemeClr val="bg1">
-                <a:lumMod val="50000"/>
-              </a:schemeClr>
-            </a:solidFill>
-            <a:tailEnd type="triangle"/>
-          </a:ln>
-        </p:spPr>
-        <p:style>
-          <a:lnRef idx="3">
-            <a:schemeClr val="accent5"/>
-          </a:lnRef>
-          <a:fillRef idx="0">
-            <a:schemeClr val="accent5"/>
-          </a:fillRef>
-          <a:effectRef idx="2">
-            <a:schemeClr val="accent5"/>
-          </a:effectRef>
-          <a:fontRef idx="minor">
-            <a:schemeClr val="tx1"/>
-          </a:fontRef>
-        </p:style>
-      </p:cxnSp>
-      <p:cxnSp>
-        <p:nvCxnSpPr>
-          <p:cNvPr id="9" name="직선 연결선[R] 8">
-            <a:extLst>
-              <a:ext uri="{FF2B5EF4-FFF2-40B4-BE49-F238E27FC236}">
-                <a16:creationId xmlns:a16="http://schemas.microsoft.com/office/drawing/2014/main" id="{A3775F48-87D7-D272-07EA-3CDADF42B7EF}"/>
-              </a:ext>
-            </a:extLst>
-          </p:cNvPr>
-          <p:cNvCxnSpPr>
-            <a:cxnSpLocks/>
-          </p:cNvCxnSpPr>
-          <p:nvPr/>
-        </p:nvCxnSpPr>
-        <p:spPr>
-          <a:xfrm>
-            <a:off x="5680254" y="1031980"/>
-            <a:ext cx="0" cy="241002"/>
-          </a:xfrm>
-          <a:prstGeom prst="line">
-            <a:avLst/>
-          </a:prstGeom>
-        </p:spPr>
-        <p:style>
-          <a:lnRef idx="3">
-            <a:schemeClr val="accent5"/>
-          </a:lnRef>
-          <a:fillRef idx="0">
-            <a:schemeClr val="accent5"/>
-          </a:fillRef>
-          <a:effectRef idx="2">
-            <a:schemeClr val="accent5"/>
-          </a:effectRef>
-          <a:fontRef idx="minor">
-            <a:schemeClr val="tx1"/>
-          </a:fontRef>
-        </p:style>
-      </p:cxnSp>
-      <p:cxnSp>
-        <p:nvCxnSpPr>
-          <p:cNvPr id="6" name="직선 연결선[R] 5">
-            <a:extLst>
-              <a:ext uri="{FF2B5EF4-FFF2-40B4-BE49-F238E27FC236}">
-                <a16:creationId xmlns:a16="http://schemas.microsoft.com/office/drawing/2014/main" id="{BD081E9E-B268-7961-6495-CF6E5C1DBFC2}"/>
-              </a:ext>
-            </a:extLst>
-          </p:cNvPr>
-          <p:cNvCxnSpPr>
-            <a:cxnSpLocks/>
-          </p:cNvCxnSpPr>
-          <p:nvPr/>
-        </p:nvCxnSpPr>
-        <p:spPr>
-          <a:xfrm flipH="1">
-            <a:off x="5672280" y="995404"/>
-            <a:ext cx="143539" cy="173469"/>
-          </a:xfrm>
-          <a:prstGeom prst="line">
-            <a:avLst/>
-          </a:prstGeom>
-        </p:spPr>
-        <p:style>
-          <a:lnRef idx="3">
-            <a:schemeClr val="accent5"/>
-          </a:lnRef>
-          <a:fillRef idx="0">
-            <a:schemeClr val="accent5"/>
-          </a:fillRef>
-          <a:effectRef idx="2">
-            <a:schemeClr val="accent5"/>
-          </a:effectRef>
-          <a:fontRef idx="minor">
-            <a:schemeClr val="tx1"/>
-          </a:fontRef>
-        </p:style>
-      </p:cxnSp>
-      <p:cxnSp>
-        <p:nvCxnSpPr>
-          <p:cNvPr id="7" name="직선 연결선[R] 6">
-            <a:extLst>
-              <a:ext uri="{FF2B5EF4-FFF2-40B4-BE49-F238E27FC236}">
-                <a16:creationId xmlns:a16="http://schemas.microsoft.com/office/drawing/2014/main" id="{6CC50E42-CD2C-3F5F-94AF-ADDA6CF7216A}"/>
-              </a:ext>
-            </a:extLst>
-          </p:cNvPr>
-          <p:cNvCxnSpPr>
-            <a:cxnSpLocks/>
-          </p:cNvCxnSpPr>
-          <p:nvPr/>
-        </p:nvCxnSpPr>
-        <p:spPr>
-          <a:xfrm>
-            <a:off x="5684472" y="1179240"/>
-            <a:ext cx="152400" cy="154225"/>
-          </a:xfrm>
-          <a:prstGeom prst="line">
-            <a:avLst/>
-          </a:prstGeom>
-        </p:spPr>
-        <p:style>
-          <a:lnRef idx="3">
-            <a:schemeClr val="accent5"/>
-          </a:lnRef>
-          <a:fillRef idx="0">
-            <a:schemeClr val="accent5"/>
-          </a:fillRef>
-          <a:effectRef idx="2">
-            <a:schemeClr val="accent5"/>
-          </a:effectRef>
-          <a:fontRef idx="minor">
-            <a:schemeClr val="tx1"/>
-          </a:fontRef>
-        </p:style>
-      </p:cxnSp>
-      <p:cxnSp>
-        <p:nvCxnSpPr>
-          <p:cNvPr id="13" name="직선 연결선[R] 12">
-            <a:extLst>
-              <a:ext uri="{FF2B5EF4-FFF2-40B4-BE49-F238E27FC236}">
-                <a16:creationId xmlns:a16="http://schemas.microsoft.com/office/drawing/2014/main" id="{3FC3CCC9-CB67-248C-EA85-1E49E9969141}"/>
-              </a:ext>
-            </a:extLst>
-          </p:cNvPr>
-          <p:cNvCxnSpPr>
-            <a:cxnSpLocks/>
-          </p:cNvCxnSpPr>
-          <p:nvPr/>
-        </p:nvCxnSpPr>
-        <p:spPr>
-          <a:xfrm flipH="1" flipV="1">
-            <a:off x="3510474" y="1031980"/>
-            <a:ext cx="92592" cy="136893"/>
-          </a:xfrm>
-          <a:prstGeom prst="line">
-            <a:avLst/>
-          </a:prstGeom>
-        </p:spPr>
-        <p:style>
-          <a:lnRef idx="3">
-            <a:schemeClr val="accent5"/>
-          </a:lnRef>
-          <a:fillRef idx="0">
-            <a:schemeClr val="accent5"/>
-          </a:fillRef>
-          <a:effectRef idx="2">
-            <a:schemeClr val="accent5"/>
-          </a:effectRef>
-          <a:fontRef idx="minor">
-            <a:schemeClr val="tx1"/>
-          </a:fontRef>
-        </p:style>
-      </p:cxnSp>
-      <p:cxnSp>
-        <p:nvCxnSpPr>
-          <p:cNvPr id="16" name="직선 연결선[R] 15">
-            <a:extLst>
-              <a:ext uri="{FF2B5EF4-FFF2-40B4-BE49-F238E27FC236}">
-                <a16:creationId xmlns:a16="http://schemas.microsoft.com/office/drawing/2014/main" id="{D9C43FDD-0BE3-5644-F0E8-04DF2E666FAA}"/>
-              </a:ext>
-            </a:extLst>
-          </p:cNvPr>
-          <p:cNvCxnSpPr>
-            <a:cxnSpLocks/>
-          </p:cNvCxnSpPr>
-          <p:nvPr/>
-        </p:nvCxnSpPr>
-        <p:spPr>
-          <a:xfrm flipV="1">
-            <a:off x="3494303" y="1168873"/>
-            <a:ext cx="108763" cy="173467"/>
-          </a:xfrm>
-          <a:prstGeom prst="line">
-            <a:avLst/>
-          </a:prstGeom>
-        </p:spPr>
-        <p:style>
-          <a:lnRef idx="3">
-            <a:schemeClr val="accent5"/>
-          </a:lnRef>
-          <a:fillRef idx="0">
-            <a:schemeClr val="accent5"/>
-          </a:fillRef>
-          <a:effectRef idx="2">
-            <a:schemeClr val="accent5"/>
-          </a:effectRef>
-          <a:fontRef idx="minor">
-            <a:schemeClr val="tx1"/>
-          </a:fontRef>
-        </p:style>
-      </p:cxnSp>
-      <p:sp>
-        <p:nvSpPr>
-          <p:cNvPr id="32" name="TextBox 31">
-            <a:extLst>
-              <a:ext uri="{FF2B5EF4-FFF2-40B4-BE49-F238E27FC236}">
-                <a16:creationId xmlns:a16="http://schemas.microsoft.com/office/drawing/2014/main" id="{C867B197-DB27-67B9-7E04-2DE2C787C1DF}"/>
-              </a:ext>
-            </a:extLst>
-          </p:cNvPr>
-          <p:cNvSpPr txBox="1"/>
-          <p:nvPr/>
-        </p:nvSpPr>
-        <p:spPr>
-          <a:xfrm>
-            <a:off x="5277302" y="532316"/>
-            <a:ext cx="466796" cy="276999"/>
-          </a:xfrm>
-          <a:prstGeom prst="rect">
-            <a:avLst/>
-          </a:prstGeom>
-        </p:spPr>
-        <p:style>
-          <a:lnRef idx="2">
-            <a:schemeClr val="accent1"/>
-          </a:lnRef>
-          <a:fillRef idx="1">
-            <a:schemeClr val="lt1"/>
-          </a:fillRef>
-          <a:effectRef idx="0">
-            <a:schemeClr val="accent1"/>
-          </a:effectRef>
-          <a:fontRef idx="minor">
-            <a:schemeClr val="dk1"/>
-          </a:fontRef>
-        </p:style>
-        <p:txBody>
-          <a:bodyPr wrap="square" rtlCol="0">
-            <a:spAutoFit/>
-          </a:bodyPr>
-          <a:lstStyle/>
-          <a:p>
-            <a:pPr algn="ctr"/>
-            <a:r>
-              <a:rPr kumimoji="1" lang="en-US" altLang="ko-Kore-KR" sz="1200" dirty="0"/>
-              <a:t>0..*</a:t>
-            </a:r>
-            <a:endParaRPr kumimoji="1" lang="ko-Kore-KR" altLang="en-US" sz="1200" dirty="0"/>
-          </a:p>
-        </p:txBody>
-      </p:sp>
-      <p:sp>
-        <p:nvSpPr>
-          <p:cNvPr id="35" name="TextBox 34">
-            <a:extLst>
-              <a:ext uri="{FF2B5EF4-FFF2-40B4-BE49-F238E27FC236}">
-                <a16:creationId xmlns:a16="http://schemas.microsoft.com/office/drawing/2014/main" id="{F122187B-C6E4-86D6-223D-62CBF43DFAF9}"/>
-              </a:ext>
-            </a:extLst>
-          </p:cNvPr>
-          <p:cNvSpPr txBox="1"/>
-          <p:nvPr/>
-        </p:nvSpPr>
-        <p:spPr>
-          <a:xfrm>
-            <a:off x="3369668" y="535631"/>
-            <a:ext cx="466796" cy="276999"/>
-          </a:xfrm>
-          <a:prstGeom prst="rect">
-            <a:avLst/>
-          </a:prstGeom>
-        </p:spPr>
-        <p:style>
-          <a:lnRef idx="2">
-            <a:schemeClr val="accent1"/>
-          </a:lnRef>
-          <a:fillRef idx="1">
-            <a:schemeClr val="lt1"/>
-          </a:fillRef>
-          <a:effectRef idx="0">
-            <a:schemeClr val="accent1"/>
-          </a:effectRef>
-          <a:fontRef idx="minor">
-            <a:schemeClr val="dk1"/>
-          </a:fontRef>
-        </p:style>
-        <p:txBody>
-          <a:bodyPr wrap="square" rtlCol="0">
-            <a:spAutoFit/>
-          </a:bodyPr>
-          <a:lstStyle/>
-          <a:p>
-            <a:pPr algn="ctr"/>
-            <a:r>
-              <a:rPr kumimoji="1" lang="en-US" altLang="ko-KR" sz="1200" dirty="0"/>
-              <a:t>1</a:t>
-            </a:r>
-            <a:r>
-              <a:rPr kumimoji="1" lang="en-US" altLang="ko-Kore-KR" sz="1200" dirty="0"/>
-              <a:t>..*</a:t>
-            </a:r>
-            <a:endParaRPr kumimoji="1" lang="ko-Kore-KR" altLang="en-US" sz="1200" dirty="0"/>
-          </a:p>
-        </p:txBody>
-      </p:sp>
     </p:spTree>
     <p:extLst>
       <p:ext uri="{BB962C8B-B14F-4D97-AF65-F5344CB8AC3E}">
-        <p14:creationId xmlns:p14="http://schemas.microsoft.com/office/powerpoint/2010/main" val="2795276472"/>
+        <p14:creationId xmlns:p14="http://schemas.microsoft.com/office/powerpoint/2010/main" val="4048074943"/>
       </p:ext>
     </p:extLst>
   </p:cSld>
@@ -23076,7 +16289,7 @@
     </p:spTree>
     <p:extLst>
       <p:ext uri="{BB962C8B-B14F-4D97-AF65-F5344CB8AC3E}">
-        <p14:creationId xmlns:p14="http://schemas.microsoft.com/office/powerpoint/2010/main" val="3668495131"/>
+        <p14:creationId xmlns:p14="http://schemas.microsoft.com/office/powerpoint/2010/main" val="2650590517"/>
       </p:ext>
     </p:extLst>
   </p:cSld>
@@ -23106,7 +16319,7 @@
     </p:spTree>
     <p:extLst>
       <p:ext uri="{BB962C8B-B14F-4D97-AF65-F5344CB8AC3E}">
-        <p14:creationId xmlns:p14="http://schemas.microsoft.com/office/powerpoint/2010/main" val="4048074943"/>
+        <p14:creationId xmlns:p14="http://schemas.microsoft.com/office/powerpoint/2010/main" val="486749095"/>
       </p:ext>
     </p:extLst>
   </p:cSld>
@@ -23136,7 +16349,7 @@
     </p:spTree>
     <p:extLst>
       <p:ext uri="{BB962C8B-B14F-4D97-AF65-F5344CB8AC3E}">
-        <p14:creationId xmlns:p14="http://schemas.microsoft.com/office/powerpoint/2010/main" val="2650590517"/>
+        <p14:creationId xmlns:p14="http://schemas.microsoft.com/office/powerpoint/2010/main" val="4187713137"/>
       </p:ext>
     </p:extLst>
   </p:cSld>
@@ -23166,7 +16379,7 @@
     </p:spTree>
     <p:extLst>
       <p:ext uri="{BB962C8B-B14F-4D97-AF65-F5344CB8AC3E}">
-        <p14:creationId xmlns:p14="http://schemas.microsoft.com/office/powerpoint/2010/main" val="486749095"/>
+        <p14:creationId xmlns:p14="http://schemas.microsoft.com/office/powerpoint/2010/main" val="1518173281"/>
       </p:ext>
     </p:extLst>
   </p:cSld>
@@ -23196,7 +16409,7 @@
     </p:spTree>
     <p:extLst>
       <p:ext uri="{BB962C8B-B14F-4D97-AF65-F5344CB8AC3E}">
-        <p14:creationId xmlns:p14="http://schemas.microsoft.com/office/powerpoint/2010/main" val="4187713137"/>
+        <p14:creationId xmlns:p14="http://schemas.microsoft.com/office/powerpoint/2010/main" val="1913576828"/>
       </p:ext>
     </p:extLst>
   </p:cSld>
@@ -23226,7 +16439,7 @@
     </p:spTree>
     <p:extLst>
       <p:ext uri="{BB962C8B-B14F-4D97-AF65-F5344CB8AC3E}">
-        <p14:creationId xmlns:p14="http://schemas.microsoft.com/office/powerpoint/2010/main" val="1518173281"/>
+        <p14:creationId xmlns:p14="http://schemas.microsoft.com/office/powerpoint/2010/main" val="2280015186"/>
       </p:ext>
     </p:extLst>
   </p:cSld>
@@ -23256,7 +16469,7 @@
     </p:spTree>
     <p:extLst>
       <p:ext uri="{BB962C8B-B14F-4D97-AF65-F5344CB8AC3E}">
-        <p14:creationId xmlns:p14="http://schemas.microsoft.com/office/powerpoint/2010/main" val="1913576828"/>
+        <p14:creationId xmlns:p14="http://schemas.microsoft.com/office/powerpoint/2010/main" val="3610269479"/>
       </p:ext>
     </p:extLst>
   </p:cSld>
@@ -23286,7 +16499,7 @@
     </p:spTree>
     <p:extLst>
       <p:ext uri="{BB962C8B-B14F-4D97-AF65-F5344CB8AC3E}">
-        <p14:creationId xmlns:p14="http://schemas.microsoft.com/office/powerpoint/2010/main" val="2280015186"/>
+        <p14:creationId xmlns:p14="http://schemas.microsoft.com/office/powerpoint/2010/main" val="3781693062"/>
       </p:ext>
     </p:extLst>
   </p:cSld>
@@ -23316,7 +16529,7 @@
     </p:spTree>
     <p:extLst>
       <p:ext uri="{BB962C8B-B14F-4D97-AF65-F5344CB8AC3E}">
-        <p14:creationId xmlns:p14="http://schemas.microsoft.com/office/powerpoint/2010/main" val="3610269479"/>
+        <p14:creationId xmlns:p14="http://schemas.microsoft.com/office/powerpoint/2010/main" val="3244153813"/>
       </p:ext>
     </p:extLst>
   </p:cSld>
@@ -23346,7 +16559,7 @@
     </p:spTree>
     <p:extLst>
       <p:ext uri="{BB962C8B-B14F-4D97-AF65-F5344CB8AC3E}">
-        <p14:creationId xmlns:p14="http://schemas.microsoft.com/office/powerpoint/2010/main" val="3781693062"/>
+        <p14:creationId xmlns:p14="http://schemas.microsoft.com/office/powerpoint/2010/main" val="3913396264"/>
       </p:ext>
     </p:extLst>
   </p:cSld>
@@ -24044,7 +17257,7 @@
     </p:spTree>
     <p:extLst>
       <p:ext uri="{BB962C8B-B14F-4D97-AF65-F5344CB8AC3E}">
-        <p14:creationId xmlns:p14="http://schemas.microsoft.com/office/powerpoint/2010/main" val="3244153813"/>
+        <p14:creationId xmlns:p14="http://schemas.microsoft.com/office/powerpoint/2010/main" val="682607786"/>
       </p:ext>
     </p:extLst>
   </p:cSld>
@@ -24074,7 +17287,7 @@
     </p:spTree>
     <p:extLst>
       <p:ext uri="{BB962C8B-B14F-4D97-AF65-F5344CB8AC3E}">
-        <p14:creationId xmlns:p14="http://schemas.microsoft.com/office/powerpoint/2010/main" val="3913396264"/>
+        <p14:creationId xmlns:p14="http://schemas.microsoft.com/office/powerpoint/2010/main" val="1180278508"/>
       </p:ext>
     </p:extLst>
   </p:cSld>
@@ -24104,7 +17317,7 @@
     </p:spTree>
     <p:extLst>
       <p:ext uri="{BB962C8B-B14F-4D97-AF65-F5344CB8AC3E}">
-        <p14:creationId xmlns:p14="http://schemas.microsoft.com/office/powerpoint/2010/main" val="682607786"/>
+        <p14:creationId xmlns:p14="http://schemas.microsoft.com/office/powerpoint/2010/main" val="558197416"/>
       </p:ext>
     </p:extLst>
   </p:cSld>
@@ -24134,7 +17347,7 @@
     </p:spTree>
     <p:extLst>
       <p:ext uri="{BB962C8B-B14F-4D97-AF65-F5344CB8AC3E}">
-        <p14:creationId xmlns:p14="http://schemas.microsoft.com/office/powerpoint/2010/main" val="1180278508"/>
+        <p14:creationId xmlns:p14="http://schemas.microsoft.com/office/powerpoint/2010/main" val="4066365308"/>
       </p:ext>
     </p:extLst>
   </p:cSld>
@@ -24164,7 +17377,7 @@
     </p:spTree>
     <p:extLst>
       <p:ext uri="{BB962C8B-B14F-4D97-AF65-F5344CB8AC3E}">
-        <p14:creationId xmlns:p14="http://schemas.microsoft.com/office/powerpoint/2010/main" val="558197416"/>
+        <p14:creationId xmlns:p14="http://schemas.microsoft.com/office/powerpoint/2010/main" val="3523135999"/>
       </p:ext>
     </p:extLst>
   </p:cSld>
@@ -24194,7 +17407,7 @@
     </p:spTree>
     <p:extLst>
       <p:ext uri="{BB962C8B-B14F-4D97-AF65-F5344CB8AC3E}">
-        <p14:creationId xmlns:p14="http://schemas.microsoft.com/office/powerpoint/2010/main" val="4066365308"/>
+        <p14:creationId xmlns:p14="http://schemas.microsoft.com/office/powerpoint/2010/main" val="3491279388"/>
       </p:ext>
     </p:extLst>
   </p:cSld>
@@ -24224,7 +17437,7 @@
     </p:spTree>
     <p:extLst>
       <p:ext uri="{BB962C8B-B14F-4D97-AF65-F5344CB8AC3E}">
-        <p14:creationId xmlns:p14="http://schemas.microsoft.com/office/powerpoint/2010/main" val="3523135999"/>
+        <p14:creationId xmlns:p14="http://schemas.microsoft.com/office/powerpoint/2010/main" val="1442108686"/>
       </p:ext>
     </p:extLst>
   </p:cSld>
@@ -24254,7 +17467,7 @@
     </p:spTree>
     <p:extLst>
       <p:ext uri="{BB962C8B-B14F-4D97-AF65-F5344CB8AC3E}">
-        <p14:creationId xmlns:p14="http://schemas.microsoft.com/office/powerpoint/2010/main" val="3491279388"/>
+        <p14:creationId xmlns:p14="http://schemas.microsoft.com/office/powerpoint/2010/main" val="1620877337"/>
       </p:ext>
     </p:extLst>
   </p:cSld>
@@ -24284,7 +17497,7 @@
     </p:spTree>
     <p:extLst>
       <p:ext uri="{BB962C8B-B14F-4D97-AF65-F5344CB8AC3E}">
-        <p14:creationId xmlns:p14="http://schemas.microsoft.com/office/powerpoint/2010/main" val="1442108686"/>
+        <p14:creationId xmlns:p14="http://schemas.microsoft.com/office/powerpoint/2010/main" val="2112818761"/>
       </p:ext>
     </p:extLst>
   </p:cSld>
@@ -24314,7 +17527,7 @@
     </p:spTree>
     <p:extLst>
       <p:ext uri="{BB962C8B-B14F-4D97-AF65-F5344CB8AC3E}">
-        <p14:creationId xmlns:p14="http://schemas.microsoft.com/office/powerpoint/2010/main" val="1620877337"/>
+        <p14:creationId xmlns:p14="http://schemas.microsoft.com/office/powerpoint/2010/main" val="4164900616"/>
       </p:ext>
     </p:extLst>
   </p:cSld>
@@ -25089,66 +18302,6 @@
     <p:extLst>
       <p:ext uri="{BB962C8B-B14F-4D97-AF65-F5344CB8AC3E}">
         <p14:creationId xmlns:p14="http://schemas.microsoft.com/office/powerpoint/2010/main" val="1700731101"/>
-      </p:ext>
-    </p:extLst>
-  </p:cSld>
-  <p:clrMapOvr>
-    <a:masterClrMapping/>
-  </p:clrMapOvr>
-</p:sld>
-</file>
-
-<file path=ppt/slides/slide50.xml><?xml version="1.0" encoding="utf-8"?>
-<p:sld xmlns:a="http://schemas.openxmlformats.org/drawingml/2006/main" xmlns:r="http://schemas.openxmlformats.org/officeDocument/2006/relationships" xmlns:p="http://schemas.openxmlformats.org/presentationml/2006/main">
-  <p:cSld>
-    <p:spTree>
-      <p:nvGrpSpPr>
-        <p:cNvPr id="1" name=""/>
-        <p:cNvGrpSpPr/>
-        <p:nvPr/>
-      </p:nvGrpSpPr>
-      <p:grpSpPr>
-        <a:xfrm>
-          <a:off x="0" y="0"/>
-          <a:ext cx="0" cy="0"/>
-          <a:chOff x="0" y="0"/>
-          <a:chExt cx="0" cy="0"/>
-        </a:xfrm>
-      </p:grpSpPr>
-    </p:spTree>
-    <p:extLst>
-      <p:ext uri="{BB962C8B-B14F-4D97-AF65-F5344CB8AC3E}">
-        <p14:creationId xmlns:p14="http://schemas.microsoft.com/office/powerpoint/2010/main" val="2112818761"/>
-      </p:ext>
-    </p:extLst>
-  </p:cSld>
-  <p:clrMapOvr>
-    <a:masterClrMapping/>
-  </p:clrMapOvr>
-</p:sld>
-</file>
-
-<file path=ppt/slides/slide51.xml><?xml version="1.0" encoding="utf-8"?>
-<p:sld xmlns:a="http://schemas.openxmlformats.org/drawingml/2006/main" xmlns:r="http://schemas.openxmlformats.org/officeDocument/2006/relationships" xmlns:p="http://schemas.openxmlformats.org/presentationml/2006/main">
-  <p:cSld>
-    <p:spTree>
-      <p:nvGrpSpPr>
-        <p:cNvPr id="1" name=""/>
-        <p:cNvGrpSpPr/>
-        <p:nvPr/>
-      </p:nvGrpSpPr>
-      <p:grpSpPr>
-        <a:xfrm>
-          <a:off x="0" y="0"/>
-          <a:ext cx="0" cy="0"/>
-          <a:chOff x="0" y="0"/>
-          <a:chExt cx="0" cy="0"/>
-        </a:xfrm>
-      </p:grpSpPr>
-    </p:spTree>
-    <p:extLst>
-      <p:ext uri="{BB962C8B-B14F-4D97-AF65-F5344CB8AC3E}">
-        <p14:creationId xmlns:p14="http://schemas.microsoft.com/office/powerpoint/2010/main" val="4164900616"/>
       </p:ext>
     </p:extLst>
   </p:cSld>
